--- a/hw01.pptx
+++ b/hw01.pptx
@@ -2,18 +2,28 @@
 <file path=ppt/presentation.xml><?xml version="1.0" encoding="utf-8"?>
 <p:presentation xmlns:a="http://schemas.openxmlformats.org/drawingml/2006/main" xmlns:r="http://schemas.openxmlformats.org/officeDocument/2006/relationships" xmlns:p="http://schemas.openxmlformats.org/presentationml/2006/main" saveSubsetFonts="1">
   <p:sldMasterIdLst>
-    <p:sldMasterId id="2147483648" r:id="rId1"/>
+    <p:sldMasterId id="2147483708" r:id="rId1"/>
   </p:sldMasterIdLst>
+  <p:notesMasterIdLst>
+    <p:notesMasterId r:id="rId10"/>
+  </p:notesMasterIdLst>
   <p:sldIdLst>
     <p:sldId id="256" r:id="rId2"/>
+    <p:sldId id="257" r:id="rId3"/>
+    <p:sldId id="258" r:id="rId4"/>
+    <p:sldId id="259" r:id="rId5"/>
+    <p:sldId id="260" r:id="rId6"/>
+    <p:sldId id="261" r:id="rId7"/>
+    <p:sldId id="262" r:id="rId8"/>
+    <p:sldId id="263" r:id="rId9"/>
   </p:sldIdLst>
   <p:sldSz cx="12192000" cy="6858000"/>
   <p:notesSz cx="6858000" cy="9144000"/>
   <p:defaultTextStyle>
     <a:defPPr>
-      <a:defRPr lang="zh-TW"/>
+      <a:defRPr lang="en-US"/>
     </a:defPPr>
-    <a:lvl1pPr marL="0" algn="l" defTabSz="914400" rtl="0" eaLnBrk="1" latinLnBrk="0" hangingPunct="1">
+    <a:lvl1pPr marL="0" algn="l" defTabSz="457200" rtl="0" eaLnBrk="1" latinLnBrk="0" hangingPunct="1">
       <a:defRPr sz="1800" kern="1200">
         <a:solidFill>
           <a:schemeClr val="tx1"/>
@@ -23,7 +33,7 @@
         <a:cs typeface="+mn-cs"/>
       </a:defRPr>
     </a:lvl1pPr>
-    <a:lvl2pPr marL="457200" algn="l" defTabSz="914400" rtl="0" eaLnBrk="1" latinLnBrk="0" hangingPunct="1">
+    <a:lvl2pPr marL="457200" algn="l" defTabSz="457200" rtl="0" eaLnBrk="1" latinLnBrk="0" hangingPunct="1">
       <a:defRPr sz="1800" kern="1200">
         <a:solidFill>
           <a:schemeClr val="tx1"/>
@@ -33,7 +43,7 @@
         <a:cs typeface="+mn-cs"/>
       </a:defRPr>
     </a:lvl2pPr>
-    <a:lvl3pPr marL="914400" algn="l" defTabSz="914400" rtl="0" eaLnBrk="1" latinLnBrk="0" hangingPunct="1">
+    <a:lvl3pPr marL="914400" algn="l" defTabSz="457200" rtl="0" eaLnBrk="1" latinLnBrk="0" hangingPunct="1">
       <a:defRPr sz="1800" kern="1200">
         <a:solidFill>
           <a:schemeClr val="tx1"/>
@@ -43,7 +53,7 @@
         <a:cs typeface="+mn-cs"/>
       </a:defRPr>
     </a:lvl3pPr>
-    <a:lvl4pPr marL="1371600" algn="l" defTabSz="914400" rtl="0" eaLnBrk="1" latinLnBrk="0" hangingPunct="1">
+    <a:lvl4pPr marL="1371600" algn="l" defTabSz="457200" rtl="0" eaLnBrk="1" latinLnBrk="0" hangingPunct="1">
       <a:defRPr sz="1800" kern="1200">
         <a:solidFill>
           <a:schemeClr val="tx1"/>
@@ -53,7 +63,7 @@
         <a:cs typeface="+mn-cs"/>
       </a:defRPr>
     </a:lvl4pPr>
-    <a:lvl5pPr marL="1828800" algn="l" defTabSz="914400" rtl="0" eaLnBrk="1" latinLnBrk="0" hangingPunct="1">
+    <a:lvl5pPr marL="1828800" algn="l" defTabSz="457200" rtl="0" eaLnBrk="1" latinLnBrk="0" hangingPunct="1">
       <a:defRPr sz="1800" kern="1200">
         <a:solidFill>
           <a:schemeClr val="tx1"/>
@@ -63,7 +73,7 @@
         <a:cs typeface="+mn-cs"/>
       </a:defRPr>
     </a:lvl5pPr>
-    <a:lvl6pPr marL="2286000" algn="l" defTabSz="914400" rtl="0" eaLnBrk="1" latinLnBrk="0" hangingPunct="1">
+    <a:lvl6pPr marL="2286000" algn="l" defTabSz="457200" rtl="0" eaLnBrk="1" latinLnBrk="0" hangingPunct="1">
       <a:defRPr sz="1800" kern="1200">
         <a:solidFill>
           <a:schemeClr val="tx1"/>
@@ -73,7 +83,7 @@
         <a:cs typeface="+mn-cs"/>
       </a:defRPr>
     </a:lvl6pPr>
-    <a:lvl7pPr marL="2743200" algn="l" defTabSz="914400" rtl="0" eaLnBrk="1" latinLnBrk="0" hangingPunct="1">
+    <a:lvl7pPr marL="2743200" algn="l" defTabSz="457200" rtl="0" eaLnBrk="1" latinLnBrk="0" hangingPunct="1">
       <a:defRPr sz="1800" kern="1200">
         <a:solidFill>
           <a:schemeClr val="tx1"/>
@@ -83,7 +93,7 @@
         <a:cs typeface="+mn-cs"/>
       </a:defRPr>
     </a:lvl7pPr>
-    <a:lvl8pPr marL="3200400" algn="l" defTabSz="914400" rtl="0" eaLnBrk="1" latinLnBrk="0" hangingPunct="1">
+    <a:lvl8pPr marL="3200400" algn="l" defTabSz="457200" rtl="0" eaLnBrk="1" latinLnBrk="0" hangingPunct="1">
       <a:defRPr sz="1800" kern="1200">
         <a:solidFill>
           <a:schemeClr val="tx1"/>
@@ -93,7 +103,7 @@
         <a:cs typeface="+mn-cs"/>
       </a:defRPr>
     </a:lvl8pPr>
-    <a:lvl9pPr marL="3657600" algn="l" defTabSz="914400" rtl="0" eaLnBrk="1" latinLnBrk="0" hangingPunct="1">
+    <a:lvl9pPr marL="3657600" algn="l" defTabSz="457200" rtl="0" eaLnBrk="1" latinLnBrk="0" hangingPunct="1">
       <a:defRPr sz="1800" kern="1200">
         <a:solidFill>
           <a:schemeClr val="tx1"/>
@@ -104,11 +114,1089 @@
       </a:defRPr>
     </a:lvl9pPr>
   </p:defaultTextStyle>
+  <p:extLst>
+    <p:ext uri="{EFAFB233-063F-42B5-8137-9DF3F51BA10A}">
+      <p15:sldGuideLst xmlns:p15="http://schemas.microsoft.com/office/powerpoint/2012/main"/>
+    </p:ext>
+  </p:extLst>
 </p:presentation>
 </file>
 
+<file path=ppt/notesMasters/notesMaster1.xml><?xml version="1.0" encoding="utf-8"?>
+<p:notesMaster xmlns:a="http://schemas.openxmlformats.org/drawingml/2006/main" xmlns:r="http://schemas.openxmlformats.org/officeDocument/2006/relationships" xmlns:p="http://schemas.openxmlformats.org/presentationml/2006/main">
+  <p:cSld>
+    <p:bg>
+      <p:bgRef idx="1001">
+        <a:schemeClr val="bg1"/>
+      </p:bgRef>
+    </p:bg>
+    <p:spTree>
+      <p:nvGrpSpPr>
+        <p:cNvPr id="1" name=""/>
+        <p:cNvGrpSpPr/>
+        <p:nvPr/>
+      </p:nvGrpSpPr>
+      <p:grpSpPr>
+        <a:xfrm>
+          <a:off x="0" y="0"/>
+          <a:ext cx="0" cy="0"/>
+          <a:chOff x="0" y="0"/>
+          <a:chExt cx="0" cy="0"/>
+        </a:xfrm>
+      </p:grpSpPr>
+      <p:sp>
+        <p:nvSpPr>
+          <p:cNvPr id="2" name="頁首版面配置區 1"/>
+          <p:cNvSpPr>
+            <a:spLocks noGrp="1"/>
+          </p:cNvSpPr>
+          <p:nvPr>
+            <p:ph type="hdr" sz="quarter"/>
+          </p:nvPr>
+        </p:nvSpPr>
+        <p:spPr>
+          <a:xfrm>
+            <a:off x="0" y="0"/>
+            <a:ext cx="2971800" cy="458788"/>
+          </a:xfrm>
+          <a:prstGeom prst="rect">
+            <a:avLst/>
+          </a:prstGeom>
+        </p:spPr>
+        <p:txBody>
+          <a:bodyPr vert="horz" lIns="91440" tIns="45720" rIns="91440" bIns="45720" rtlCol="0"/>
+          <a:lstStyle>
+            <a:lvl1pPr algn="l">
+              <a:defRPr sz="1200"/>
+            </a:lvl1pPr>
+          </a:lstStyle>
+          <a:p>
+            <a:endParaRPr lang="zh-TW" altLang="en-US"/>
+          </a:p>
+        </p:txBody>
+      </p:sp>
+      <p:sp>
+        <p:nvSpPr>
+          <p:cNvPr id="3" name="日期版面配置區 2"/>
+          <p:cNvSpPr>
+            <a:spLocks noGrp="1"/>
+          </p:cNvSpPr>
+          <p:nvPr>
+            <p:ph type="dt" idx="1"/>
+          </p:nvPr>
+        </p:nvSpPr>
+        <p:spPr>
+          <a:xfrm>
+            <a:off x="3884613" y="0"/>
+            <a:ext cx="2971800" cy="458788"/>
+          </a:xfrm>
+          <a:prstGeom prst="rect">
+            <a:avLst/>
+          </a:prstGeom>
+        </p:spPr>
+        <p:txBody>
+          <a:bodyPr vert="horz" lIns="91440" tIns="45720" rIns="91440" bIns="45720" rtlCol="0"/>
+          <a:lstStyle>
+            <a:lvl1pPr algn="r">
+              <a:defRPr sz="1200"/>
+            </a:lvl1pPr>
+          </a:lstStyle>
+          <a:p>
+            <a:fld id="{0981C2C4-8BF1-4F69-A5C4-8C98241B6C22}" type="datetimeFigureOut">
+              <a:rPr lang="zh-TW" altLang="en-US" smtClean="0"/>
+              <a:t>2024/10/6</a:t>
+            </a:fld>
+            <a:endParaRPr lang="zh-TW" altLang="en-US"/>
+          </a:p>
+        </p:txBody>
+      </p:sp>
+      <p:sp>
+        <p:nvSpPr>
+          <p:cNvPr id="4" name="投影片影像版面配置區 3"/>
+          <p:cNvSpPr>
+            <a:spLocks noGrp="1" noRot="1" noChangeAspect="1"/>
+          </p:cNvSpPr>
+          <p:nvPr>
+            <p:ph type="sldImg" idx="2"/>
+          </p:nvPr>
+        </p:nvSpPr>
+        <p:spPr>
+          <a:xfrm>
+            <a:off x="685800" y="1143000"/>
+            <a:ext cx="5486400" cy="3086100"/>
+          </a:xfrm>
+          <a:prstGeom prst="rect">
+            <a:avLst/>
+          </a:prstGeom>
+          <a:noFill/>
+          <a:ln w="12700">
+            <a:solidFill>
+              <a:prstClr val="black"/>
+            </a:solidFill>
+          </a:ln>
+        </p:spPr>
+        <p:txBody>
+          <a:bodyPr vert="horz" lIns="91440" tIns="45720" rIns="91440" bIns="45720" rtlCol="0" anchor="ctr"/>
+          <a:lstStyle/>
+          <a:p>
+            <a:endParaRPr lang="zh-TW" altLang="en-US"/>
+          </a:p>
+        </p:txBody>
+      </p:sp>
+      <p:sp>
+        <p:nvSpPr>
+          <p:cNvPr id="5" name="備忘稿版面配置區 4"/>
+          <p:cNvSpPr>
+            <a:spLocks noGrp="1"/>
+          </p:cNvSpPr>
+          <p:nvPr>
+            <p:ph type="body" sz="quarter" idx="3"/>
+          </p:nvPr>
+        </p:nvSpPr>
+        <p:spPr>
+          <a:xfrm>
+            <a:off x="685800" y="4400550"/>
+            <a:ext cx="5486400" cy="3600450"/>
+          </a:xfrm>
+          <a:prstGeom prst="rect">
+            <a:avLst/>
+          </a:prstGeom>
+        </p:spPr>
+        <p:txBody>
+          <a:bodyPr vert="horz" lIns="91440" tIns="45720" rIns="91440" bIns="45720" rtlCol="0"/>
+          <a:lstStyle/>
+          <a:p>
+            <a:pPr lvl="0"/>
+            <a:r>
+              <a:rPr lang="zh-TW" altLang="en-US"/>
+              <a:t>按一下以編輯母片文字樣式</a:t>
+            </a:r>
+          </a:p>
+          <a:p>
+            <a:pPr lvl="1"/>
+            <a:r>
+              <a:rPr lang="zh-TW" altLang="en-US"/>
+              <a:t>第二層</a:t>
+            </a:r>
+          </a:p>
+          <a:p>
+            <a:pPr lvl="2"/>
+            <a:r>
+              <a:rPr lang="zh-TW" altLang="en-US"/>
+              <a:t>第三層</a:t>
+            </a:r>
+          </a:p>
+          <a:p>
+            <a:pPr lvl="3"/>
+            <a:r>
+              <a:rPr lang="zh-TW" altLang="en-US"/>
+              <a:t>第四層</a:t>
+            </a:r>
+          </a:p>
+          <a:p>
+            <a:pPr lvl="4"/>
+            <a:r>
+              <a:rPr lang="zh-TW" altLang="en-US"/>
+              <a:t>第五層</a:t>
+            </a:r>
+          </a:p>
+        </p:txBody>
+      </p:sp>
+      <p:sp>
+        <p:nvSpPr>
+          <p:cNvPr id="6" name="頁尾版面配置區 5"/>
+          <p:cNvSpPr>
+            <a:spLocks noGrp="1"/>
+          </p:cNvSpPr>
+          <p:nvPr>
+            <p:ph type="ftr" sz="quarter" idx="4"/>
+          </p:nvPr>
+        </p:nvSpPr>
+        <p:spPr>
+          <a:xfrm>
+            <a:off x="0" y="8685213"/>
+            <a:ext cx="2971800" cy="458787"/>
+          </a:xfrm>
+          <a:prstGeom prst="rect">
+            <a:avLst/>
+          </a:prstGeom>
+        </p:spPr>
+        <p:txBody>
+          <a:bodyPr vert="horz" lIns="91440" tIns="45720" rIns="91440" bIns="45720" rtlCol="0" anchor="b"/>
+          <a:lstStyle>
+            <a:lvl1pPr algn="l">
+              <a:defRPr sz="1200"/>
+            </a:lvl1pPr>
+          </a:lstStyle>
+          <a:p>
+            <a:endParaRPr lang="zh-TW" altLang="en-US"/>
+          </a:p>
+        </p:txBody>
+      </p:sp>
+      <p:sp>
+        <p:nvSpPr>
+          <p:cNvPr id="7" name="投影片編號版面配置區 6"/>
+          <p:cNvSpPr>
+            <a:spLocks noGrp="1"/>
+          </p:cNvSpPr>
+          <p:nvPr>
+            <p:ph type="sldNum" sz="quarter" idx="5"/>
+          </p:nvPr>
+        </p:nvSpPr>
+        <p:spPr>
+          <a:xfrm>
+            <a:off x="3884613" y="8685213"/>
+            <a:ext cx="2971800" cy="458787"/>
+          </a:xfrm>
+          <a:prstGeom prst="rect">
+            <a:avLst/>
+          </a:prstGeom>
+        </p:spPr>
+        <p:txBody>
+          <a:bodyPr vert="horz" lIns="91440" tIns="45720" rIns="91440" bIns="45720" rtlCol="0" anchor="b"/>
+          <a:lstStyle>
+            <a:lvl1pPr algn="r">
+              <a:defRPr sz="1200"/>
+            </a:lvl1pPr>
+          </a:lstStyle>
+          <a:p>
+            <a:fld id="{096A2EB8-5698-4C84-81D7-60C567CA24A8}" type="slidenum">
+              <a:rPr lang="zh-TW" altLang="en-US" smtClean="0"/>
+              <a:t>‹#›</a:t>
+            </a:fld>
+            <a:endParaRPr lang="zh-TW" altLang="en-US"/>
+          </a:p>
+        </p:txBody>
+      </p:sp>
+    </p:spTree>
+    <p:extLst>
+      <p:ext uri="{BB962C8B-B14F-4D97-AF65-F5344CB8AC3E}">
+        <p14:creationId xmlns:p14="http://schemas.microsoft.com/office/powerpoint/2010/main" val="1795848931"/>
+      </p:ext>
+    </p:extLst>
+  </p:cSld>
+  <p:clrMap bg1="lt1" tx1="dk1" bg2="lt2" tx2="dk2" accent1="accent1" accent2="accent2" accent3="accent3" accent4="accent4" accent5="accent5" accent6="accent6" hlink="hlink" folHlink="folHlink"/>
+  <p:notesStyle>
+    <a:lvl1pPr marL="0" algn="l" defTabSz="914400" rtl="0" eaLnBrk="1" latinLnBrk="0" hangingPunct="1">
+      <a:defRPr sz="1200" kern="1200">
+        <a:solidFill>
+          <a:schemeClr val="tx1"/>
+        </a:solidFill>
+        <a:latin typeface="+mn-lt"/>
+        <a:ea typeface="+mn-ea"/>
+        <a:cs typeface="+mn-cs"/>
+      </a:defRPr>
+    </a:lvl1pPr>
+    <a:lvl2pPr marL="457200" algn="l" defTabSz="914400" rtl="0" eaLnBrk="1" latinLnBrk="0" hangingPunct="1">
+      <a:defRPr sz="1200" kern="1200">
+        <a:solidFill>
+          <a:schemeClr val="tx1"/>
+        </a:solidFill>
+        <a:latin typeface="+mn-lt"/>
+        <a:ea typeface="+mn-ea"/>
+        <a:cs typeface="+mn-cs"/>
+      </a:defRPr>
+    </a:lvl2pPr>
+    <a:lvl3pPr marL="914400" algn="l" defTabSz="914400" rtl="0" eaLnBrk="1" latinLnBrk="0" hangingPunct="1">
+      <a:defRPr sz="1200" kern="1200">
+        <a:solidFill>
+          <a:schemeClr val="tx1"/>
+        </a:solidFill>
+        <a:latin typeface="+mn-lt"/>
+        <a:ea typeface="+mn-ea"/>
+        <a:cs typeface="+mn-cs"/>
+      </a:defRPr>
+    </a:lvl3pPr>
+    <a:lvl4pPr marL="1371600" algn="l" defTabSz="914400" rtl="0" eaLnBrk="1" latinLnBrk="0" hangingPunct="1">
+      <a:defRPr sz="1200" kern="1200">
+        <a:solidFill>
+          <a:schemeClr val="tx1"/>
+        </a:solidFill>
+        <a:latin typeface="+mn-lt"/>
+        <a:ea typeface="+mn-ea"/>
+        <a:cs typeface="+mn-cs"/>
+      </a:defRPr>
+    </a:lvl4pPr>
+    <a:lvl5pPr marL="1828800" algn="l" defTabSz="914400" rtl="0" eaLnBrk="1" latinLnBrk="0" hangingPunct="1">
+      <a:defRPr sz="1200" kern="1200">
+        <a:solidFill>
+          <a:schemeClr val="tx1"/>
+        </a:solidFill>
+        <a:latin typeface="+mn-lt"/>
+        <a:ea typeface="+mn-ea"/>
+        <a:cs typeface="+mn-cs"/>
+      </a:defRPr>
+    </a:lvl5pPr>
+    <a:lvl6pPr marL="2286000" algn="l" defTabSz="914400" rtl="0" eaLnBrk="1" latinLnBrk="0" hangingPunct="1">
+      <a:defRPr sz="1200" kern="1200">
+        <a:solidFill>
+          <a:schemeClr val="tx1"/>
+        </a:solidFill>
+        <a:latin typeface="+mn-lt"/>
+        <a:ea typeface="+mn-ea"/>
+        <a:cs typeface="+mn-cs"/>
+      </a:defRPr>
+    </a:lvl6pPr>
+    <a:lvl7pPr marL="2743200" algn="l" defTabSz="914400" rtl="0" eaLnBrk="1" latinLnBrk="0" hangingPunct="1">
+      <a:defRPr sz="1200" kern="1200">
+        <a:solidFill>
+          <a:schemeClr val="tx1"/>
+        </a:solidFill>
+        <a:latin typeface="+mn-lt"/>
+        <a:ea typeface="+mn-ea"/>
+        <a:cs typeface="+mn-cs"/>
+      </a:defRPr>
+    </a:lvl7pPr>
+    <a:lvl8pPr marL="3200400" algn="l" defTabSz="914400" rtl="0" eaLnBrk="1" latinLnBrk="0" hangingPunct="1">
+      <a:defRPr sz="1200" kern="1200">
+        <a:solidFill>
+          <a:schemeClr val="tx1"/>
+        </a:solidFill>
+        <a:latin typeface="+mn-lt"/>
+        <a:ea typeface="+mn-ea"/>
+        <a:cs typeface="+mn-cs"/>
+      </a:defRPr>
+    </a:lvl8pPr>
+    <a:lvl9pPr marL="3657600" algn="l" defTabSz="914400" rtl="0" eaLnBrk="1" latinLnBrk="0" hangingPunct="1">
+      <a:defRPr sz="1200" kern="1200">
+        <a:solidFill>
+          <a:schemeClr val="tx1"/>
+        </a:solidFill>
+        <a:latin typeface="+mn-lt"/>
+        <a:ea typeface="+mn-ea"/>
+        <a:cs typeface="+mn-cs"/>
+      </a:defRPr>
+    </a:lvl9pPr>
+  </p:notesStyle>
+</p:notesMaster>
+</file>
+
+<file path=ppt/notesSlides/notesSlide1.xml><?xml version="1.0" encoding="utf-8"?>
+<p:notes xmlns:a="http://schemas.openxmlformats.org/drawingml/2006/main" xmlns:r="http://schemas.openxmlformats.org/officeDocument/2006/relationships" xmlns:p="http://schemas.openxmlformats.org/presentationml/2006/main">
+  <p:cSld>
+    <p:spTree>
+      <p:nvGrpSpPr>
+        <p:cNvPr id="1" name=""/>
+        <p:cNvGrpSpPr/>
+        <p:nvPr/>
+      </p:nvGrpSpPr>
+      <p:grpSpPr>
+        <a:xfrm>
+          <a:off x="0" y="0"/>
+          <a:ext cx="0" cy="0"/>
+          <a:chOff x="0" y="0"/>
+          <a:chExt cx="0" cy="0"/>
+        </a:xfrm>
+      </p:grpSpPr>
+      <p:sp>
+        <p:nvSpPr>
+          <p:cNvPr id="2" name="投影片影像版面配置區 1"/>
+          <p:cNvSpPr>
+            <a:spLocks noGrp="1" noRot="1" noChangeAspect="1"/>
+          </p:cNvSpPr>
+          <p:nvPr>
+            <p:ph type="sldImg"/>
+          </p:nvPr>
+        </p:nvSpPr>
+        <p:spPr/>
+      </p:sp>
+      <p:sp>
+        <p:nvSpPr>
+          <p:cNvPr id="3" name="備忘稿版面配置區 2"/>
+          <p:cNvSpPr>
+            <a:spLocks noGrp="1"/>
+          </p:cNvSpPr>
+          <p:nvPr>
+            <p:ph type="body" idx="1"/>
+          </p:nvPr>
+        </p:nvSpPr>
+        <p:spPr/>
+        <p:txBody>
+          <a:bodyPr/>
+          <a:lstStyle/>
+          <a:p>
+            <a:r>
+              <a:rPr lang="en-US" altLang="zh-TW" dirty="0"/>
+              <a:t>prompt:</a:t>
+            </a:r>
+            <a:r>
+              <a:rPr lang="zh-TW" altLang="en-US" dirty="0"/>
+              <a:t>給我一個頭髮為白色且瞳孔也為白色並且穿者黑色連帽長袖衣服 的男高中生 畫風動漫風</a:t>
+            </a:r>
+            <a:endParaRPr lang="en-US" altLang="zh-TW" dirty="0"/>
+          </a:p>
+          <a:p>
+            <a:endParaRPr lang="en-US" altLang="zh-TW" dirty="0"/>
+          </a:p>
+          <a:p>
+            <a:r>
+              <a:rPr lang="zh-TW" altLang="en-US" sz="4800" b="1" dirty="0"/>
+              <a:t>我是天生患有白化症的高中生，從小就有個夢想：成為第一位打進世界盃的白化症足球員。這對很多人來說是天方夜譚，但對我，它就是我努力的目標，所以我從小就努力練習</a:t>
+            </a:r>
+            <a:endParaRPr lang="en-US" altLang="zh-TW" sz="4800" b="1" dirty="0"/>
+          </a:p>
+        </p:txBody>
+      </p:sp>
+      <p:sp>
+        <p:nvSpPr>
+          <p:cNvPr id="4" name="投影片編號版面配置區 3"/>
+          <p:cNvSpPr>
+            <a:spLocks noGrp="1"/>
+          </p:cNvSpPr>
+          <p:nvPr>
+            <p:ph type="sldNum" sz="quarter" idx="5"/>
+          </p:nvPr>
+        </p:nvSpPr>
+        <p:spPr/>
+        <p:txBody>
+          <a:bodyPr/>
+          <a:lstStyle/>
+          <a:p>
+            <a:fld id="{096A2EB8-5698-4C84-81D7-60C567CA24A8}" type="slidenum">
+              <a:rPr lang="zh-TW" altLang="en-US" smtClean="0"/>
+              <a:t>2</a:t>
+            </a:fld>
+            <a:endParaRPr lang="zh-TW" altLang="en-US"/>
+          </a:p>
+        </p:txBody>
+      </p:sp>
+    </p:spTree>
+    <p:extLst>
+      <p:ext uri="{BB962C8B-B14F-4D97-AF65-F5344CB8AC3E}">
+        <p14:creationId xmlns:p14="http://schemas.microsoft.com/office/powerpoint/2010/main" val="3531445430"/>
+      </p:ext>
+    </p:extLst>
+  </p:cSld>
+  <p:clrMapOvr>
+    <a:masterClrMapping/>
+  </p:clrMapOvr>
+</p:notes>
+</file>
+
+<file path=ppt/notesSlides/notesSlide2.xml><?xml version="1.0" encoding="utf-8"?>
+<p:notes xmlns:a="http://schemas.openxmlformats.org/drawingml/2006/main" xmlns:r="http://schemas.openxmlformats.org/officeDocument/2006/relationships" xmlns:p="http://schemas.openxmlformats.org/presentationml/2006/main">
+  <p:cSld>
+    <p:spTree>
+      <p:nvGrpSpPr>
+        <p:cNvPr id="1" name=""/>
+        <p:cNvGrpSpPr/>
+        <p:nvPr/>
+      </p:nvGrpSpPr>
+      <p:grpSpPr>
+        <a:xfrm>
+          <a:off x="0" y="0"/>
+          <a:ext cx="0" cy="0"/>
+          <a:chOff x="0" y="0"/>
+          <a:chExt cx="0" cy="0"/>
+        </a:xfrm>
+      </p:grpSpPr>
+      <p:sp>
+        <p:nvSpPr>
+          <p:cNvPr id="2" name="投影片影像版面配置區 1"/>
+          <p:cNvSpPr>
+            <a:spLocks noGrp="1" noRot="1" noChangeAspect="1"/>
+          </p:cNvSpPr>
+          <p:nvPr>
+            <p:ph type="sldImg"/>
+          </p:nvPr>
+        </p:nvSpPr>
+        <p:spPr/>
+      </p:sp>
+      <p:sp>
+        <p:nvSpPr>
+          <p:cNvPr id="3" name="備忘稿版面配置區 2"/>
+          <p:cNvSpPr>
+            <a:spLocks noGrp="1"/>
+          </p:cNvSpPr>
+          <p:nvPr>
+            <p:ph type="body" idx="1"/>
+          </p:nvPr>
+        </p:nvSpPr>
+        <p:spPr/>
+        <p:txBody>
+          <a:bodyPr/>
+          <a:lstStyle/>
+          <a:p>
+            <a:r>
+              <a:rPr lang="en-US" altLang="zh-TW" dirty="0"/>
+              <a:t>prompt: </a:t>
+            </a:r>
+            <a:r>
+              <a:rPr lang="zh-TW" altLang="en-US" dirty="0"/>
+              <a:t>給我一個頭髮為白色且瞳孔也為白色並且穿者黑色連帽長袖衣服 的男高中生被其他人霸凌疏離的畫面背景為球隊更衣室 畫風動漫風</a:t>
+            </a:r>
+            <a:endParaRPr lang="en-US" altLang="zh-TW" dirty="0"/>
+          </a:p>
+          <a:p>
+            <a:endParaRPr lang="en-US" altLang="zh-TW" dirty="0"/>
+          </a:p>
+          <a:p>
+            <a:r>
+              <a:rPr lang="zh-TW" altLang="en-US" sz="3600" b="1" dirty="0"/>
+              <a:t>在學校足球隊裡，我遭遇了很大的阻礙。當時的隊長不但沒有鼓勵我，還因為我的外貌霸凌我，讓其他隊友也疏遠我。雖然我很孤單，也懷疑自己，但我知道，我不會因為這些放棄。</a:t>
+            </a:r>
+          </a:p>
+        </p:txBody>
+      </p:sp>
+      <p:sp>
+        <p:nvSpPr>
+          <p:cNvPr id="4" name="投影片編號版面配置區 3"/>
+          <p:cNvSpPr>
+            <a:spLocks noGrp="1"/>
+          </p:cNvSpPr>
+          <p:nvPr>
+            <p:ph type="sldNum" sz="quarter" idx="5"/>
+          </p:nvPr>
+        </p:nvSpPr>
+        <p:spPr/>
+        <p:txBody>
+          <a:bodyPr/>
+          <a:lstStyle/>
+          <a:p>
+            <a:fld id="{096A2EB8-5698-4C84-81D7-60C567CA24A8}" type="slidenum">
+              <a:rPr lang="zh-TW" altLang="en-US" smtClean="0"/>
+              <a:t>3</a:t>
+            </a:fld>
+            <a:endParaRPr lang="zh-TW" altLang="en-US"/>
+          </a:p>
+        </p:txBody>
+      </p:sp>
+    </p:spTree>
+    <p:extLst>
+      <p:ext uri="{BB962C8B-B14F-4D97-AF65-F5344CB8AC3E}">
+        <p14:creationId xmlns:p14="http://schemas.microsoft.com/office/powerpoint/2010/main" val="524694010"/>
+      </p:ext>
+    </p:extLst>
+  </p:cSld>
+  <p:clrMapOvr>
+    <a:masterClrMapping/>
+  </p:clrMapOvr>
+</p:notes>
+</file>
+
+<file path=ppt/notesSlides/notesSlide3.xml><?xml version="1.0" encoding="utf-8"?>
+<p:notes xmlns:a="http://schemas.openxmlformats.org/drawingml/2006/main" xmlns:r="http://schemas.openxmlformats.org/officeDocument/2006/relationships" xmlns:p="http://schemas.openxmlformats.org/presentationml/2006/main">
+  <p:cSld>
+    <p:spTree>
+      <p:nvGrpSpPr>
+        <p:cNvPr id="1" name=""/>
+        <p:cNvGrpSpPr/>
+        <p:nvPr/>
+      </p:nvGrpSpPr>
+      <p:grpSpPr>
+        <a:xfrm>
+          <a:off x="0" y="0"/>
+          <a:ext cx="0" cy="0"/>
+          <a:chOff x="0" y="0"/>
+          <a:chExt cx="0" cy="0"/>
+        </a:xfrm>
+      </p:grpSpPr>
+      <p:sp>
+        <p:nvSpPr>
+          <p:cNvPr id="2" name="投影片影像版面配置區 1"/>
+          <p:cNvSpPr>
+            <a:spLocks noGrp="1" noRot="1" noChangeAspect="1"/>
+          </p:cNvSpPr>
+          <p:nvPr>
+            <p:ph type="sldImg"/>
+          </p:nvPr>
+        </p:nvSpPr>
+        <p:spPr/>
+      </p:sp>
+      <p:sp>
+        <p:nvSpPr>
+          <p:cNvPr id="3" name="備忘稿版面配置區 2"/>
+          <p:cNvSpPr>
+            <a:spLocks noGrp="1"/>
+          </p:cNvSpPr>
+          <p:nvPr>
+            <p:ph type="body" idx="1"/>
+          </p:nvPr>
+        </p:nvSpPr>
+        <p:spPr/>
+        <p:txBody>
+          <a:bodyPr/>
+          <a:lstStyle/>
+          <a:p>
+            <a:r>
+              <a:rPr lang="en-US" altLang="zh-TW" dirty="0"/>
+              <a:t>prompt</a:t>
+            </a:r>
+            <a:r>
+              <a:rPr lang="zh-TW" altLang="en-US" dirty="0"/>
+              <a:t>  </a:t>
+            </a:r>
+            <a:r>
+              <a:rPr lang="en-US" altLang="zh-TW" dirty="0"/>
+              <a:t>:</a:t>
+            </a:r>
+            <a:r>
+              <a:rPr lang="zh-TW" altLang="en-US" dirty="0"/>
+              <a:t>給我一個白色頭髮日本男高中獨自練習足球且背景為無人</a:t>
+            </a:r>
+            <a:endParaRPr lang="en-US" altLang="zh-TW" dirty="0"/>
+          </a:p>
+          <a:p>
+            <a:endParaRPr lang="en-US" altLang="zh-TW" dirty="0"/>
+          </a:p>
+          <a:p>
+            <a:r>
+              <a:rPr lang="zh-TW" altLang="en-US" b="1" dirty="0"/>
+              <a:t>我每天放學後自己加練，努力提高技術，默默向教練證明我的能力。我相信，實力最終會說話。</a:t>
+            </a:r>
+          </a:p>
+        </p:txBody>
+      </p:sp>
+      <p:sp>
+        <p:nvSpPr>
+          <p:cNvPr id="4" name="投影片編號版面配置區 3"/>
+          <p:cNvSpPr>
+            <a:spLocks noGrp="1"/>
+          </p:cNvSpPr>
+          <p:nvPr>
+            <p:ph type="sldNum" sz="quarter" idx="5"/>
+          </p:nvPr>
+        </p:nvSpPr>
+        <p:spPr/>
+        <p:txBody>
+          <a:bodyPr/>
+          <a:lstStyle/>
+          <a:p>
+            <a:fld id="{096A2EB8-5698-4C84-81D7-60C567CA24A8}" type="slidenum">
+              <a:rPr lang="zh-TW" altLang="en-US" smtClean="0"/>
+              <a:t>4</a:t>
+            </a:fld>
+            <a:endParaRPr lang="zh-TW" altLang="en-US"/>
+          </a:p>
+        </p:txBody>
+      </p:sp>
+    </p:spTree>
+    <p:extLst>
+      <p:ext uri="{BB962C8B-B14F-4D97-AF65-F5344CB8AC3E}">
+        <p14:creationId xmlns:p14="http://schemas.microsoft.com/office/powerpoint/2010/main" val="2818568104"/>
+      </p:ext>
+    </p:extLst>
+  </p:cSld>
+  <p:clrMapOvr>
+    <a:masterClrMapping/>
+  </p:clrMapOvr>
+</p:notes>
+</file>
+
+<file path=ppt/notesSlides/notesSlide4.xml><?xml version="1.0" encoding="utf-8"?>
+<p:notes xmlns:a="http://schemas.openxmlformats.org/drawingml/2006/main" xmlns:r="http://schemas.openxmlformats.org/officeDocument/2006/relationships" xmlns:p="http://schemas.openxmlformats.org/presentationml/2006/main">
+  <p:cSld>
+    <p:spTree>
+      <p:nvGrpSpPr>
+        <p:cNvPr id="1" name=""/>
+        <p:cNvGrpSpPr/>
+        <p:nvPr/>
+      </p:nvGrpSpPr>
+      <p:grpSpPr>
+        <a:xfrm>
+          <a:off x="0" y="0"/>
+          <a:ext cx="0" cy="0"/>
+          <a:chOff x="0" y="0"/>
+          <a:chExt cx="0" cy="0"/>
+        </a:xfrm>
+      </p:grpSpPr>
+      <p:sp>
+        <p:nvSpPr>
+          <p:cNvPr id="2" name="投影片影像版面配置區 1"/>
+          <p:cNvSpPr>
+            <a:spLocks noGrp="1" noRot="1" noChangeAspect="1"/>
+          </p:cNvSpPr>
+          <p:nvPr>
+            <p:ph type="sldImg"/>
+          </p:nvPr>
+        </p:nvSpPr>
+        <p:spPr/>
+      </p:sp>
+      <p:sp>
+        <p:nvSpPr>
+          <p:cNvPr id="3" name="備忘稿版面配置區 2"/>
+          <p:cNvSpPr>
+            <a:spLocks noGrp="1"/>
+          </p:cNvSpPr>
+          <p:nvPr>
+            <p:ph type="body" idx="1"/>
+          </p:nvPr>
+        </p:nvSpPr>
+        <p:spPr/>
+        <p:txBody>
+          <a:bodyPr/>
+          <a:lstStyle/>
+          <a:p>
+            <a:r>
+              <a:rPr lang="en-US" altLang="zh-TW" dirty="0"/>
+              <a:t>prompt:</a:t>
+            </a:r>
+            <a:r>
+              <a:rPr lang="zh-TW" altLang="en-US" dirty="0"/>
+              <a:t>給我一個穿者球衣的黑色頭髮男生球員受傷 動漫風</a:t>
+            </a:r>
+            <a:endParaRPr lang="en-US" altLang="zh-TW" dirty="0"/>
+          </a:p>
+          <a:p>
+            <a:endParaRPr lang="en-US" altLang="zh-TW" dirty="0"/>
+          </a:p>
+          <a:p>
+            <a:r>
+              <a:rPr lang="zh-TW" altLang="en-US" b="1" dirty="0"/>
+              <a:t>我的機會終於來了。在一場比賽中，主力球員受傷，我被推上場，並且成為其中的主力攻擊手。</a:t>
+            </a:r>
+          </a:p>
+        </p:txBody>
+      </p:sp>
+      <p:sp>
+        <p:nvSpPr>
+          <p:cNvPr id="4" name="投影片編號版面配置區 3"/>
+          <p:cNvSpPr>
+            <a:spLocks noGrp="1"/>
+          </p:cNvSpPr>
+          <p:nvPr>
+            <p:ph type="sldNum" sz="quarter" idx="5"/>
+          </p:nvPr>
+        </p:nvSpPr>
+        <p:spPr/>
+        <p:txBody>
+          <a:bodyPr/>
+          <a:lstStyle/>
+          <a:p>
+            <a:fld id="{096A2EB8-5698-4C84-81D7-60C567CA24A8}" type="slidenum">
+              <a:rPr lang="zh-TW" altLang="en-US" smtClean="0"/>
+              <a:t>5</a:t>
+            </a:fld>
+            <a:endParaRPr lang="zh-TW" altLang="en-US"/>
+          </a:p>
+        </p:txBody>
+      </p:sp>
+    </p:spTree>
+    <p:extLst>
+      <p:ext uri="{BB962C8B-B14F-4D97-AF65-F5344CB8AC3E}">
+        <p14:creationId xmlns:p14="http://schemas.microsoft.com/office/powerpoint/2010/main" val="1035076074"/>
+      </p:ext>
+    </p:extLst>
+  </p:cSld>
+  <p:clrMapOvr>
+    <a:masterClrMapping/>
+  </p:clrMapOvr>
+</p:notes>
+</file>
+
+<file path=ppt/notesSlides/notesSlide5.xml><?xml version="1.0" encoding="utf-8"?>
+<p:notes xmlns:a="http://schemas.openxmlformats.org/drawingml/2006/main" xmlns:r="http://schemas.openxmlformats.org/officeDocument/2006/relationships" xmlns:p="http://schemas.openxmlformats.org/presentationml/2006/main">
+  <p:cSld>
+    <p:spTree>
+      <p:nvGrpSpPr>
+        <p:cNvPr id="1" name=""/>
+        <p:cNvGrpSpPr/>
+        <p:nvPr/>
+      </p:nvGrpSpPr>
+      <p:grpSpPr>
+        <a:xfrm>
+          <a:off x="0" y="0"/>
+          <a:ext cx="0" cy="0"/>
+          <a:chOff x="0" y="0"/>
+          <a:chExt cx="0" cy="0"/>
+        </a:xfrm>
+      </p:grpSpPr>
+      <p:sp>
+        <p:nvSpPr>
+          <p:cNvPr id="2" name="投影片影像版面配置區 1"/>
+          <p:cNvSpPr>
+            <a:spLocks noGrp="1" noRot="1" noChangeAspect="1"/>
+          </p:cNvSpPr>
+          <p:nvPr>
+            <p:ph type="sldImg"/>
+          </p:nvPr>
+        </p:nvSpPr>
+        <p:spPr/>
+      </p:sp>
+      <p:sp>
+        <p:nvSpPr>
+          <p:cNvPr id="3" name="備忘稿版面配置區 2"/>
+          <p:cNvSpPr>
+            <a:spLocks noGrp="1"/>
+          </p:cNvSpPr>
+          <p:nvPr>
+            <p:ph type="body" idx="1"/>
+          </p:nvPr>
+        </p:nvSpPr>
+        <p:spPr/>
+        <p:txBody>
+          <a:bodyPr/>
+          <a:lstStyle/>
+          <a:p>
+            <a:r>
+              <a:rPr lang="en-US" altLang="zh-TW" dirty="0"/>
+              <a:t>prompt:</a:t>
+            </a:r>
+            <a:r>
+              <a:rPr lang="zh-TW" altLang="en-US" dirty="0"/>
+              <a:t>給我 一個紅色頭髮的男高中生不傳球給白頭髮高中生的比賽圖彼此為隊友 動漫風</a:t>
+            </a:r>
+            <a:endParaRPr lang="en-US" altLang="zh-TW" dirty="0"/>
+          </a:p>
+          <a:p>
+            <a:endParaRPr lang="en-US" altLang="zh-TW" dirty="0"/>
+          </a:p>
+          <a:p>
+            <a:r>
+              <a:rPr lang="zh-TW" altLang="en-US" b="1" dirty="0"/>
+              <a:t>可沒想到，曾經霸凌我的隊長仍不傳球給我，想再次打壓我，使我錯過這次寶貴的上場機會，這是我沒有預料到的意外。</a:t>
+            </a:r>
+          </a:p>
+        </p:txBody>
+      </p:sp>
+      <p:sp>
+        <p:nvSpPr>
+          <p:cNvPr id="4" name="投影片編號版面配置區 3"/>
+          <p:cNvSpPr>
+            <a:spLocks noGrp="1"/>
+          </p:cNvSpPr>
+          <p:nvPr>
+            <p:ph type="sldNum" sz="quarter" idx="5"/>
+          </p:nvPr>
+        </p:nvSpPr>
+        <p:spPr/>
+        <p:txBody>
+          <a:bodyPr/>
+          <a:lstStyle/>
+          <a:p>
+            <a:fld id="{096A2EB8-5698-4C84-81D7-60C567CA24A8}" type="slidenum">
+              <a:rPr lang="zh-TW" altLang="en-US" smtClean="0"/>
+              <a:t>6</a:t>
+            </a:fld>
+            <a:endParaRPr lang="zh-TW" altLang="en-US"/>
+          </a:p>
+        </p:txBody>
+      </p:sp>
+    </p:spTree>
+    <p:extLst>
+      <p:ext uri="{BB962C8B-B14F-4D97-AF65-F5344CB8AC3E}">
+        <p14:creationId xmlns:p14="http://schemas.microsoft.com/office/powerpoint/2010/main" val="3418878655"/>
+      </p:ext>
+    </p:extLst>
+  </p:cSld>
+  <p:clrMapOvr>
+    <a:masterClrMapping/>
+  </p:clrMapOvr>
+</p:notes>
+</file>
+
+<file path=ppt/notesSlides/notesSlide6.xml><?xml version="1.0" encoding="utf-8"?>
+<p:notes xmlns:a="http://schemas.openxmlformats.org/drawingml/2006/main" xmlns:r="http://schemas.openxmlformats.org/officeDocument/2006/relationships" xmlns:p="http://schemas.openxmlformats.org/presentationml/2006/main">
+  <p:cSld>
+    <p:spTree>
+      <p:nvGrpSpPr>
+        <p:cNvPr id="1" name=""/>
+        <p:cNvGrpSpPr/>
+        <p:nvPr/>
+      </p:nvGrpSpPr>
+      <p:grpSpPr>
+        <a:xfrm>
+          <a:off x="0" y="0"/>
+          <a:ext cx="0" cy="0"/>
+          <a:chOff x="0" y="0"/>
+          <a:chExt cx="0" cy="0"/>
+        </a:xfrm>
+      </p:grpSpPr>
+      <p:sp>
+        <p:nvSpPr>
+          <p:cNvPr id="2" name="投影片影像版面配置區 1"/>
+          <p:cNvSpPr>
+            <a:spLocks noGrp="1" noRot="1" noChangeAspect="1"/>
+          </p:cNvSpPr>
+          <p:nvPr>
+            <p:ph type="sldImg"/>
+          </p:nvPr>
+        </p:nvSpPr>
+        <p:spPr/>
+      </p:sp>
+      <p:sp>
+        <p:nvSpPr>
+          <p:cNvPr id="3" name="備忘稿版面配置區 2"/>
+          <p:cNvSpPr>
+            <a:spLocks noGrp="1"/>
+          </p:cNvSpPr>
+          <p:nvPr>
+            <p:ph type="body" idx="1"/>
+          </p:nvPr>
+        </p:nvSpPr>
+        <p:spPr/>
+        <p:txBody>
+          <a:bodyPr/>
+          <a:lstStyle/>
+          <a:p>
+            <a:r>
+              <a:rPr lang="en-US" altLang="zh-TW" dirty="0"/>
+              <a:t>prompt:</a:t>
+            </a:r>
+            <a:r>
+              <a:rPr lang="zh-TW" altLang="en-US" dirty="0"/>
+              <a:t>給我一個白色頭髮日本男高中腳下準備踢球的樣子比賽圖 動漫風</a:t>
+            </a:r>
+            <a:endParaRPr lang="en-US" altLang="zh-TW" dirty="0"/>
+          </a:p>
+          <a:p>
+            <a:endParaRPr lang="en-US" altLang="zh-TW" dirty="0"/>
+          </a:p>
+          <a:p>
+            <a:r>
+              <a:rPr lang="zh-TW" altLang="en-US" b="1" dirty="0"/>
+              <a:t>但這次，我靠者自己的實力從對手腳下搶到了球，並且時間所剩無幾我並未選擇傳球給隊長，而是選擇自己上並且在關鍵的最後</a:t>
+            </a:r>
+            <a:r>
+              <a:rPr lang="en-US" altLang="zh-TW" b="1" dirty="0"/>
+              <a:t>2</a:t>
+            </a:r>
+            <a:r>
+              <a:rPr lang="zh-TW" altLang="en-US" b="1" dirty="0"/>
+              <a:t>秒內，踢進反超球，靠實力證明一切，並且此次表現被國家隊的球探發掘。</a:t>
+            </a:r>
+          </a:p>
+        </p:txBody>
+      </p:sp>
+      <p:sp>
+        <p:nvSpPr>
+          <p:cNvPr id="4" name="投影片編號版面配置區 3"/>
+          <p:cNvSpPr>
+            <a:spLocks noGrp="1"/>
+          </p:cNvSpPr>
+          <p:nvPr>
+            <p:ph type="sldNum" sz="quarter" idx="5"/>
+          </p:nvPr>
+        </p:nvSpPr>
+        <p:spPr/>
+        <p:txBody>
+          <a:bodyPr/>
+          <a:lstStyle/>
+          <a:p>
+            <a:fld id="{096A2EB8-5698-4C84-81D7-60C567CA24A8}" type="slidenum">
+              <a:rPr lang="zh-TW" altLang="en-US" smtClean="0"/>
+              <a:t>7</a:t>
+            </a:fld>
+            <a:endParaRPr lang="zh-TW" altLang="en-US"/>
+          </a:p>
+        </p:txBody>
+      </p:sp>
+    </p:spTree>
+    <p:extLst>
+      <p:ext uri="{BB962C8B-B14F-4D97-AF65-F5344CB8AC3E}">
+        <p14:creationId xmlns:p14="http://schemas.microsoft.com/office/powerpoint/2010/main" val="2647147137"/>
+      </p:ext>
+    </p:extLst>
+  </p:cSld>
+  <p:clrMapOvr>
+    <a:masterClrMapping/>
+  </p:clrMapOvr>
+</p:notes>
+</file>
+
+<file path=ppt/notesSlides/notesSlide7.xml><?xml version="1.0" encoding="utf-8"?>
+<p:notes xmlns:a="http://schemas.openxmlformats.org/drawingml/2006/main" xmlns:r="http://schemas.openxmlformats.org/officeDocument/2006/relationships" xmlns:p="http://schemas.openxmlformats.org/presentationml/2006/main">
+  <p:cSld>
+    <p:spTree>
+      <p:nvGrpSpPr>
+        <p:cNvPr id="1" name=""/>
+        <p:cNvGrpSpPr/>
+        <p:nvPr/>
+      </p:nvGrpSpPr>
+      <p:grpSpPr>
+        <a:xfrm>
+          <a:off x="0" y="0"/>
+          <a:ext cx="0" cy="0"/>
+          <a:chOff x="0" y="0"/>
+          <a:chExt cx="0" cy="0"/>
+        </a:xfrm>
+      </p:grpSpPr>
+      <p:sp>
+        <p:nvSpPr>
+          <p:cNvPr id="2" name="投影片影像版面配置區 1"/>
+          <p:cNvSpPr>
+            <a:spLocks noGrp="1" noRot="1" noChangeAspect="1"/>
+          </p:cNvSpPr>
+          <p:nvPr>
+            <p:ph type="sldImg"/>
+          </p:nvPr>
+        </p:nvSpPr>
+        <p:spPr/>
+      </p:sp>
+      <p:sp>
+        <p:nvSpPr>
+          <p:cNvPr id="3" name="備忘稿版面配置區 2"/>
+          <p:cNvSpPr>
+            <a:spLocks noGrp="1"/>
+          </p:cNvSpPr>
+          <p:nvPr>
+            <p:ph type="body" idx="1"/>
+          </p:nvPr>
+        </p:nvSpPr>
+        <p:spPr/>
+        <p:txBody>
+          <a:bodyPr/>
+          <a:lstStyle/>
+          <a:p>
+            <a:r>
+              <a:rPr lang="en-US" altLang="zh-TW" dirty="0"/>
+              <a:t>prompt:</a:t>
+            </a:r>
+            <a:r>
+              <a:rPr lang="zh-TW" altLang="en-US" dirty="0"/>
+              <a:t>給我一個白色頭髮日本男高中成為世界級球員獲獎的樣子  動漫風</a:t>
+            </a:r>
+            <a:endParaRPr lang="en-US" altLang="zh-TW" dirty="0"/>
+          </a:p>
+          <a:p>
+            <a:endParaRPr lang="en-US" altLang="zh-TW" dirty="0"/>
+          </a:p>
+          <a:p>
+            <a:r>
+              <a:rPr lang="zh-TW" altLang="en-US" b="1" dirty="0"/>
+              <a:t>最終，我成功突破了這些困難，成為了世界級的第一位入選國家隊的白化症足球員。這一路不容易，但我相信，無論外貌如何，努力都能改變一切。</a:t>
+            </a:r>
+          </a:p>
+        </p:txBody>
+      </p:sp>
+      <p:sp>
+        <p:nvSpPr>
+          <p:cNvPr id="4" name="投影片編號版面配置區 3"/>
+          <p:cNvSpPr>
+            <a:spLocks noGrp="1"/>
+          </p:cNvSpPr>
+          <p:nvPr>
+            <p:ph type="sldNum" sz="quarter" idx="5"/>
+          </p:nvPr>
+        </p:nvSpPr>
+        <p:spPr/>
+        <p:txBody>
+          <a:bodyPr/>
+          <a:lstStyle/>
+          <a:p>
+            <a:fld id="{096A2EB8-5698-4C84-81D7-60C567CA24A8}" type="slidenum">
+              <a:rPr lang="zh-TW" altLang="en-US" smtClean="0"/>
+              <a:t>8</a:t>
+            </a:fld>
+            <a:endParaRPr lang="zh-TW" altLang="en-US"/>
+          </a:p>
+        </p:txBody>
+      </p:sp>
+    </p:spTree>
+    <p:extLst>
+      <p:ext uri="{BB962C8B-B14F-4D97-AF65-F5344CB8AC3E}">
+        <p14:creationId xmlns:p14="http://schemas.microsoft.com/office/powerpoint/2010/main" val="1642587755"/>
+      </p:ext>
+    </p:extLst>
+  </p:cSld>
+  <p:clrMapOvr>
+    <a:masterClrMapping/>
+  </p:clrMapOvr>
+</p:notes>
+</file>
+
 <file path=ppt/slideLayouts/slideLayout1.xml><?xml version="1.0" encoding="utf-8"?>
-<p:sldLayout xmlns:a="http://schemas.openxmlformats.org/drawingml/2006/main" xmlns:r="http://schemas.openxmlformats.org/officeDocument/2006/relationships" xmlns:p="http://schemas.openxmlformats.org/presentationml/2006/main" type="title" preserve="1">
+<p:sldLayout xmlns:a="http://schemas.openxmlformats.org/drawingml/2006/main" xmlns:r="http://schemas.openxmlformats.org/officeDocument/2006/relationships" xmlns:p="http://schemas.openxmlformats.org/presentationml/2006/main" showMasterSp="0" type="title" preserve="1">
   <p:cSld name="標題投影片">
     <p:spTree>
       <p:nvGrpSpPr>
@@ -126,31 +1214,113 @@
       </p:grpSpPr>
       <p:sp>
         <p:nvSpPr>
-          <p:cNvPr id="2" name="標題 1">
-            <a:extLst>
-              <a:ext uri="{FF2B5EF4-FFF2-40B4-BE49-F238E27FC236}">
-                <a16:creationId xmlns:a16="http://schemas.microsoft.com/office/drawing/2014/main" id="{EB5CC918-B447-434E-B98E-5847BB49C259}"/>
-              </a:ext>
-            </a:extLst>
-          </p:cNvPr>
-          <p:cNvSpPr>
-            <a:spLocks noGrp="1"/>
-          </p:cNvSpPr>
-          <p:nvPr>
-            <p:ph type="ctrTitle"/>
-          </p:nvPr>
+          <p:cNvPr id="7" name="Rectangle 6"/>
+          <p:cNvSpPr/>
+          <p:nvPr/>
         </p:nvSpPr>
         <p:spPr>
           <a:xfrm>
-            <a:off x="1524000" y="1122363"/>
-            <a:ext cx="9144000" cy="2387600"/>
+            <a:off x="3175" y="6400800"/>
+            <a:ext cx="12188825" cy="457200"/>
+          </a:xfrm>
+          <a:prstGeom prst="rect">
+            <a:avLst/>
+          </a:prstGeom>
+          <a:solidFill>
+            <a:schemeClr val="accent2"/>
+          </a:solidFill>
+          <a:ln>
+            <a:noFill/>
+          </a:ln>
+        </p:spPr>
+        <p:style>
+          <a:lnRef idx="2">
+            <a:schemeClr val="accent1">
+              <a:shade val="50000"/>
+            </a:schemeClr>
+          </a:lnRef>
+          <a:fillRef idx="1">
+            <a:schemeClr val="accent1"/>
+          </a:fillRef>
+          <a:effectRef idx="0">
+            <a:schemeClr val="accent1"/>
+          </a:effectRef>
+          <a:fontRef idx="minor">
+            <a:schemeClr val="lt1"/>
+          </a:fontRef>
+        </p:style>
+      </p:sp>
+      <p:sp>
+        <p:nvSpPr>
+          <p:cNvPr id="8" name="Rectangle 7"/>
+          <p:cNvSpPr/>
+          <p:nvPr/>
+        </p:nvSpPr>
+        <p:spPr>
+          <a:xfrm>
+            <a:off x="15" y="6334316"/>
+            <a:ext cx="12188825" cy="64008"/>
+          </a:xfrm>
+          <a:prstGeom prst="rect">
+            <a:avLst/>
+          </a:prstGeom>
+          <a:solidFill>
+            <a:schemeClr val="accent1"/>
+          </a:solidFill>
+          <a:ln>
+            <a:noFill/>
+          </a:ln>
+        </p:spPr>
+        <p:style>
+          <a:lnRef idx="2">
+            <a:schemeClr val="accent1">
+              <a:shade val="50000"/>
+            </a:schemeClr>
+          </a:lnRef>
+          <a:fillRef idx="1">
+            <a:schemeClr val="accent1"/>
+          </a:fillRef>
+          <a:effectRef idx="0">
+            <a:schemeClr val="accent1"/>
+          </a:effectRef>
+          <a:fontRef idx="minor">
+            <a:schemeClr val="lt1"/>
+          </a:fontRef>
+        </p:style>
+      </p:sp>
+      <p:sp>
+        <p:nvSpPr>
+          <p:cNvPr id="2" name="Title 1"/>
+          <p:cNvSpPr>
+            <a:spLocks noGrp="1"/>
+          </p:cNvSpPr>
+          <p:nvPr>
+            <p:ph type="ctrTitle"/>
+          </p:nvPr>
+        </p:nvSpPr>
+        <p:spPr>
+          <a:xfrm>
+            <a:off x="1097280" y="758952"/>
+            <a:ext cx="10058400" cy="3566160"/>
           </a:xfrm>
         </p:spPr>
         <p:txBody>
-          <a:bodyPr anchor="b"/>
+          <a:bodyPr anchor="b">
+            <a:normAutofit/>
+          </a:bodyPr>
           <a:lstStyle>
-            <a:lvl1pPr algn="ctr">
-              <a:defRPr sz="6000"/>
+            <a:lvl1pPr algn="l">
+              <a:lnSpc>
+                <a:spcPct val="85000"/>
+              </a:lnSpc>
+              <a:defRPr sz="8000" spc="-50" baseline="0">
+                <a:solidFill>
+                  <a:schemeClr val="tx1">
+                    <a:lumMod val="85000"/>
+                    <a:lumOff val="15000"/>
+                  </a:schemeClr>
+                </a:solidFill>
+              </a:defRPr>
             </a:lvl1pPr>
           </a:lstStyle>
           <a:p>
@@ -158,18 +1328,13 @@
               <a:rPr lang="zh-TW" altLang="en-US"/>
               <a:t>按一下以編輯母片標題樣式</a:t>
             </a:r>
-          </a:p>
-        </p:txBody>
-      </p:sp>
-      <p:sp>
-        <p:nvSpPr>
-          <p:cNvPr id="3" name="副標題 2">
-            <a:extLst>
-              <a:ext uri="{FF2B5EF4-FFF2-40B4-BE49-F238E27FC236}">
-                <a16:creationId xmlns:a16="http://schemas.microsoft.com/office/drawing/2014/main" id="{817FCC70-CC4E-4CB6-B2CF-9FDA5AC4D346}"/>
-              </a:ext>
-            </a:extLst>
-          </p:cNvPr>
+            <a:endParaRPr lang="en-US" dirty="0"/>
+          </a:p>
+        </p:txBody>
+      </p:sp>
+      <p:sp>
+        <p:nvSpPr>
+          <p:cNvPr id="3" name="Subtitle 2"/>
           <p:cNvSpPr>
             <a:spLocks noGrp="1"/>
           </p:cNvSpPr>
@@ -179,48 +1344,55 @@
         </p:nvSpPr>
         <p:spPr>
           <a:xfrm>
-            <a:off x="1524000" y="3602038"/>
-            <a:ext cx="9144000" cy="1655762"/>
+            <a:off x="1100051" y="4455620"/>
+            <a:ext cx="10058400" cy="1143000"/>
           </a:xfrm>
         </p:spPr>
         <p:txBody>
-          <a:bodyPr/>
+          <a:bodyPr lIns="91440" rIns="91440">
+            <a:normAutofit/>
+          </a:bodyPr>
           <a:lstStyle>
-            <a:lvl1pPr marL="0" indent="0" algn="ctr">
+            <a:lvl1pPr marL="0" indent="0" algn="l">
               <a:buNone/>
-              <a:defRPr sz="2400"/>
+              <a:defRPr sz="2400" cap="all" spc="200" baseline="0">
+                <a:solidFill>
+                  <a:schemeClr val="tx2"/>
+                </a:solidFill>
+                <a:latin typeface="+mj-lt"/>
+              </a:defRPr>
             </a:lvl1pPr>
             <a:lvl2pPr marL="457200" indent="0" algn="ctr">
               <a:buNone/>
-              <a:defRPr sz="2000"/>
+              <a:defRPr sz="2400"/>
             </a:lvl2pPr>
             <a:lvl3pPr marL="914400" indent="0" algn="ctr">
               <a:buNone/>
-              <a:defRPr sz="1800"/>
+              <a:defRPr sz="2400"/>
             </a:lvl3pPr>
             <a:lvl4pPr marL="1371600" indent="0" algn="ctr">
               <a:buNone/>
-              <a:defRPr sz="1600"/>
+              <a:defRPr sz="2000"/>
             </a:lvl4pPr>
             <a:lvl5pPr marL="1828800" indent="0" algn="ctr">
               <a:buNone/>
-              <a:defRPr sz="1600"/>
+              <a:defRPr sz="2000"/>
             </a:lvl5pPr>
             <a:lvl6pPr marL="2286000" indent="0" algn="ctr">
               <a:buNone/>
-              <a:defRPr sz="1600"/>
+              <a:defRPr sz="2000"/>
             </a:lvl6pPr>
             <a:lvl7pPr marL="2743200" indent="0" algn="ctr">
               <a:buNone/>
-              <a:defRPr sz="1600"/>
+              <a:defRPr sz="2000"/>
             </a:lvl7pPr>
             <a:lvl8pPr marL="3200400" indent="0" algn="ctr">
               <a:buNone/>
-              <a:defRPr sz="1600"/>
+              <a:defRPr sz="2000"/>
             </a:lvl8pPr>
             <a:lvl9pPr marL="3657600" indent="0" algn="ctr">
               <a:buNone/>
-              <a:defRPr sz="1600"/>
+              <a:defRPr sz="2000"/>
             </a:lvl9pPr>
           </a:lstStyle>
           <a:p>
@@ -228,18 +1400,13 @@
               <a:rPr lang="zh-TW" altLang="en-US"/>
               <a:t>按一下以編輯母片子標題樣式</a:t>
             </a:r>
-          </a:p>
-        </p:txBody>
-      </p:sp>
-      <p:sp>
-        <p:nvSpPr>
-          <p:cNvPr id="4" name="日期版面配置區 3">
-            <a:extLst>
-              <a:ext uri="{FF2B5EF4-FFF2-40B4-BE49-F238E27FC236}">
-                <a16:creationId xmlns:a16="http://schemas.microsoft.com/office/drawing/2014/main" id="{BD08F018-0004-4322-AD0F-E6E740964233}"/>
-              </a:ext>
-            </a:extLst>
-          </p:cNvPr>
+            <a:endParaRPr lang="en-US" dirty="0"/>
+          </a:p>
+        </p:txBody>
+      </p:sp>
+      <p:sp>
+        <p:nvSpPr>
+          <p:cNvPr id="4" name="Date Placeholder 3"/>
           <p:cNvSpPr>
             <a:spLocks noGrp="1"/>
           </p:cNvSpPr>
@@ -252,9 +1419,9 @@
           <a:bodyPr/>
           <a:lstStyle/>
           <a:p>
-            <a:fld id="{C3C90D7E-32D6-4894-AE08-7BBB3E610FC9}" type="datetimeFigureOut">
+            <a:fld id="{964167B7-8975-44AD-880F-889CFC079D1F}" type="datetimeFigureOut">
               <a:rPr lang="zh-TW" altLang="en-US" smtClean="0"/>
-              <a:t>2024/9/16</a:t>
+              <a:t>2024/10/6</a:t>
             </a:fld>
             <a:endParaRPr lang="zh-TW" altLang="en-US"/>
           </a:p>
@@ -262,13 +1429,7 @@
       </p:sp>
       <p:sp>
         <p:nvSpPr>
-          <p:cNvPr id="5" name="頁尾版面配置區 4">
-            <a:extLst>
-              <a:ext uri="{FF2B5EF4-FFF2-40B4-BE49-F238E27FC236}">
-                <a16:creationId xmlns:a16="http://schemas.microsoft.com/office/drawing/2014/main" id="{30427B34-CB13-41C7-B2F2-CED9BDC5B595}"/>
-              </a:ext>
-            </a:extLst>
-          </p:cNvPr>
+          <p:cNvPr id="5" name="Footer Placeholder 4"/>
           <p:cNvSpPr>
             <a:spLocks noGrp="1"/>
           </p:cNvSpPr>
@@ -287,13 +1448,7 @@
       </p:sp>
       <p:sp>
         <p:nvSpPr>
-          <p:cNvPr id="6" name="投影片編號版面配置區 5">
-            <a:extLst>
-              <a:ext uri="{FF2B5EF4-FFF2-40B4-BE49-F238E27FC236}">
-                <a16:creationId xmlns:a16="http://schemas.microsoft.com/office/drawing/2014/main" id="{76FA962E-5B03-439A-928C-87366876542D}"/>
-              </a:ext>
-            </a:extLst>
-          </p:cNvPr>
+          <p:cNvPr id="6" name="Slide Number Placeholder 5"/>
           <p:cNvSpPr>
             <a:spLocks noGrp="1"/>
           </p:cNvSpPr>
@@ -306,7 +1461,7 @@
           <a:bodyPr/>
           <a:lstStyle/>
           <a:p>
-            <a:fld id="{E31EC408-072F-4346-BD0A-D6AA5788A305}" type="slidenum">
+            <a:fld id="{528CF31F-ACAC-447E-BE3D-19FE1BD8F2D8}" type="slidenum">
               <a:rPr lang="zh-TW" altLang="en-US" smtClean="0"/>
               <a:t>‹#›</a:t>
             </a:fld>
@@ -314,10 +1469,48 @@
           </a:p>
         </p:txBody>
       </p:sp>
+      <p:cxnSp>
+        <p:nvCxnSpPr>
+          <p:cNvPr id="9" name="Straight Connector 8"/>
+          <p:cNvCxnSpPr/>
+          <p:nvPr/>
+        </p:nvCxnSpPr>
+        <p:spPr>
+          <a:xfrm>
+            <a:off x="1207658" y="4343400"/>
+            <a:ext cx="9875520" cy="0"/>
+          </a:xfrm>
+          <a:prstGeom prst="line">
+            <a:avLst/>
+          </a:prstGeom>
+          <a:ln w="6350">
+            <a:solidFill>
+              <a:schemeClr val="tx1">
+                <a:lumMod val="50000"/>
+                <a:lumOff val="50000"/>
+              </a:schemeClr>
+            </a:solidFill>
+          </a:ln>
+        </p:spPr>
+        <p:style>
+          <a:lnRef idx="1">
+            <a:schemeClr val="accent1"/>
+          </a:lnRef>
+          <a:fillRef idx="0">
+            <a:schemeClr val="accent1"/>
+          </a:fillRef>
+          <a:effectRef idx="0">
+            <a:schemeClr val="accent1"/>
+          </a:effectRef>
+          <a:fontRef idx="minor">
+            <a:schemeClr val="tx1"/>
+          </a:fontRef>
+        </p:style>
+      </p:cxnSp>
     </p:spTree>
     <p:extLst>
       <p:ext uri="{BB962C8B-B14F-4D97-AF65-F5344CB8AC3E}">
-        <p14:creationId xmlns:p14="http://schemas.microsoft.com/office/powerpoint/2010/main" val="2963035110"/>
+        <p14:creationId xmlns:p14="http://schemas.microsoft.com/office/powerpoint/2010/main" val="2527209631"/>
       </p:ext>
     </p:extLst>
   </p:cSld>
@@ -346,13 +1539,7 @@
       </p:grpSpPr>
       <p:sp>
         <p:nvSpPr>
-          <p:cNvPr id="2" name="標題 1">
-            <a:extLst>
-              <a:ext uri="{FF2B5EF4-FFF2-40B4-BE49-F238E27FC236}">
-                <a16:creationId xmlns:a16="http://schemas.microsoft.com/office/drawing/2014/main" id="{A02F0018-7F8E-4206-A929-07CDC6B5F34A}"/>
-              </a:ext>
-            </a:extLst>
-          </p:cNvPr>
+          <p:cNvPr id="2" name="Title 1"/>
           <p:cNvSpPr>
             <a:spLocks noGrp="1"/>
           </p:cNvSpPr>
@@ -369,18 +1556,13 @@
               <a:rPr lang="zh-TW" altLang="en-US"/>
               <a:t>按一下以編輯母片標題樣式</a:t>
             </a:r>
-          </a:p>
-        </p:txBody>
-      </p:sp>
-      <p:sp>
-        <p:nvSpPr>
-          <p:cNvPr id="3" name="直排文字版面配置區 2">
-            <a:extLst>
-              <a:ext uri="{FF2B5EF4-FFF2-40B4-BE49-F238E27FC236}">
-                <a16:creationId xmlns:a16="http://schemas.microsoft.com/office/drawing/2014/main" id="{9B801E88-34C3-4545-A358-81F5614FED64}"/>
-              </a:ext>
-            </a:extLst>
-          </p:cNvPr>
+            <a:endParaRPr lang="en-US" dirty="0"/>
+          </a:p>
+        </p:txBody>
+      </p:sp>
+      <p:sp>
+        <p:nvSpPr>
+          <p:cNvPr id="3" name="Vertical Text Placeholder 2"/>
           <p:cNvSpPr>
             <a:spLocks noGrp="1"/>
           </p:cNvSpPr>
@@ -390,7 +1572,7 @@
         </p:nvSpPr>
         <p:spPr/>
         <p:txBody>
-          <a:bodyPr vert="eaVert"/>
+          <a:bodyPr vert="eaVert" lIns="45720" tIns="0" rIns="45720" bIns="0"/>
           <a:lstStyle/>
           <a:p>
             <a:pPr lvl="0"/>
@@ -426,18 +1608,13 @@
               <a:rPr lang="zh-TW" altLang="en-US"/>
               <a:t>第五層</a:t>
             </a:r>
-          </a:p>
-        </p:txBody>
-      </p:sp>
-      <p:sp>
-        <p:nvSpPr>
-          <p:cNvPr id="4" name="日期版面配置區 3">
-            <a:extLst>
-              <a:ext uri="{FF2B5EF4-FFF2-40B4-BE49-F238E27FC236}">
-                <a16:creationId xmlns:a16="http://schemas.microsoft.com/office/drawing/2014/main" id="{60AFD716-8B99-4230-B55F-C8B88ECBB171}"/>
-              </a:ext>
-            </a:extLst>
-          </p:cNvPr>
+            <a:endParaRPr lang="en-US" dirty="0"/>
+          </a:p>
+        </p:txBody>
+      </p:sp>
+      <p:sp>
+        <p:nvSpPr>
+          <p:cNvPr id="4" name="Date Placeholder 3"/>
           <p:cNvSpPr>
             <a:spLocks noGrp="1"/>
           </p:cNvSpPr>
@@ -450,9 +1627,9 @@
           <a:bodyPr/>
           <a:lstStyle/>
           <a:p>
-            <a:fld id="{C3C90D7E-32D6-4894-AE08-7BBB3E610FC9}" type="datetimeFigureOut">
+            <a:fld id="{964167B7-8975-44AD-880F-889CFC079D1F}" type="datetimeFigureOut">
               <a:rPr lang="zh-TW" altLang="en-US" smtClean="0"/>
-              <a:t>2024/9/16</a:t>
+              <a:t>2024/10/6</a:t>
             </a:fld>
             <a:endParaRPr lang="zh-TW" altLang="en-US"/>
           </a:p>
@@ -460,13 +1637,7 @@
       </p:sp>
       <p:sp>
         <p:nvSpPr>
-          <p:cNvPr id="5" name="頁尾版面配置區 4">
-            <a:extLst>
-              <a:ext uri="{FF2B5EF4-FFF2-40B4-BE49-F238E27FC236}">
-                <a16:creationId xmlns:a16="http://schemas.microsoft.com/office/drawing/2014/main" id="{EA374743-76D9-4BF8-A60C-2F50B2636A8A}"/>
-              </a:ext>
-            </a:extLst>
-          </p:cNvPr>
+          <p:cNvPr id="5" name="Footer Placeholder 4"/>
           <p:cNvSpPr>
             <a:spLocks noGrp="1"/>
           </p:cNvSpPr>
@@ -485,13 +1656,7 @@
       </p:sp>
       <p:sp>
         <p:nvSpPr>
-          <p:cNvPr id="6" name="投影片編號版面配置區 5">
-            <a:extLst>
-              <a:ext uri="{FF2B5EF4-FFF2-40B4-BE49-F238E27FC236}">
-                <a16:creationId xmlns:a16="http://schemas.microsoft.com/office/drawing/2014/main" id="{00454594-6C11-4013-A666-A151E960EC9B}"/>
-              </a:ext>
-            </a:extLst>
-          </p:cNvPr>
+          <p:cNvPr id="6" name="Slide Number Placeholder 5"/>
           <p:cNvSpPr>
             <a:spLocks noGrp="1"/>
           </p:cNvSpPr>
@@ -504,7 +1669,7 @@
           <a:bodyPr/>
           <a:lstStyle/>
           <a:p>
-            <a:fld id="{E31EC408-072F-4346-BD0A-D6AA5788A305}" type="slidenum">
+            <a:fld id="{528CF31F-ACAC-447E-BE3D-19FE1BD8F2D8}" type="slidenum">
               <a:rPr lang="zh-TW" altLang="en-US" smtClean="0"/>
               <a:t>‹#›</a:t>
             </a:fld>
@@ -515,7 +1680,7 @@
     </p:spTree>
     <p:extLst>
       <p:ext uri="{BB962C8B-B14F-4D97-AF65-F5344CB8AC3E}">
-        <p14:creationId xmlns:p14="http://schemas.microsoft.com/office/powerpoint/2010/main" val="188953001"/>
+        <p14:creationId xmlns:p14="http://schemas.microsoft.com/office/powerpoint/2010/main" val="1769762147"/>
       </p:ext>
     </p:extLst>
   </p:cSld>
@@ -526,7 +1691,7 @@
 </file>
 
 <file path=ppt/slideLayouts/slideLayout11.xml><?xml version="1.0" encoding="utf-8"?>
-<p:sldLayout xmlns:a="http://schemas.openxmlformats.org/drawingml/2006/main" xmlns:r="http://schemas.openxmlformats.org/officeDocument/2006/relationships" xmlns:p="http://schemas.openxmlformats.org/presentationml/2006/main" type="vertTitleAndTx" preserve="1">
+<p:sldLayout xmlns:a="http://schemas.openxmlformats.org/drawingml/2006/main" xmlns:r="http://schemas.openxmlformats.org/officeDocument/2006/relationships" xmlns:p="http://schemas.openxmlformats.org/presentationml/2006/main" showMasterSp="0" type="vertTitleAndTx" preserve="1">
   <p:cSld name="直排標題及文字">
     <p:spTree>
       <p:nvGrpSpPr>
@@ -544,24 +1709,94 @@
       </p:grpSpPr>
       <p:sp>
         <p:nvSpPr>
-          <p:cNvPr id="2" name="直排標題 1">
-            <a:extLst>
-              <a:ext uri="{FF2B5EF4-FFF2-40B4-BE49-F238E27FC236}">
-                <a16:creationId xmlns:a16="http://schemas.microsoft.com/office/drawing/2014/main" id="{70F760AC-E708-4605-85E2-7D0F424B3E29}"/>
-              </a:ext>
-            </a:extLst>
-          </p:cNvPr>
-          <p:cNvSpPr>
-            <a:spLocks noGrp="1"/>
-          </p:cNvSpPr>
-          <p:nvPr>
-            <p:ph type="title" orient="vert"/>
-          </p:nvPr>
+          <p:cNvPr id="7" name="Rectangle 6"/>
+          <p:cNvSpPr/>
+          <p:nvPr/>
         </p:nvSpPr>
         <p:spPr>
           <a:xfrm>
-            <a:off x="8724900" y="365125"/>
-            <a:ext cx="2628900" cy="5811838"/>
+            <a:off x="3175" y="6400800"/>
+            <a:ext cx="12188825" cy="457200"/>
+          </a:xfrm>
+          <a:prstGeom prst="rect">
+            <a:avLst/>
+          </a:prstGeom>
+          <a:solidFill>
+            <a:schemeClr val="accent2"/>
+          </a:solidFill>
+          <a:ln>
+            <a:noFill/>
+          </a:ln>
+        </p:spPr>
+        <p:style>
+          <a:lnRef idx="2">
+            <a:schemeClr val="accent1">
+              <a:shade val="50000"/>
+            </a:schemeClr>
+          </a:lnRef>
+          <a:fillRef idx="1">
+            <a:schemeClr val="accent1"/>
+          </a:fillRef>
+          <a:effectRef idx="0">
+            <a:schemeClr val="accent1"/>
+          </a:effectRef>
+          <a:fontRef idx="minor">
+            <a:schemeClr val="lt1"/>
+          </a:fontRef>
+        </p:style>
+      </p:sp>
+      <p:sp>
+        <p:nvSpPr>
+          <p:cNvPr id="8" name="Rectangle 7"/>
+          <p:cNvSpPr/>
+          <p:nvPr/>
+        </p:nvSpPr>
+        <p:spPr>
+          <a:xfrm>
+            <a:off x="15" y="6334316"/>
+            <a:ext cx="12188825" cy="64008"/>
+          </a:xfrm>
+          <a:prstGeom prst="rect">
+            <a:avLst/>
+          </a:prstGeom>
+          <a:solidFill>
+            <a:schemeClr val="accent1"/>
+          </a:solidFill>
+          <a:ln>
+            <a:noFill/>
+          </a:ln>
+        </p:spPr>
+        <p:style>
+          <a:lnRef idx="2">
+            <a:schemeClr val="accent1">
+              <a:shade val="50000"/>
+            </a:schemeClr>
+          </a:lnRef>
+          <a:fillRef idx="1">
+            <a:schemeClr val="accent1"/>
+          </a:fillRef>
+          <a:effectRef idx="0">
+            <a:schemeClr val="accent1"/>
+          </a:effectRef>
+          <a:fontRef idx="minor">
+            <a:schemeClr val="lt1"/>
+          </a:fontRef>
+        </p:style>
+      </p:sp>
+      <p:sp>
+        <p:nvSpPr>
+          <p:cNvPr id="2" name="Vertical Title 1"/>
+          <p:cNvSpPr>
+            <a:spLocks noGrp="1"/>
+          </p:cNvSpPr>
+          <p:nvPr>
+            <p:ph type="title" orient="vert"/>
+          </p:nvPr>
+        </p:nvSpPr>
+        <p:spPr>
+          <a:xfrm>
+            <a:off x="8724900" y="414778"/>
+            <a:ext cx="2628900" cy="5757421"/>
           </a:xfrm>
         </p:spPr>
         <p:txBody>
@@ -572,18 +1807,13 @@
               <a:rPr lang="zh-TW" altLang="en-US"/>
               <a:t>按一下以編輯母片標題樣式</a:t>
             </a:r>
-          </a:p>
-        </p:txBody>
-      </p:sp>
-      <p:sp>
-        <p:nvSpPr>
-          <p:cNvPr id="3" name="直排文字版面配置區 2">
-            <a:extLst>
-              <a:ext uri="{FF2B5EF4-FFF2-40B4-BE49-F238E27FC236}">
-                <a16:creationId xmlns:a16="http://schemas.microsoft.com/office/drawing/2014/main" id="{84BECF48-F3B6-4D47-82A8-C6AE92EDC2F0}"/>
-              </a:ext>
-            </a:extLst>
-          </p:cNvPr>
+            <a:endParaRPr lang="en-US" dirty="0"/>
+          </a:p>
+        </p:txBody>
+      </p:sp>
+      <p:sp>
+        <p:nvSpPr>
+          <p:cNvPr id="3" name="Vertical Text Placeholder 2"/>
           <p:cNvSpPr>
             <a:spLocks noGrp="1"/>
           </p:cNvSpPr>
@@ -593,12 +1823,12 @@
         </p:nvSpPr>
         <p:spPr>
           <a:xfrm>
-            <a:off x="838200" y="365125"/>
-            <a:ext cx="7734300" cy="5811838"/>
+            <a:off x="838200" y="414778"/>
+            <a:ext cx="7734300" cy="5757422"/>
           </a:xfrm>
         </p:spPr>
         <p:txBody>
-          <a:bodyPr vert="eaVert"/>
+          <a:bodyPr vert="eaVert" lIns="45720" tIns="0" rIns="45720" bIns="0"/>
           <a:lstStyle/>
           <a:p>
             <a:pPr lvl="0"/>
@@ -634,18 +1864,13 @@
               <a:rPr lang="zh-TW" altLang="en-US"/>
               <a:t>第五層</a:t>
             </a:r>
-          </a:p>
-        </p:txBody>
-      </p:sp>
-      <p:sp>
-        <p:nvSpPr>
-          <p:cNvPr id="4" name="日期版面配置區 3">
-            <a:extLst>
-              <a:ext uri="{FF2B5EF4-FFF2-40B4-BE49-F238E27FC236}">
-                <a16:creationId xmlns:a16="http://schemas.microsoft.com/office/drawing/2014/main" id="{215DE52A-093E-4116-A2FE-F61BA999B89F}"/>
-              </a:ext>
-            </a:extLst>
-          </p:cNvPr>
+            <a:endParaRPr lang="en-US" dirty="0"/>
+          </a:p>
+        </p:txBody>
+      </p:sp>
+      <p:sp>
+        <p:nvSpPr>
+          <p:cNvPr id="4" name="Date Placeholder 3"/>
           <p:cNvSpPr>
             <a:spLocks noGrp="1"/>
           </p:cNvSpPr>
@@ -658,9 +1883,9 @@
           <a:bodyPr/>
           <a:lstStyle/>
           <a:p>
-            <a:fld id="{C3C90D7E-32D6-4894-AE08-7BBB3E610FC9}" type="datetimeFigureOut">
+            <a:fld id="{964167B7-8975-44AD-880F-889CFC079D1F}" type="datetimeFigureOut">
               <a:rPr lang="zh-TW" altLang="en-US" smtClean="0"/>
-              <a:t>2024/9/16</a:t>
+              <a:t>2024/10/6</a:t>
             </a:fld>
             <a:endParaRPr lang="zh-TW" altLang="en-US"/>
           </a:p>
@@ -668,13 +1893,7 @@
       </p:sp>
       <p:sp>
         <p:nvSpPr>
-          <p:cNvPr id="5" name="頁尾版面配置區 4">
-            <a:extLst>
-              <a:ext uri="{FF2B5EF4-FFF2-40B4-BE49-F238E27FC236}">
-                <a16:creationId xmlns:a16="http://schemas.microsoft.com/office/drawing/2014/main" id="{34553FE1-A5D9-4070-AA9C-378F491D4677}"/>
-              </a:ext>
-            </a:extLst>
-          </p:cNvPr>
+          <p:cNvPr id="5" name="Footer Placeholder 4"/>
           <p:cNvSpPr>
             <a:spLocks noGrp="1"/>
           </p:cNvSpPr>
@@ -693,13 +1912,7 @@
       </p:sp>
       <p:sp>
         <p:nvSpPr>
-          <p:cNvPr id="6" name="投影片編號版面配置區 5">
-            <a:extLst>
-              <a:ext uri="{FF2B5EF4-FFF2-40B4-BE49-F238E27FC236}">
-                <a16:creationId xmlns:a16="http://schemas.microsoft.com/office/drawing/2014/main" id="{928EFDDC-5B11-4543-8144-518625EDA57F}"/>
-              </a:ext>
-            </a:extLst>
-          </p:cNvPr>
+          <p:cNvPr id="6" name="Slide Number Placeholder 5"/>
           <p:cNvSpPr>
             <a:spLocks noGrp="1"/>
           </p:cNvSpPr>
@@ -712,7 +1925,7 @@
           <a:bodyPr/>
           <a:lstStyle/>
           <a:p>
-            <a:fld id="{E31EC408-072F-4346-BD0A-D6AA5788A305}" type="slidenum">
+            <a:fld id="{528CF31F-ACAC-447E-BE3D-19FE1BD8F2D8}" type="slidenum">
               <a:rPr lang="zh-TW" altLang="en-US" smtClean="0"/>
               <a:t>‹#›</a:t>
             </a:fld>
@@ -723,7 +1936,7 @@
     </p:spTree>
     <p:extLst>
       <p:ext uri="{BB962C8B-B14F-4D97-AF65-F5344CB8AC3E}">
-        <p14:creationId xmlns:p14="http://schemas.microsoft.com/office/powerpoint/2010/main" val="2483123943"/>
+        <p14:creationId xmlns:p14="http://schemas.microsoft.com/office/powerpoint/2010/main" val="618649545"/>
       </p:ext>
     </p:extLst>
   </p:cSld>
@@ -752,13 +1965,7 @@
       </p:grpSpPr>
       <p:sp>
         <p:nvSpPr>
-          <p:cNvPr id="2" name="標題 1">
-            <a:extLst>
-              <a:ext uri="{FF2B5EF4-FFF2-40B4-BE49-F238E27FC236}">
-                <a16:creationId xmlns:a16="http://schemas.microsoft.com/office/drawing/2014/main" id="{A1BFCF4C-FB58-444C-B754-A594851E4C7B}"/>
-              </a:ext>
-            </a:extLst>
-          </p:cNvPr>
+          <p:cNvPr id="2" name="Title 1"/>
           <p:cNvSpPr>
             <a:spLocks noGrp="1"/>
           </p:cNvSpPr>
@@ -769,24 +1976,23 @@
         <p:spPr/>
         <p:txBody>
           <a:bodyPr/>
-          <a:lstStyle/>
+          <a:lstStyle>
+            <a:lvl1pPr marL="0">
+              <a:defRPr/>
+            </a:lvl1pPr>
+          </a:lstStyle>
           <a:p>
             <a:r>
               <a:rPr lang="zh-TW" altLang="en-US"/>
               <a:t>按一下以編輯母片標題樣式</a:t>
             </a:r>
-          </a:p>
-        </p:txBody>
-      </p:sp>
-      <p:sp>
-        <p:nvSpPr>
-          <p:cNvPr id="3" name="內容版面配置區 2">
-            <a:extLst>
-              <a:ext uri="{FF2B5EF4-FFF2-40B4-BE49-F238E27FC236}">
-                <a16:creationId xmlns:a16="http://schemas.microsoft.com/office/drawing/2014/main" id="{987C475D-648F-4511-A6FE-04B04F755F93}"/>
-              </a:ext>
-            </a:extLst>
-          </p:cNvPr>
+            <a:endParaRPr lang="en-US" dirty="0"/>
+          </a:p>
+        </p:txBody>
+      </p:sp>
+      <p:sp>
+        <p:nvSpPr>
+          <p:cNvPr id="3" name="Content Placeholder 2"/>
           <p:cNvSpPr>
             <a:spLocks noGrp="1"/>
           </p:cNvSpPr>
@@ -832,18 +2038,13 @@
               <a:rPr lang="zh-TW" altLang="en-US"/>
               <a:t>第五層</a:t>
             </a:r>
-          </a:p>
-        </p:txBody>
-      </p:sp>
-      <p:sp>
-        <p:nvSpPr>
-          <p:cNvPr id="4" name="日期版面配置區 3">
-            <a:extLst>
-              <a:ext uri="{FF2B5EF4-FFF2-40B4-BE49-F238E27FC236}">
-                <a16:creationId xmlns:a16="http://schemas.microsoft.com/office/drawing/2014/main" id="{F511FCF8-D8F7-4914-920F-D63F2D97F713}"/>
-              </a:ext>
-            </a:extLst>
-          </p:cNvPr>
+            <a:endParaRPr lang="en-US" dirty="0"/>
+          </a:p>
+        </p:txBody>
+      </p:sp>
+      <p:sp>
+        <p:nvSpPr>
+          <p:cNvPr id="4" name="Date Placeholder 3"/>
           <p:cNvSpPr>
             <a:spLocks noGrp="1"/>
           </p:cNvSpPr>
@@ -856,9 +2057,9 @@
           <a:bodyPr/>
           <a:lstStyle/>
           <a:p>
-            <a:fld id="{C3C90D7E-32D6-4894-AE08-7BBB3E610FC9}" type="datetimeFigureOut">
+            <a:fld id="{964167B7-8975-44AD-880F-889CFC079D1F}" type="datetimeFigureOut">
               <a:rPr lang="zh-TW" altLang="en-US" smtClean="0"/>
-              <a:t>2024/9/16</a:t>
+              <a:t>2024/10/6</a:t>
             </a:fld>
             <a:endParaRPr lang="zh-TW" altLang="en-US"/>
           </a:p>
@@ -866,13 +2067,7 @@
       </p:sp>
       <p:sp>
         <p:nvSpPr>
-          <p:cNvPr id="5" name="頁尾版面配置區 4">
-            <a:extLst>
-              <a:ext uri="{FF2B5EF4-FFF2-40B4-BE49-F238E27FC236}">
-                <a16:creationId xmlns:a16="http://schemas.microsoft.com/office/drawing/2014/main" id="{7E1D3E8F-338D-4B4D-B411-5282866FF95D}"/>
-              </a:ext>
-            </a:extLst>
-          </p:cNvPr>
+          <p:cNvPr id="5" name="Footer Placeholder 4"/>
           <p:cNvSpPr>
             <a:spLocks noGrp="1"/>
           </p:cNvSpPr>
@@ -891,13 +2086,7 @@
       </p:sp>
       <p:sp>
         <p:nvSpPr>
-          <p:cNvPr id="6" name="投影片編號版面配置區 5">
-            <a:extLst>
-              <a:ext uri="{FF2B5EF4-FFF2-40B4-BE49-F238E27FC236}">
-                <a16:creationId xmlns:a16="http://schemas.microsoft.com/office/drawing/2014/main" id="{F7DF3AD5-06B6-42D8-AEDF-66CCE6582524}"/>
-              </a:ext>
-            </a:extLst>
-          </p:cNvPr>
+          <p:cNvPr id="6" name="Slide Number Placeholder 5"/>
           <p:cNvSpPr>
             <a:spLocks noGrp="1"/>
           </p:cNvSpPr>
@@ -910,7 +2099,7 @@
           <a:bodyPr/>
           <a:lstStyle/>
           <a:p>
-            <a:fld id="{E31EC408-072F-4346-BD0A-D6AA5788A305}" type="slidenum">
+            <a:fld id="{528CF31F-ACAC-447E-BE3D-19FE1BD8F2D8}" type="slidenum">
               <a:rPr lang="zh-TW" altLang="en-US" smtClean="0"/>
               <a:t>‹#›</a:t>
             </a:fld>
@@ -921,7 +2110,7 @@
     </p:spTree>
     <p:extLst>
       <p:ext uri="{BB962C8B-B14F-4D97-AF65-F5344CB8AC3E}">
-        <p14:creationId xmlns:p14="http://schemas.microsoft.com/office/powerpoint/2010/main" val="4198509733"/>
+        <p14:creationId xmlns:p14="http://schemas.microsoft.com/office/powerpoint/2010/main" val="3415888743"/>
       </p:ext>
     </p:extLst>
   </p:cSld>
@@ -932,8 +2121,16 @@
 </file>
 
 <file path=ppt/slideLayouts/slideLayout3.xml><?xml version="1.0" encoding="utf-8"?>
-<p:sldLayout xmlns:a="http://schemas.openxmlformats.org/drawingml/2006/main" xmlns:r="http://schemas.openxmlformats.org/officeDocument/2006/relationships" xmlns:p="http://schemas.openxmlformats.org/presentationml/2006/main" type="secHead" preserve="1">
+<p:sldLayout xmlns:a="http://schemas.openxmlformats.org/drawingml/2006/main" xmlns:r="http://schemas.openxmlformats.org/officeDocument/2006/relationships" xmlns:p="http://schemas.openxmlformats.org/presentationml/2006/main" showMasterSp="0" type="secHead" preserve="1">
   <p:cSld name="章節標題">
+    <p:bg>
+      <p:bgPr>
+        <a:solidFill>
+          <a:schemeClr val="bg1"/>
+        </a:solidFill>
+        <a:effectLst/>
+      </p:bgPr>
+    </p:bg>
     <p:spTree>
       <p:nvGrpSpPr>
         <p:cNvPr id="1" name=""/>
@@ -950,79 +2147,157 @@
       </p:grpSpPr>
       <p:sp>
         <p:nvSpPr>
-          <p:cNvPr id="2" name="標題 1">
-            <a:extLst>
-              <a:ext uri="{FF2B5EF4-FFF2-40B4-BE49-F238E27FC236}">
-                <a16:creationId xmlns:a16="http://schemas.microsoft.com/office/drawing/2014/main" id="{5986B870-2B24-4658-9AEB-3C92E8E40B41}"/>
-              </a:ext>
-            </a:extLst>
-          </p:cNvPr>
-          <p:cNvSpPr>
-            <a:spLocks noGrp="1"/>
-          </p:cNvSpPr>
-          <p:nvPr>
-            <p:ph type="title"/>
-          </p:nvPr>
+          <p:cNvPr id="7" name="Rectangle 6"/>
+          <p:cNvSpPr/>
+          <p:nvPr/>
         </p:nvSpPr>
         <p:spPr>
           <a:xfrm>
-            <a:off x="831850" y="1709738"/>
-            <a:ext cx="10515600" cy="2852737"/>
+            <a:off x="3175" y="6400800"/>
+            <a:ext cx="12188825" cy="457200"/>
+          </a:xfrm>
+          <a:prstGeom prst="rect">
+            <a:avLst/>
+          </a:prstGeom>
+          <a:solidFill>
+            <a:schemeClr val="accent2"/>
+          </a:solidFill>
+          <a:ln>
+            <a:noFill/>
+          </a:ln>
+        </p:spPr>
+        <p:style>
+          <a:lnRef idx="2">
+            <a:schemeClr val="accent1">
+              <a:shade val="50000"/>
+            </a:schemeClr>
+          </a:lnRef>
+          <a:fillRef idx="1">
+            <a:schemeClr val="accent1"/>
+          </a:fillRef>
+          <a:effectRef idx="0">
+            <a:schemeClr val="accent1"/>
+          </a:effectRef>
+          <a:fontRef idx="minor">
+            <a:schemeClr val="lt1"/>
+          </a:fontRef>
+        </p:style>
+      </p:sp>
+      <p:sp>
+        <p:nvSpPr>
+          <p:cNvPr id="8" name="Rectangle 7"/>
+          <p:cNvSpPr/>
+          <p:nvPr/>
+        </p:nvSpPr>
+        <p:spPr>
+          <a:xfrm>
+            <a:off x="15" y="6334316"/>
+            <a:ext cx="12188825" cy="64008"/>
+          </a:xfrm>
+          <a:prstGeom prst="rect">
+            <a:avLst/>
+          </a:prstGeom>
+          <a:solidFill>
+            <a:schemeClr val="accent1"/>
+          </a:solidFill>
+          <a:ln>
+            <a:noFill/>
+          </a:ln>
+        </p:spPr>
+        <p:style>
+          <a:lnRef idx="2">
+            <a:schemeClr val="accent1">
+              <a:shade val="50000"/>
+            </a:schemeClr>
+          </a:lnRef>
+          <a:fillRef idx="1">
+            <a:schemeClr val="accent1"/>
+          </a:fillRef>
+          <a:effectRef idx="0">
+            <a:schemeClr val="accent1"/>
+          </a:effectRef>
+          <a:fontRef idx="minor">
+            <a:schemeClr val="lt1"/>
+          </a:fontRef>
+        </p:style>
+      </p:sp>
+      <p:sp>
+        <p:nvSpPr>
+          <p:cNvPr id="2" name="Title 1"/>
+          <p:cNvSpPr>
+            <a:spLocks noGrp="1"/>
+          </p:cNvSpPr>
+          <p:nvPr>
+            <p:ph type="title"/>
+          </p:nvPr>
+        </p:nvSpPr>
+        <p:spPr>
+          <a:xfrm>
+            <a:off x="1097280" y="758952"/>
+            <a:ext cx="10058400" cy="3566160"/>
           </a:xfrm>
         </p:spPr>
         <p:txBody>
-          <a:bodyPr anchor="b"/>
+          <a:bodyPr anchor="b" anchorCtr="0">
+            <a:normAutofit/>
+          </a:bodyPr>
           <a:lstStyle>
             <a:lvl1pPr>
-              <a:defRPr sz="6000"/>
-            </a:lvl1pPr>
-          </a:lstStyle>
-          <a:p>
-            <a:r>
-              <a:rPr lang="zh-TW" altLang="en-US"/>
-              <a:t>按一下以編輯母片標題樣式</a:t>
-            </a:r>
-          </a:p>
-        </p:txBody>
-      </p:sp>
-      <p:sp>
-        <p:nvSpPr>
-          <p:cNvPr id="3" name="文字版面配置區 2">
-            <a:extLst>
-              <a:ext uri="{FF2B5EF4-FFF2-40B4-BE49-F238E27FC236}">
-                <a16:creationId xmlns:a16="http://schemas.microsoft.com/office/drawing/2014/main" id="{90235018-E757-4630-8511-F466B919268F}"/>
-              </a:ext>
-            </a:extLst>
-          </p:cNvPr>
-          <p:cNvSpPr>
-            <a:spLocks noGrp="1"/>
-          </p:cNvSpPr>
-          <p:nvPr>
-            <p:ph type="body" idx="1"/>
-          </p:nvPr>
-        </p:nvSpPr>
-        <p:spPr>
-          <a:xfrm>
-            <a:off x="831850" y="4589463"/>
-            <a:ext cx="10515600" cy="1500187"/>
-          </a:xfrm>
-        </p:spPr>
-        <p:txBody>
-          <a:bodyPr/>
-          <a:lstStyle>
-            <a:lvl1pPr marL="0" indent="0">
-              <a:buNone/>
-              <a:defRPr sz="2400">
+              <a:lnSpc>
+                <a:spcPct val="85000"/>
+              </a:lnSpc>
+              <a:defRPr sz="8000" b="0">
                 <a:solidFill>
                   <a:schemeClr val="tx1">
-                    <a:tint val="75000"/>
+                    <a:lumMod val="85000"/>
+                    <a:lumOff val="15000"/>
                   </a:schemeClr>
                 </a:solidFill>
               </a:defRPr>
             </a:lvl1pPr>
+          </a:lstStyle>
+          <a:p>
+            <a:r>
+              <a:rPr lang="zh-TW" altLang="en-US"/>
+              <a:t>按一下以編輯母片標題樣式</a:t>
+            </a:r>
+            <a:endParaRPr lang="en-US" dirty="0"/>
+          </a:p>
+        </p:txBody>
+      </p:sp>
+      <p:sp>
+        <p:nvSpPr>
+          <p:cNvPr id="3" name="Text Placeholder 2"/>
+          <p:cNvSpPr>
+            <a:spLocks noGrp="1"/>
+          </p:cNvSpPr>
+          <p:nvPr>
+            <p:ph type="body" idx="1"/>
+          </p:nvPr>
+        </p:nvSpPr>
+        <p:spPr>
+          <a:xfrm>
+            <a:off x="1097280" y="4453128"/>
+            <a:ext cx="10058400" cy="1143000"/>
+          </a:xfrm>
+        </p:spPr>
+        <p:txBody>
+          <a:bodyPr lIns="91440" rIns="91440" anchor="t" anchorCtr="0">
+            <a:normAutofit/>
+          </a:bodyPr>
+          <a:lstStyle>
+            <a:lvl1pPr marL="0" indent="0">
+              <a:buNone/>
+              <a:defRPr sz="2400" cap="all" spc="200" baseline="0">
+                <a:solidFill>
+                  <a:schemeClr val="tx2"/>
+                </a:solidFill>
+                <a:latin typeface="+mj-lt"/>
+              </a:defRPr>
+            </a:lvl1pPr>
             <a:lvl2pPr marL="457200" indent="0">
               <a:buNone/>
-              <a:defRPr sz="2000">
+              <a:defRPr sz="1800">
                 <a:solidFill>
                   <a:schemeClr val="tx1">
                     <a:tint val="75000"/>
@@ -1032,7 +2307,7 @@
             </a:lvl2pPr>
             <a:lvl3pPr marL="914400" indent="0">
               <a:buNone/>
-              <a:defRPr sz="1800">
+              <a:defRPr sz="1600">
                 <a:solidFill>
                   <a:schemeClr val="tx1">
                     <a:tint val="75000"/>
@@ -1042,7 +2317,7 @@
             </a:lvl3pPr>
             <a:lvl4pPr marL="1371600" indent="0">
               <a:buNone/>
-              <a:defRPr sz="1600">
+              <a:defRPr sz="1400">
                 <a:solidFill>
                   <a:schemeClr val="tx1">
                     <a:tint val="75000"/>
@@ -1052,7 +2327,7 @@
             </a:lvl4pPr>
             <a:lvl5pPr marL="1828800" indent="0">
               <a:buNone/>
-              <a:defRPr sz="1600">
+              <a:defRPr sz="1400">
                 <a:solidFill>
                   <a:schemeClr val="tx1">
                     <a:tint val="75000"/>
@@ -1062,7 +2337,7 @@
             </a:lvl5pPr>
             <a:lvl6pPr marL="2286000" indent="0">
               <a:buNone/>
-              <a:defRPr sz="1600">
+              <a:defRPr sz="1400">
                 <a:solidFill>
                   <a:schemeClr val="tx1">
                     <a:tint val="75000"/>
@@ -1072,7 +2347,7 @@
             </a:lvl6pPr>
             <a:lvl7pPr marL="2743200" indent="0">
               <a:buNone/>
-              <a:defRPr sz="1600">
+              <a:defRPr sz="1400">
                 <a:solidFill>
                   <a:schemeClr val="tx1">
                     <a:tint val="75000"/>
@@ -1082,7 +2357,7 @@
             </a:lvl7pPr>
             <a:lvl8pPr marL="3200400" indent="0">
               <a:buNone/>
-              <a:defRPr sz="1600">
+              <a:defRPr sz="1400">
                 <a:solidFill>
                   <a:schemeClr val="tx1">
                     <a:tint val="75000"/>
@@ -1092,7 +2367,7 @@
             </a:lvl8pPr>
             <a:lvl9pPr marL="3657600" indent="0">
               <a:buNone/>
-              <a:defRPr sz="1600">
+              <a:defRPr sz="1400">
                 <a:solidFill>
                   <a:schemeClr val="tx1">
                     <a:tint val="75000"/>
@@ -1112,13 +2387,7 @@
       </p:sp>
       <p:sp>
         <p:nvSpPr>
-          <p:cNvPr id="4" name="日期版面配置區 3">
-            <a:extLst>
-              <a:ext uri="{FF2B5EF4-FFF2-40B4-BE49-F238E27FC236}">
-                <a16:creationId xmlns:a16="http://schemas.microsoft.com/office/drawing/2014/main" id="{37546C76-CF19-433D-9070-0A54A149F1B2}"/>
-              </a:ext>
-            </a:extLst>
-          </p:cNvPr>
+          <p:cNvPr id="4" name="Date Placeholder 3"/>
           <p:cNvSpPr>
             <a:spLocks noGrp="1"/>
           </p:cNvSpPr>
@@ -1131,9 +2400,9 @@
           <a:bodyPr/>
           <a:lstStyle/>
           <a:p>
-            <a:fld id="{C3C90D7E-32D6-4894-AE08-7BBB3E610FC9}" type="datetimeFigureOut">
+            <a:fld id="{964167B7-8975-44AD-880F-889CFC079D1F}" type="datetimeFigureOut">
               <a:rPr lang="zh-TW" altLang="en-US" smtClean="0"/>
-              <a:t>2024/9/16</a:t>
+              <a:t>2024/10/6</a:t>
             </a:fld>
             <a:endParaRPr lang="zh-TW" altLang="en-US"/>
           </a:p>
@@ -1141,13 +2410,7 @@
       </p:sp>
       <p:sp>
         <p:nvSpPr>
-          <p:cNvPr id="5" name="頁尾版面配置區 4">
-            <a:extLst>
-              <a:ext uri="{FF2B5EF4-FFF2-40B4-BE49-F238E27FC236}">
-                <a16:creationId xmlns:a16="http://schemas.microsoft.com/office/drawing/2014/main" id="{9C9DC25F-827C-4564-AD0E-7FD815D53AF7}"/>
-              </a:ext>
-            </a:extLst>
-          </p:cNvPr>
+          <p:cNvPr id="5" name="Footer Placeholder 4"/>
           <p:cNvSpPr>
             <a:spLocks noGrp="1"/>
           </p:cNvSpPr>
@@ -1166,13 +2429,7 @@
       </p:sp>
       <p:sp>
         <p:nvSpPr>
-          <p:cNvPr id="6" name="投影片編號版面配置區 5">
-            <a:extLst>
-              <a:ext uri="{FF2B5EF4-FFF2-40B4-BE49-F238E27FC236}">
-                <a16:creationId xmlns:a16="http://schemas.microsoft.com/office/drawing/2014/main" id="{8C0653A6-68AA-4213-8D62-EAF9243D6998}"/>
-              </a:ext>
-            </a:extLst>
-          </p:cNvPr>
+          <p:cNvPr id="6" name="Slide Number Placeholder 5"/>
           <p:cNvSpPr>
             <a:spLocks noGrp="1"/>
           </p:cNvSpPr>
@@ -1185,7 +2442,7 @@
           <a:bodyPr/>
           <a:lstStyle/>
           <a:p>
-            <a:fld id="{E31EC408-072F-4346-BD0A-D6AA5788A305}" type="slidenum">
+            <a:fld id="{528CF31F-ACAC-447E-BE3D-19FE1BD8F2D8}" type="slidenum">
               <a:rPr lang="zh-TW" altLang="en-US" smtClean="0"/>
               <a:t>‹#›</a:t>
             </a:fld>
@@ -1193,10 +2450,48 @@
           </a:p>
         </p:txBody>
       </p:sp>
+      <p:cxnSp>
+        <p:nvCxnSpPr>
+          <p:cNvPr id="9" name="Straight Connector 8"/>
+          <p:cNvCxnSpPr/>
+          <p:nvPr/>
+        </p:nvCxnSpPr>
+        <p:spPr>
+          <a:xfrm>
+            <a:off x="1207658" y="4343400"/>
+            <a:ext cx="9875520" cy="0"/>
+          </a:xfrm>
+          <a:prstGeom prst="line">
+            <a:avLst/>
+          </a:prstGeom>
+          <a:ln w="6350">
+            <a:solidFill>
+              <a:schemeClr val="tx1">
+                <a:lumMod val="50000"/>
+                <a:lumOff val="50000"/>
+              </a:schemeClr>
+            </a:solidFill>
+          </a:ln>
+        </p:spPr>
+        <p:style>
+          <a:lnRef idx="1">
+            <a:schemeClr val="accent1"/>
+          </a:lnRef>
+          <a:fillRef idx="0">
+            <a:schemeClr val="accent1"/>
+          </a:fillRef>
+          <a:effectRef idx="0">
+            <a:schemeClr val="accent1"/>
+          </a:effectRef>
+          <a:fontRef idx="minor">
+            <a:schemeClr val="tx1"/>
+          </a:fontRef>
+        </p:style>
+      </p:cxnSp>
     </p:spTree>
     <p:extLst>
       <p:ext uri="{BB962C8B-B14F-4D97-AF65-F5344CB8AC3E}">
-        <p14:creationId xmlns:p14="http://schemas.microsoft.com/office/powerpoint/2010/main" val="3126775509"/>
+        <p14:creationId xmlns:p14="http://schemas.microsoft.com/office/powerpoint/2010/main" val="1108183703"/>
       </p:ext>
     </p:extLst>
   </p:cSld>
@@ -1225,114 +2520,46 @@
       </p:grpSpPr>
       <p:sp>
         <p:nvSpPr>
-          <p:cNvPr id="2" name="標題 1">
-            <a:extLst>
-              <a:ext uri="{FF2B5EF4-FFF2-40B4-BE49-F238E27FC236}">
-                <a16:creationId xmlns:a16="http://schemas.microsoft.com/office/drawing/2014/main" id="{F8A74D77-9E6E-4FD1-97AD-0ADC1228B6AF}"/>
-              </a:ext>
-            </a:extLst>
-          </p:cNvPr>
+          <p:cNvPr id="8" name="Title 7"/>
           <p:cNvSpPr>
             <a:spLocks noGrp="1"/>
           </p:cNvSpPr>
           <p:nvPr>
             <p:ph type="title"/>
-          </p:nvPr>
-        </p:nvSpPr>
-        <p:spPr/>
-        <p:txBody>
-          <a:bodyPr/>
-          <a:lstStyle/>
-          <a:p>
-            <a:r>
-              <a:rPr lang="zh-TW" altLang="en-US"/>
-              <a:t>按一下以編輯母片標題樣式</a:t>
-            </a:r>
-          </a:p>
-        </p:txBody>
-      </p:sp>
-      <p:sp>
-        <p:nvSpPr>
-          <p:cNvPr id="3" name="內容版面配置區 2">
-            <a:extLst>
-              <a:ext uri="{FF2B5EF4-FFF2-40B4-BE49-F238E27FC236}">
-                <a16:creationId xmlns:a16="http://schemas.microsoft.com/office/drawing/2014/main" id="{9FDE4E9B-689C-4373-B281-9636BE211982}"/>
-              </a:ext>
-            </a:extLst>
-          </p:cNvPr>
-          <p:cNvSpPr>
-            <a:spLocks noGrp="1"/>
-          </p:cNvSpPr>
-          <p:nvPr>
-            <p:ph sz="half" idx="1"/>
           </p:nvPr>
         </p:nvSpPr>
         <p:spPr>
           <a:xfrm>
-            <a:off x="838200" y="1825625"/>
-            <a:ext cx="5181600" cy="4351338"/>
+            <a:off x="1097280" y="286603"/>
+            <a:ext cx="10058400" cy="1450757"/>
           </a:xfrm>
         </p:spPr>
         <p:txBody>
           <a:bodyPr/>
           <a:lstStyle/>
           <a:p>
-            <a:pPr lvl="0"/>
-            <a:r>
-              <a:rPr lang="zh-TW" altLang="en-US"/>
-              <a:t>按一下以編輯母片文字樣式</a:t>
-            </a:r>
-          </a:p>
-          <a:p>
-            <a:pPr lvl="1"/>
-            <a:r>
-              <a:rPr lang="zh-TW" altLang="en-US"/>
-              <a:t>第二層</a:t>
-            </a:r>
-          </a:p>
-          <a:p>
-            <a:pPr lvl="2"/>
-            <a:r>
-              <a:rPr lang="zh-TW" altLang="en-US"/>
-              <a:t>第三層</a:t>
-            </a:r>
-          </a:p>
-          <a:p>
-            <a:pPr lvl="3"/>
-            <a:r>
-              <a:rPr lang="zh-TW" altLang="en-US"/>
-              <a:t>第四層</a:t>
-            </a:r>
-          </a:p>
-          <a:p>
-            <a:pPr lvl="4"/>
-            <a:r>
-              <a:rPr lang="zh-TW" altLang="en-US"/>
-              <a:t>第五層</a:t>
-            </a:r>
-          </a:p>
-        </p:txBody>
-      </p:sp>
-      <p:sp>
-        <p:nvSpPr>
-          <p:cNvPr id="4" name="內容版面配置區 3">
-            <a:extLst>
-              <a:ext uri="{FF2B5EF4-FFF2-40B4-BE49-F238E27FC236}">
-                <a16:creationId xmlns:a16="http://schemas.microsoft.com/office/drawing/2014/main" id="{CD25EC10-0BDA-4ECA-AB8E-059AC3378E22}"/>
-              </a:ext>
-            </a:extLst>
-          </p:cNvPr>
-          <p:cNvSpPr>
-            <a:spLocks noGrp="1"/>
-          </p:cNvSpPr>
-          <p:nvPr>
-            <p:ph sz="half" idx="2"/>
+            <a:r>
+              <a:rPr lang="zh-TW" altLang="en-US"/>
+              <a:t>按一下以編輯母片標題樣式</a:t>
+            </a:r>
+            <a:endParaRPr lang="en-US" dirty="0"/>
+          </a:p>
+        </p:txBody>
+      </p:sp>
+      <p:sp>
+        <p:nvSpPr>
+          <p:cNvPr id="3" name="Content Placeholder 2"/>
+          <p:cNvSpPr>
+            <a:spLocks noGrp="1"/>
+          </p:cNvSpPr>
+          <p:nvPr>
+            <p:ph sz="half" idx="1"/>
           </p:nvPr>
         </p:nvSpPr>
         <p:spPr>
           <a:xfrm>
-            <a:off x="6172200" y="1825625"/>
-            <a:ext cx="5181600" cy="4351338"/>
+            <a:off x="1097279" y="1845734"/>
+            <a:ext cx="4937760" cy="4023360"/>
           </a:xfrm>
         </p:spPr>
         <p:txBody>
@@ -1372,18 +2599,70 @@
               <a:rPr lang="zh-TW" altLang="en-US"/>
               <a:t>第五層</a:t>
             </a:r>
-          </a:p>
-        </p:txBody>
-      </p:sp>
-      <p:sp>
-        <p:nvSpPr>
-          <p:cNvPr id="5" name="日期版面配置區 4">
-            <a:extLst>
-              <a:ext uri="{FF2B5EF4-FFF2-40B4-BE49-F238E27FC236}">
-                <a16:creationId xmlns:a16="http://schemas.microsoft.com/office/drawing/2014/main" id="{63DAF127-0983-4C38-869C-C0A513FA9147}"/>
-              </a:ext>
-            </a:extLst>
-          </p:cNvPr>
+            <a:endParaRPr lang="en-US" dirty="0"/>
+          </a:p>
+        </p:txBody>
+      </p:sp>
+      <p:sp>
+        <p:nvSpPr>
+          <p:cNvPr id="4" name="Content Placeholder 3"/>
+          <p:cNvSpPr>
+            <a:spLocks noGrp="1"/>
+          </p:cNvSpPr>
+          <p:nvPr>
+            <p:ph sz="half" idx="2"/>
+          </p:nvPr>
+        </p:nvSpPr>
+        <p:spPr>
+          <a:xfrm>
+            <a:off x="6217920" y="1845735"/>
+            <a:ext cx="4937760" cy="4023360"/>
+          </a:xfrm>
+        </p:spPr>
+        <p:txBody>
+          <a:bodyPr/>
+          <a:lstStyle/>
+          <a:p>
+            <a:pPr lvl="0"/>
+            <a:r>
+              <a:rPr lang="zh-TW" altLang="en-US"/>
+              <a:t>按一下以編輯母片文字樣式</a:t>
+            </a:r>
+          </a:p>
+          <a:p>
+            <a:pPr lvl="1"/>
+            <a:r>
+              <a:rPr lang="zh-TW" altLang="en-US"/>
+              <a:t>第二層</a:t>
+            </a:r>
+          </a:p>
+          <a:p>
+            <a:pPr lvl="2"/>
+            <a:r>
+              <a:rPr lang="zh-TW" altLang="en-US"/>
+              <a:t>第三層</a:t>
+            </a:r>
+          </a:p>
+          <a:p>
+            <a:pPr lvl="3"/>
+            <a:r>
+              <a:rPr lang="zh-TW" altLang="en-US"/>
+              <a:t>第四層</a:t>
+            </a:r>
+          </a:p>
+          <a:p>
+            <a:pPr lvl="4"/>
+            <a:r>
+              <a:rPr lang="zh-TW" altLang="en-US"/>
+              <a:t>第五層</a:t>
+            </a:r>
+            <a:endParaRPr lang="en-US" dirty="0"/>
+          </a:p>
+        </p:txBody>
+      </p:sp>
+      <p:sp>
+        <p:nvSpPr>
+          <p:cNvPr id="5" name="Date Placeholder 4"/>
           <p:cNvSpPr>
             <a:spLocks noGrp="1"/>
           </p:cNvSpPr>
@@ -1396,9 +2675,9 @@
           <a:bodyPr/>
           <a:lstStyle/>
           <a:p>
-            <a:fld id="{C3C90D7E-32D6-4894-AE08-7BBB3E610FC9}" type="datetimeFigureOut">
+            <a:fld id="{964167B7-8975-44AD-880F-889CFC079D1F}" type="datetimeFigureOut">
               <a:rPr lang="zh-TW" altLang="en-US" smtClean="0"/>
-              <a:t>2024/9/16</a:t>
+              <a:t>2024/10/6</a:t>
             </a:fld>
             <a:endParaRPr lang="zh-TW" altLang="en-US"/>
           </a:p>
@@ -1406,13 +2685,7 @@
       </p:sp>
       <p:sp>
         <p:nvSpPr>
-          <p:cNvPr id="6" name="頁尾版面配置區 5">
-            <a:extLst>
-              <a:ext uri="{FF2B5EF4-FFF2-40B4-BE49-F238E27FC236}">
-                <a16:creationId xmlns:a16="http://schemas.microsoft.com/office/drawing/2014/main" id="{E014CBA6-CCE3-4CF4-8E13-D895EDBD8F25}"/>
-              </a:ext>
-            </a:extLst>
-          </p:cNvPr>
+          <p:cNvPr id="6" name="Footer Placeholder 5"/>
           <p:cNvSpPr>
             <a:spLocks noGrp="1"/>
           </p:cNvSpPr>
@@ -1431,13 +2704,7 @@
       </p:sp>
       <p:sp>
         <p:nvSpPr>
-          <p:cNvPr id="7" name="投影片編號版面配置區 6">
-            <a:extLst>
-              <a:ext uri="{FF2B5EF4-FFF2-40B4-BE49-F238E27FC236}">
-                <a16:creationId xmlns:a16="http://schemas.microsoft.com/office/drawing/2014/main" id="{5CEAA8E5-79B3-445E-B8C3-29BD56CE6D7A}"/>
-              </a:ext>
-            </a:extLst>
-          </p:cNvPr>
+          <p:cNvPr id="7" name="Slide Number Placeholder 6"/>
           <p:cNvSpPr>
             <a:spLocks noGrp="1"/>
           </p:cNvSpPr>
@@ -1450,7 +2717,7 @@
           <a:bodyPr/>
           <a:lstStyle/>
           <a:p>
-            <a:fld id="{E31EC408-072F-4346-BD0A-D6AA5788A305}" type="slidenum">
+            <a:fld id="{528CF31F-ACAC-447E-BE3D-19FE1BD8F2D8}" type="slidenum">
               <a:rPr lang="zh-TW" altLang="en-US" smtClean="0"/>
               <a:t>‹#›</a:t>
             </a:fld>
@@ -1461,7 +2728,7 @@
     </p:spTree>
     <p:extLst>
       <p:ext uri="{BB962C8B-B14F-4D97-AF65-F5344CB8AC3E}">
-        <p14:creationId xmlns:p14="http://schemas.microsoft.com/office/powerpoint/2010/main" val="3858213488"/>
+        <p14:creationId xmlns:p14="http://schemas.microsoft.com/office/powerpoint/2010/main" val="3597560775"/>
       </p:ext>
     </p:extLst>
   </p:cSld>
@@ -1490,13 +2757,7 @@
       </p:grpSpPr>
       <p:sp>
         <p:nvSpPr>
-          <p:cNvPr id="2" name="標題 1">
-            <a:extLst>
-              <a:ext uri="{FF2B5EF4-FFF2-40B4-BE49-F238E27FC236}">
-                <a16:creationId xmlns:a16="http://schemas.microsoft.com/office/drawing/2014/main" id="{A00F76B6-8DEC-4A74-A06A-BA0146321CD8}"/>
-              </a:ext>
-            </a:extLst>
-          </p:cNvPr>
+          <p:cNvPr id="10" name="Title 9"/>
           <p:cNvSpPr>
             <a:spLocks noGrp="1"/>
           </p:cNvSpPr>
@@ -1506,8 +2767,8 @@
         </p:nvSpPr>
         <p:spPr>
           <a:xfrm>
-            <a:off x="839788" y="365125"/>
-            <a:ext cx="10515600" cy="1325563"/>
+            <a:off x="1097280" y="286603"/>
+            <a:ext cx="10058400" cy="1450757"/>
           </a:xfrm>
         </p:spPr>
         <p:txBody>
@@ -1518,18 +2779,13 @@
               <a:rPr lang="zh-TW" altLang="en-US"/>
               <a:t>按一下以編輯母片標題樣式</a:t>
             </a:r>
-          </a:p>
-        </p:txBody>
-      </p:sp>
-      <p:sp>
-        <p:nvSpPr>
-          <p:cNvPr id="3" name="文字版面配置區 2">
-            <a:extLst>
-              <a:ext uri="{FF2B5EF4-FFF2-40B4-BE49-F238E27FC236}">
-                <a16:creationId xmlns:a16="http://schemas.microsoft.com/office/drawing/2014/main" id="{EF00F5C5-99A7-4F16-855A-F170362659F7}"/>
-              </a:ext>
-            </a:extLst>
-          </p:cNvPr>
+            <a:endParaRPr lang="en-US" dirty="0"/>
+          </a:p>
+        </p:txBody>
+      </p:sp>
+      <p:sp>
+        <p:nvSpPr>
+          <p:cNvPr id="3" name="Text Placeholder 2"/>
           <p:cNvSpPr>
             <a:spLocks noGrp="1"/>
           </p:cNvSpPr>
@@ -1539,16 +2795,22 @@
         </p:nvSpPr>
         <p:spPr>
           <a:xfrm>
-            <a:off x="839788" y="1681163"/>
-            <a:ext cx="5157787" cy="823912"/>
+            <a:off x="1097280" y="1846052"/>
+            <a:ext cx="4937760" cy="736282"/>
           </a:xfrm>
         </p:spPr>
         <p:txBody>
-          <a:bodyPr anchor="b"/>
+          <a:bodyPr lIns="91440" rIns="91440" anchor="ctr">
+            <a:normAutofit/>
+          </a:bodyPr>
           <a:lstStyle>
             <a:lvl1pPr marL="0" indent="0">
               <a:buNone/>
-              <a:defRPr sz="2400" b="1"/>
+              <a:defRPr sz="2000" b="0" cap="all" baseline="0">
+                <a:solidFill>
+                  <a:schemeClr val="tx2"/>
+                </a:solidFill>
+              </a:defRPr>
             </a:lvl1pPr>
             <a:lvl2pPr marL="457200" indent="0">
               <a:buNone/>
@@ -1594,13 +2856,7 @@
       </p:sp>
       <p:sp>
         <p:nvSpPr>
-          <p:cNvPr id="4" name="內容版面配置區 3">
-            <a:extLst>
-              <a:ext uri="{FF2B5EF4-FFF2-40B4-BE49-F238E27FC236}">
-                <a16:creationId xmlns:a16="http://schemas.microsoft.com/office/drawing/2014/main" id="{6722BEB2-C9B4-4C14-8234-D17E84349984}"/>
-              </a:ext>
-            </a:extLst>
-          </p:cNvPr>
+          <p:cNvPr id="4" name="Content Placeholder 3"/>
           <p:cNvSpPr>
             <a:spLocks noGrp="1"/>
           </p:cNvSpPr>
@@ -1610,8 +2866,8 @@
         </p:nvSpPr>
         <p:spPr>
           <a:xfrm>
-            <a:off x="839788" y="2505075"/>
-            <a:ext cx="5157787" cy="3684588"/>
+            <a:off x="1097280" y="2582334"/>
+            <a:ext cx="4937760" cy="3378200"/>
           </a:xfrm>
         </p:spPr>
         <p:txBody>
@@ -1651,18 +2907,13 @@
               <a:rPr lang="zh-TW" altLang="en-US"/>
               <a:t>第五層</a:t>
             </a:r>
-          </a:p>
-        </p:txBody>
-      </p:sp>
-      <p:sp>
-        <p:nvSpPr>
-          <p:cNvPr id="5" name="文字版面配置區 4">
-            <a:extLst>
-              <a:ext uri="{FF2B5EF4-FFF2-40B4-BE49-F238E27FC236}">
-                <a16:creationId xmlns:a16="http://schemas.microsoft.com/office/drawing/2014/main" id="{E4A41162-A0AC-4211-940F-4B92208F9B0E}"/>
-              </a:ext>
-            </a:extLst>
-          </p:cNvPr>
+            <a:endParaRPr lang="en-US" dirty="0"/>
+          </a:p>
+        </p:txBody>
+      </p:sp>
+      <p:sp>
+        <p:nvSpPr>
+          <p:cNvPr id="5" name="Text Placeholder 4"/>
           <p:cNvSpPr>
             <a:spLocks noGrp="1"/>
           </p:cNvSpPr>
@@ -1672,16 +2923,22 @@
         </p:nvSpPr>
         <p:spPr>
           <a:xfrm>
-            <a:off x="6172200" y="1681163"/>
-            <a:ext cx="5183188" cy="823912"/>
+            <a:off x="6217920" y="1846052"/>
+            <a:ext cx="4937760" cy="736282"/>
           </a:xfrm>
         </p:spPr>
         <p:txBody>
-          <a:bodyPr anchor="b"/>
+          <a:bodyPr lIns="91440" rIns="91440" anchor="ctr">
+            <a:normAutofit/>
+          </a:bodyPr>
           <a:lstStyle>
             <a:lvl1pPr marL="0" indent="0">
               <a:buNone/>
-              <a:defRPr sz="2400" b="1"/>
+              <a:defRPr sz="2000" b="0" cap="all" baseline="0">
+                <a:solidFill>
+                  <a:schemeClr val="tx2"/>
+                </a:solidFill>
+              </a:defRPr>
             </a:lvl1pPr>
             <a:lvl2pPr marL="457200" indent="0">
               <a:buNone/>
@@ -1727,13 +2984,7 @@
       </p:sp>
       <p:sp>
         <p:nvSpPr>
-          <p:cNvPr id="6" name="內容版面配置區 5">
-            <a:extLst>
-              <a:ext uri="{FF2B5EF4-FFF2-40B4-BE49-F238E27FC236}">
-                <a16:creationId xmlns:a16="http://schemas.microsoft.com/office/drawing/2014/main" id="{E8EA159A-F9D7-4F58-A7C3-6E5B65E42266}"/>
-              </a:ext>
-            </a:extLst>
-          </p:cNvPr>
+          <p:cNvPr id="6" name="Content Placeholder 5"/>
           <p:cNvSpPr>
             <a:spLocks noGrp="1"/>
           </p:cNvSpPr>
@@ -1743,8 +2994,8 @@
         </p:nvSpPr>
         <p:spPr>
           <a:xfrm>
-            <a:off x="6172200" y="2505075"/>
-            <a:ext cx="5183188" cy="3684588"/>
+            <a:off x="6217920" y="2582334"/>
+            <a:ext cx="4937760" cy="3378200"/>
           </a:xfrm>
         </p:spPr>
         <p:txBody>
@@ -1784,18 +3035,13 @@
               <a:rPr lang="zh-TW" altLang="en-US"/>
               <a:t>第五層</a:t>
             </a:r>
-          </a:p>
-        </p:txBody>
-      </p:sp>
-      <p:sp>
-        <p:nvSpPr>
-          <p:cNvPr id="7" name="日期版面配置區 6">
-            <a:extLst>
-              <a:ext uri="{FF2B5EF4-FFF2-40B4-BE49-F238E27FC236}">
-                <a16:creationId xmlns:a16="http://schemas.microsoft.com/office/drawing/2014/main" id="{AE973E80-9141-48B7-A9D7-605A4541768F}"/>
-              </a:ext>
-            </a:extLst>
-          </p:cNvPr>
+            <a:endParaRPr lang="en-US" dirty="0"/>
+          </a:p>
+        </p:txBody>
+      </p:sp>
+      <p:sp>
+        <p:nvSpPr>
+          <p:cNvPr id="7" name="Date Placeholder 6"/>
           <p:cNvSpPr>
             <a:spLocks noGrp="1"/>
           </p:cNvSpPr>
@@ -1808,9 +3054,9 @@
           <a:bodyPr/>
           <a:lstStyle/>
           <a:p>
-            <a:fld id="{C3C90D7E-32D6-4894-AE08-7BBB3E610FC9}" type="datetimeFigureOut">
+            <a:fld id="{964167B7-8975-44AD-880F-889CFC079D1F}" type="datetimeFigureOut">
               <a:rPr lang="zh-TW" altLang="en-US" smtClean="0"/>
-              <a:t>2024/9/16</a:t>
+              <a:t>2024/10/6</a:t>
             </a:fld>
             <a:endParaRPr lang="zh-TW" altLang="en-US"/>
           </a:p>
@@ -1818,13 +3064,7 @@
       </p:sp>
       <p:sp>
         <p:nvSpPr>
-          <p:cNvPr id="8" name="頁尾版面配置區 7">
-            <a:extLst>
-              <a:ext uri="{FF2B5EF4-FFF2-40B4-BE49-F238E27FC236}">
-                <a16:creationId xmlns:a16="http://schemas.microsoft.com/office/drawing/2014/main" id="{6520B07A-79F8-43E7-8013-632DD2AED223}"/>
-              </a:ext>
-            </a:extLst>
-          </p:cNvPr>
+          <p:cNvPr id="8" name="Footer Placeholder 7"/>
           <p:cNvSpPr>
             <a:spLocks noGrp="1"/>
           </p:cNvSpPr>
@@ -1843,13 +3083,7 @@
       </p:sp>
       <p:sp>
         <p:nvSpPr>
-          <p:cNvPr id="9" name="投影片編號版面配置區 8">
-            <a:extLst>
-              <a:ext uri="{FF2B5EF4-FFF2-40B4-BE49-F238E27FC236}">
-                <a16:creationId xmlns:a16="http://schemas.microsoft.com/office/drawing/2014/main" id="{3B997D8F-4F1C-4DE6-A82C-3E0C38ACAE96}"/>
-              </a:ext>
-            </a:extLst>
-          </p:cNvPr>
+          <p:cNvPr id="9" name="Slide Number Placeholder 8"/>
           <p:cNvSpPr>
             <a:spLocks noGrp="1"/>
           </p:cNvSpPr>
@@ -1862,7 +3096,7 @@
           <a:bodyPr/>
           <a:lstStyle/>
           <a:p>
-            <a:fld id="{E31EC408-072F-4346-BD0A-D6AA5788A305}" type="slidenum">
+            <a:fld id="{528CF31F-ACAC-447E-BE3D-19FE1BD8F2D8}" type="slidenum">
               <a:rPr lang="zh-TW" altLang="en-US" smtClean="0"/>
               <a:t>‹#›</a:t>
             </a:fld>
@@ -1873,7 +3107,7 @@
     </p:spTree>
     <p:extLst>
       <p:ext uri="{BB962C8B-B14F-4D97-AF65-F5344CB8AC3E}">
-        <p14:creationId xmlns:p14="http://schemas.microsoft.com/office/powerpoint/2010/main" val="3379995638"/>
+        <p14:creationId xmlns:p14="http://schemas.microsoft.com/office/powerpoint/2010/main" val="4253659651"/>
       </p:ext>
     </p:extLst>
   </p:cSld>
@@ -1902,13 +3136,7 @@
       </p:grpSpPr>
       <p:sp>
         <p:nvSpPr>
-          <p:cNvPr id="2" name="標題 1">
-            <a:extLst>
-              <a:ext uri="{FF2B5EF4-FFF2-40B4-BE49-F238E27FC236}">
-                <a16:creationId xmlns:a16="http://schemas.microsoft.com/office/drawing/2014/main" id="{6CE04611-FD10-429D-89AA-73C259B64293}"/>
-              </a:ext>
-            </a:extLst>
-          </p:cNvPr>
+          <p:cNvPr id="2" name="Title 1"/>
           <p:cNvSpPr>
             <a:spLocks noGrp="1"/>
           </p:cNvSpPr>
@@ -1925,18 +3153,13 @@
               <a:rPr lang="zh-TW" altLang="en-US"/>
               <a:t>按一下以編輯母片標題樣式</a:t>
             </a:r>
-          </a:p>
-        </p:txBody>
-      </p:sp>
-      <p:sp>
-        <p:nvSpPr>
-          <p:cNvPr id="3" name="日期版面配置區 2">
-            <a:extLst>
-              <a:ext uri="{FF2B5EF4-FFF2-40B4-BE49-F238E27FC236}">
-                <a16:creationId xmlns:a16="http://schemas.microsoft.com/office/drawing/2014/main" id="{2D9009F3-A280-4DA8-ACC4-187DE2172BCA}"/>
-              </a:ext>
-            </a:extLst>
-          </p:cNvPr>
+            <a:endParaRPr lang="en-US" dirty="0"/>
+          </a:p>
+        </p:txBody>
+      </p:sp>
+      <p:sp>
+        <p:nvSpPr>
+          <p:cNvPr id="3" name="Date Placeholder 2"/>
           <p:cNvSpPr>
             <a:spLocks noGrp="1"/>
           </p:cNvSpPr>
@@ -1949,9 +3172,9 @@
           <a:bodyPr/>
           <a:lstStyle/>
           <a:p>
-            <a:fld id="{C3C90D7E-32D6-4894-AE08-7BBB3E610FC9}" type="datetimeFigureOut">
+            <a:fld id="{964167B7-8975-44AD-880F-889CFC079D1F}" type="datetimeFigureOut">
               <a:rPr lang="zh-TW" altLang="en-US" smtClean="0"/>
-              <a:t>2024/9/16</a:t>
+              <a:t>2024/10/6</a:t>
             </a:fld>
             <a:endParaRPr lang="zh-TW" altLang="en-US"/>
           </a:p>
@@ -1959,13 +3182,7 @@
       </p:sp>
       <p:sp>
         <p:nvSpPr>
-          <p:cNvPr id="4" name="頁尾版面配置區 3">
-            <a:extLst>
-              <a:ext uri="{FF2B5EF4-FFF2-40B4-BE49-F238E27FC236}">
-                <a16:creationId xmlns:a16="http://schemas.microsoft.com/office/drawing/2014/main" id="{F8FD791E-F627-4DDB-AD69-F7639FDD1767}"/>
-              </a:ext>
-            </a:extLst>
-          </p:cNvPr>
+          <p:cNvPr id="4" name="Footer Placeholder 3"/>
           <p:cNvSpPr>
             <a:spLocks noGrp="1"/>
           </p:cNvSpPr>
@@ -1984,13 +3201,7 @@
       </p:sp>
       <p:sp>
         <p:nvSpPr>
-          <p:cNvPr id="5" name="投影片編號版面配置區 4">
-            <a:extLst>
-              <a:ext uri="{FF2B5EF4-FFF2-40B4-BE49-F238E27FC236}">
-                <a16:creationId xmlns:a16="http://schemas.microsoft.com/office/drawing/2014/main" id="{CE9C3C73-9A1B-4A20-B40C-BF8E0726E9AE}"/>
-              </a:ext>
-            </a:extLst>
-          </p:cNvPr>
+          <p:cNvPr id="5" name="Slide Number Placeholder 4"/>
           <p:cNvSpPr>
             <a:spLocks noGrp="1"/>
           </p:cNvSpPr>
@@ -2003,7 +3214,7 @@
           <a:bodyPr/>
           <a:lstStyle/>
           <a:p>
-            <a:fld id="{E31EC408-072F-4346-BD0A-D6AA5788A305}" type="slidenum">
+            <a:fld id="{528CF31F-ACAC-447E-BE3D-19FE1BD8F2D8}" type="slidenum">
               <a:rPr lang="zh-TW" altLang="en-US" smtClean="0"/>
               <a:t>‹#›</a:t>
             </a:fld>
@@ -2014,7 +3225,7 @@
     </p:spTree>
     <p:extLst>
       <p:ext uri="{BB962C8B-B14F-4D97-AF65-F5344CB8AC3E}">
-        <p14:creationId xmlns:p14="http://schemas.microsoft.com/office/powerpoint/2010/main" val="3116621787"/>
+        <p14:creationId xmlns:p14="http://schemas.microsoft.com/office/powerpoint/2010/main" val="885871692"/>
       </p:ext>
     </p:extLst>
   </p:cSld>
@@ -2025,7 +3236,7 @@
 </file>
 
 <file path=ppt/slideLayouts/slideLayout7.xml><?xml version="1.0" encoding="utf-8"?>
-<p:sldLayout xmlns:a="http://schemas.openxmlformats.org/drawingml/2006/main" xmlns:r="http://schemas.openxmlformats.org/officeDocument/2006/relationships" xmlns:p="http://schemas.openxmlformats.org/presentationml/2006/main" type="blank" preserve="1">
+<p:sldLayout xmlns:a="http://schemas.openxmlformats.org/drawingml/2006/main" xmlns:r="http://schemas.openxmlformats.org/officeDocument/2006/relationships" xmlns:p="http://schemas.openxmlformats.org/presentationml/2006/main" showMasterSp="0" type="blank" preserve="1">
   <p:cSld name="空白">
     <p:spTree>
       <p:nvGrpSpPr>
@@ -2043,13 +3254,83 @@
       </p:grpSpPr>
       <p:sp>
         <p:nvSpPr>
-          <p:cNvPr id="2" name="日期版面配置區 1">
-            <a:extLst>
-              <a:ext uri="{FF2B5EF4-FFF2-40B4-BE49-F238E27FC236}">
-                <a16:creationId xmlns:a16="http://schemas.microsoft.com/office/drawing/2014/main" id="{1E1D8EED-F2A7-4221-9887-0DBB62EB3F80}"/>
-              </a:ext>
-            </a:extLst>
-          </p:cNvPr>
+          <p:cNvPr id="5" name="Rectangle 4"/>
+          <p:cNvSpPr/>
+          <p:nvPr/>
+        </p:nvSpPr>
+        <p:spPr>
+          <a:xfrm>
+            <a:off x="3175" y="6400800"/>
+            <a:ext cx="12188825" cy="457200"/>
+          </a:xfrm>
+          <a:prstGeom prst="rect">
+            <a:avLst/>
+          </a:prstGeom>
+          <a:solidFill>
+            <a:schemeClr val="accent2"/>
+          </a:solidFill>
+          <a:ln>
+            <a:noFill/>
+          </a:ln>
+        </p:spPr>
+        <p:style>
+          <a:lnRef idx="2">
+            <a:schemeClr val="accent1">
+              <a:shade val="50000"/>
+            </a:schemeClr>
+          </a:lnRef>
+          <a:fillRef idx="1">
+            <a:schemeClr val="accent1"/>
+          </a:fillRef>
+          <a:effectRef idx="0">
+            <a:schemeClr val="accent1"/>
+          </a:effectRef>
+          <a:fontRef idx="minor">
+            <a:schemeClr val="lt1"/>
+          </a:fontRef>
+        </p:style>
+      </p:sp>
+      <p:sp>
+        <p:nvSpPr>
+          <p:cNvPr id="6" name="Rectangle 5"/>
+          <p:cNvSpPr/>
+          <p:nvPr/>
+        </p:nvSpPr>
+        <p:spPr>
+          <a:xfrm>
+            <a:off x="15" y="6334316"/>
+            <a:ext cx="12188825" cy="64008"/>
+          </a:xfrm>
+          <a:prstGeom prst="rect">
+            <a:avLst/>
+          </a:prstGeom>
+          <a:solidFill>
+            <a:schemeClr val="accent1"/>
+          </a:solidFill>
+          <a:ln>
+            <a:noFill/>
+          </a:ln>
+        </p:spPr>
+        <p:style>
+          <a:lnRef idx="2">
+            <a:schemeClr val="accent1">
+              <a:shade val="50000"/>
+            </a:schemeClr>
+          </a:lnRef>
+          <a:fillRef idx="1">
+            <a:schemeClr val="accent1"/>
+          </a:fillRef>
+          <a:effectRef idx="0">
+            <a:schemeClr val="accent1"/>
+          </a:effectRef>
+          <a:fontRef idx="minor">
+            <a:schemeClr val="lt1"/>
+          </a:fontRef>
+        </p:style>
+      </p:sp>
+      <p:sp>
+        <p:nvSpPr>
+          <p:cNvPr id="7" name="Date Placeholder 6"/>
           <p:cNvSpPr>
             <a:spLocks noGrp="1"/>
           </p:cNvSpPr>
@@ -2062,9 +3343,9 @@
           <a:bodyPr/>
           <a:lstStyle/>
           <a:p>
-            <a:fld id="{C3C90D7E-32D6-4894-AE08-7BBB3E610FC9}" type="datetimeFigureOut">
+            <a:fld id="{964167B7-8975-44AD-880F-889CFC079D1F}" type="datetimeFigureOut">
               <a:rPr lang="zh-TW" altLang="en-US" smtClean="0"/>
-              <a:t>2024/9/16</a:t>
+              <a:t>2024/10/6</a:t>
             </a:fld>
             <a:endParaRPr lang="zh-TW" altLang="en-US"/>
           </a:p>
@@ -2072,13 +3353,7 @@
       </p:sp>
       <p:sp>
         <p:nvSpPr>
-          <p:cNvPr id="3" name="頁尾版面配置區 2">
-            <a:extLst>
-              <a:ext uri="{FF2B5EF4-FFF2-40B4-BE49-F238E27FC236}">
-                <a16:creationId xmlns:a16="http://schemas.microsoft.com/office/drawing/2014/main" id="{10593B39-DC86-45A7-85EF-B4DB9C28DC80}"/>
-              </a:ext>
-            </a:extLst>
-          </p:cNvPr>
+          <p:cNvPr id="8" name="Footer Placeholder 7"/>
           <p:cNvSpPr>
             <a:spLocks noGrp="1"/>
           </p:cNvSpPr>
@@ -2089,7 +3364,15 @@
         <p:spPr/>
         <p:txBody>
           <a:bodyPr/>
-          <a:lstStyle/>
+          <a:lstStyle>
+            <a:lvl1pPr>
+              <a:defRPr>
+                <a:solidFill>
+                  <a:srgbClr val="FFFFFF"/>
+                </a:solidFill>
+              </a:defRPr>
+            </a:lvl1pPr>
+          </a:lstStyle>
           <a:p>
             <a:endParaRPr lang="zh-TW" altLang="en-US"/>
           </a:p>
@@ -2097,13 +3380,7 @@
       </p:sp>
       <p:sp>
         <p:nvSpPr>
-          <p:cNvPr id="4" name="投影片編號版面配置區 3">
-            <a:extLst>
-              <a:ext uri="{FF2B5EF4-FFF2-40B4-BE49-F238E27FC236}">
-                <a16:creationId xmlns:a16="http://schemas.microsoft.com/office/drawing/2014/main" id="{3D9056B2-6966-4CAF-94D1-2295A737E168}"/>
-              </a:ext>
-            </a:extLst>
-          </p:cNvPr>
+          <p:cNvPr id="9" name="Slide Number Placeholder 8"/>
           <p:cNvSpPr>
             <a:spLocks noGrp="1"/>
           </p:cNvSpPr>
@@ -2116,7 +3393,7 @@
           <a:bodyPr/>
           <a:lstStyle/>
           <a:p>
-            <a:fld id="{E31EC408-072F-4346-BD0A-D6AA5788A305}" type="slidenum">
+            <a:fld id="{528CF31F-ACAC-447E-BE3D-19FE1BD8F2D8}" type="slidenum">
               <a:rPr lang="zh-TW" altLang="en-US" smtClean="0"/>
               <a:t>‹#›</a:t>
             </a:fld>
@@ -2127,7 +3404,7 @@
     </p:spTree>
     <p:extLst>
       <p:ext uri="{BB962C8B-B14F-4D97-AF65-F5344CB8AC3E}">
-        <p14:creationId xmlns:p14="http://schemas.microsoft.com/office/powerpoint/2010/main" val="3887241942"/>
+        <p14:creationId xmlns:p14="http://schemas.microsoft.com/office/powerpoint/2010/main" val="3583146070"/>
       </p:ext>
     </p:extLst>
   </p:cSld>
@@ -2138,7 +3415,7 @@
 </file>
 
 <file path=ppt/slideLayouts/slideLayout8.xml><?xml version="1.0" encoding="utf-8"?>
-<p:sldLayout xmlns:a="http://schemas.openxmlformats.org/drawingml/2006/main" xmlns:r="http://schemas.openxmlformats.org/officeDocument/2006/relationships" xmlns:p="http://schemas.openxmlformats.org/presentationml/2006/main" type="objTx" preserve="1">
+<p:sldLayout xmlns:a="http://schemas.openxmlformats.org/drawingml/2006/main" xmlns:r="http://schemas.openxmlformats.org/officeDocument/2006/relationships" xmlns:p="http://schemas.openxmlformats.org/presentationml/2006/main" showMasterSp="0" type="objTx" preserve="1">
   <p:cSld name="含輔助字幕的內容">
     <p:spTree>
       <p:nvGrpSpPr>
@@ -2156,31 +3433,107 @@
       </p:grpSpPr>
       <p:sp>
         <p:nvSpPr>
-          <p:cNvPr id="2" name="標題 1">
-            <a:extLst>
-              <a:ext uri="{FF2B5EF4-FFF2-40B4-BE49-F238E27FC236}">
-                <a16:creationId xmlns:a16="http://schemas.microsoft.com/office/drawing/2014/main" id="{5C3076DF-D16B-4600-9550-96C6A8DD7F1A}"/>
-              </a:ext>
-            </a:extLst>
-          </p:cNvPr>
-          <p:cNvSpPr>
-            <a:spLocks noGrp="1"/>
-          </p:cNvSpPr>
-          <p:nvPr>
-            <p:ph type="title"/>
-          </p:nvPr>
+          <p:cNvPr id="8" name="Rectangle 7"/>
+          <p:cNvSpPr/>
+          <p:nvPr/>
         </p:nvSpPr>
         <p:spPr>
           <a:xfrm>
-            <a:off x="839788" y="457200"/>
-            <a:ext cx="3932237" cy="1600200"/>
+            <a:off x="16" y="0"/>
+            <a:ext cx="4050791" cy="6858000"/>
+          </a:xfrm>
+          <a:prstGeom prst="rect">
+            <a:avLst/>
+          </a:prstGeom>
+          <a:solidFill>
+            <a:schemeClr val="accent2"/>
+          </a:solidFill>
+          <a:ln>
+            <a:noFill/>
+          </a:ln>
+        </p:spPr>
+        <p:style>
+          <a:lnRef idx="2">
+            <a:schemeClr val="accent1">
+              <a:shade val="50000"/>
+            </a:schemeClr>
+          </a:lnRef>
+          <a:fillRef idx="1">
+            <a:schemeClr val="accent1"/>
+          </a:fillRef>
+          <a:effectRef idx="0">
+            <a:schemeClr val="accent1"/>
+          </a:effectRef>
+          <a:fontRef idx="minor">
+            <a:schemeClr val="lt1"/>
+          </a:fontRef>
+        </p:style>
+      </p:sp>
+      <p:sp>
+        <p:nvSpPr>
+          <p:cNvPr id="9" name="Rectangle 8"/>
+          <p:cNvSpPr/>
+          <p:nvPr/>
+        </p:nvSpPr>
+        <p:spPr>
+          <a:xfrm>
+            <a:off x="4040071" y="0"/>
+            <a:ext cx="64008" cy="6858000"/>
+          </a:xfrm>
+          <a:prstGeom prst="rect">
+            <a:avLst/>
+          </a:prstGeom>
+          <a:solidFill>
+            <a:schemeClr val="accent1"/>
+          </a:solidFill>
+          <a:ln>
+            <a:noFill/>
+          </a:ln>
+        </p:spPr>
+        <p:style>
+          <a:lnRef idx="2">
+            <a:schemeClr val="accent1">
+              <a:shade val="50000"/>
+            </a:schemeClr>
+          </a:lnRef>
+          <a:fillRef idx="1">
+            <a:schemeClr val="accent1"/>
+          </a:fillRef>
+          <a:effectRef idx="0">
+            <a:schemeClr val="accent1"/>
+          </a:effectRef>
+          <a:fontRef idx="minor">
+            <a:schemeClr val="lt1"/>
+          </a:fontRef>
+        </p:style>
+      </p:sp>
+      <p:sp>
+        <p:nvSpPr>
+          <p:cNvPr id="2" name="Title 1"/>
+          <p:cNvSpPr>
+            <a:spLocks noGrp="1"/>
+          </p:cNvSpPr>
+          <p:nvPr>
+            <p:ph type="title"/>
+          </p:nvPr>
+        </p:nvSpPr>
+        <p:spPr>
+          <a:xfrm>
+            <a:off x="457200" y="594359"/>
+            <a:ext cx="3200400" cy="2286000"/>
           </a:xfrm>
         </p:spPr>
         <p:txBody>
-          <a:bodyPr anchor="b"/>
+          <a:bodyPr anchor="b">
+            <a:normAutofit/>
+          </a:bodyPr>
           <a:lstStyle>
             <a:lvl1pPr>
-              <a:defRPr sz="3200"/>
+              <a:defRPr sz="3600" b="0">
+                <a:solidFill>
+                  <a:srgbClr val="FFFFFF"/>
+                </a:solidFill>
+              </a:defRPr>
             </a:lvl1pPr>
           </a:lstStyle>
           <a:p>
@@ -2188,18 +3541,13 @@
               <a:rPr lang="zh-TW" altLang="en-US"/>
               <a:t>按一下以編輯母片標題樣式</a:t>
             </a:r>
-          </a:p>
-        </p:txBody>
-      </p:sp>
-      <p:sp>
-        <p:nvSpPr>
-          <p:cNvPr id="3" name="內容版面配置區 2">
-            <a:extLst>
-              <a:ext uri="{FF2B5EF4-FFF2-40B4-BE49-F238E27FC236}">
-                <a16:creationId xmlns:a16="http://schemas.microsoft.com/office/drawing/2014/main" id="{9CD3D667-FDE5-4F5D-9495-588EC18912CE}"/>
-              </a:ext>
-            </a:extLst>
-          </p:cNvPr>
+            <a:endParaRPr lang="en-US" dirty="0"/>
+          </a:p>
+        </p:txBody>
+      </p:sp>
+      <p:sp>
+        <p:nvSpPr>
+          <p:cNvPr id="3" name="Content Placeholder 2"/>
           <p:cNvSpPr>
             <a:spLocks noGrp="1"/>
           </p:cNvSpPr>
@@ -2209,225 +3557,210 @@
         </p:nvSpPr>
         <p:spPr>
           <a:xfrm>
-            <a:off x="5183188" y="987425"/>
-            <a:ext cx="6172200" cy="4873625"/>
+            <a:off x="4800600" y="731520"/>
+            <a:ext cx="6492240" cy="5257800"/>
           </a:xfrm>
         </p:spPr>
+        <p:txBody>
+          <a:bodyPr/>
+          <a:lstStyle/>
+          <a:p>
+            <a:pPr lvl="0"/>
+            <a:r>
+              <a:rPr lang="zh-TW" altLang="en-US"/>
+              <a:t>按一下以編輯母片文字樣式</a:t>
+            </a:r>
+          </a:p>
+          <a:p>
+            <a:pPr lvl="1"/>
+            <a:r>
+              <a:rPr lang="zh-TW" altLang="en-US"/>
+              <a:t>第二層</a:t>
+            </a:r>
+          </a:p>
+          <a:p>
+            <a:pPr lvl="2"/>
+            <a:r>
+              <a:rPr lang="zh-TW" altLang="en-US"/>
+              <a:t>第三層</a:t>
+            </a:r>
+          </a:p>
+          <a:p>
+            <a:pPr lvl="3"/>
+            <a:r>
+              <a:rPr lang="zh-TW" altLang="en-US"/>
+              <a:t>第四層</a:t>
+            </a:r>
+          </a:p>
+          <a:p>
+            <a:pPr lvl="4"/>
+            <a:r>
+              <a:rPr lang="zh-TW" altLang="en-US"/>
+              <a:t>第五層</a:t>
+            </a:r>
+            <a:endParaRPr lang="en-US" dirty="0"/>
+          </a:p>
+        </p:txBody>
+      </p:sp>
+      <p:sp>
+        <p:nvSpPr>
+          <p:cNvPr id="4" name="Text Placeholder 3"/>
+          <p:cNvSpPr>
+            <a:spLocks noGrp="1"/>
+          </p:cNvSpPr>
+          <p:nvPr>
+            <p:ph type="body" sz="half" idx="2"/>
+          </p:nvPr>
+        </p:nvSpPr>
+        <p:spPr>
+          <a:xfrm>
+            <a:off x="457200" y="2926080"/>
+            <a:ext cx="3200400" cy="3379124"/>
+          </a:xfrm>
+        </p:spPr>
+        <p:txBody>
+          <a:bodyPr lIns="91440" rIns="91440">
+            <a:normAutofit/>
+          </a:bodyPr>
+          <a:lstStyle>
+            <a:lvl1pPr marL="0" indent="0">
+              <a:buNone/>
+              <a:defRPr sz="1500">
+                <a:solidFill>
+                  <a:srgbClr val="FFFFFF"/>
+                </a:solidFill>
+              </a:defRPr>
+            </a:lvl1pPr>
+            <a:lvl2pPr marL="457200" indent="0">
+              <a:buNone/>
+              <a:defRPr sz="1200"/>
+            </a:lvl2pPr>
+            <a:lvl3pPr marL="914400" indent="0">
+              <a:buNone/>
+              <a:defRPr sz="1000"/>
+            </a:lvl3pPr>
+            <a:lvl4pPr marL="1371600" indent="0">
+              <a:buNone/>
+              <a:defRPr sz="900"/>
+            </a:lvl4pPr>
+            <a:lvl5pPr marL="1828800" indent="0">
+              <a:buNone/>
+              <a:defRPr sz="900"/>
+            </a:lvl5pPr>
+            <a:lvl6pPr marL="2286000" indent="0">
+              <a:buNone/>
+              <a:defRPr sz="900"/>
+            </a:lvl6pPr>
+            <a:lvl7pPr marL="2743200" indent="0">
+              <a:buNone/>
+              <a:defRPr sz="900"/>
+            </a:lvl7pPr>
+            <a:lvl8pPr marL="3200400" indent="0">
+              <a:buNone/>
+              <a:defRPr sz="900"/>
+            </a:lvl8pPr>
+            <a:lvl9pPr marL="3657600" indent="0">
+              <a:buNone/>
+              <a:defRPr sz="900"/>
+            </a:lvl9pPr>
+          </a:lstStyle>
+          <a:p>
+            <a:pPr lvl="0"/>
+            <a:r>
+              <a:rPr lang="zh-TW" altLang="en-US"/>
+              <a:t>按一下以編輯母片文字樣式</a:t>
+            </a:r>
+          </a:p>
+        </p:txBody>
+      </p:sp>
+      <p:sp>
+        <p:nvSpPr>
+          <p:cNvPr id="5" name="Date Placeholder 4"/>
+          <p:cNvSpPr>
+            <a:spLocks noGrp="1"/>
+          </p:cNvSpPr>
+          <p:nvPr>
+            <p:ph type="dt" sz="half" idx="10"/>
+          </p:nvPr>
+        </p:nvSpPr>
+        <p:spPr>
+          <a:xfrm>
+            <a:off x="465512" y="6459785"/>
+            <a:ext cx="2618510" cy="365125"/>
+          </a:xfrm>
+        </p:spPr>
+        <p:txBody>
+          <a:bodyPr/>
+          <a:lstStyle>
+            <a:lvl1pPr algn="l">
+              <a:defRPr/>
+            </a:lvl1pPr>
+          </a:lstStyle>
+          <a:p>
+            <a:fld id="{964167B7-8975-44AD-880F-889CFC079D1F}" type="datetimeFigureOut">
+              <a:rPr lang="zh-TW" altLang="en-US" smtClean="0"/>
+              <a:t>2024/10/6</a:t>
+            </a:fld>
+            <a:endParaRPr lang="zh-TW" altLang="en-US"/>
+          </a:p>
+        </p:txBody>
+      </p:sp>
+      <p:sp>
+        <p:nvSpPr>
+          <p:cNvPr id="6" name="Footer Placeholder 5"/>
+          <p:cNvSpPr>
+            <a:spLocks noGrp="1"/>
+          </p:cNvSpPr>
+          <p:nvPr>
+            <p:ph type="ftr" sz="quarter" idx="11"/>
+          </p:nvPr>
+        </p:nvSpPr>
+        <p:spPr>
+          <a:xfrm>
+            <a:off x="4800600" y="6459785"/>
+            <a:ext cx="4648200" cy="365125"/>
+          </a:xfrm>
+        </p:spPr>
+        <p:txBody>
+          <a:bodyPr/>
+          <a:lstStyle>
+            <a:lvl1pPr algn="l">
+              <a:defRPr>
+                <a:solidFill>
+                  <a:schemeClr val="tx2"/>
+                </a:solidFill>
+              </a:defRPr>
+            </a:lvl1pPr>
+          </a:lstStyle>
+          <a:p>
+            <a:endParaRPr lang="zh-TW" altLang="en-US"/>
+          </a:p>
+        </p:txBody>
+      </p:sp>
+      <p:sp>
+        <p:nvSpPr>
+          <p:cNvPr id="7" name="Slide Number Placeholder 6"/>
+          <p:cNvSpPr>
+            <a:spLocks noGrp="1"/>
+          </p:cNvSpPr>
+          <p:nvPr>
+            <p:ph type="sldNum" sz="quarter" idx="12"/>
+          </p:nvPr>
+        </p:nvSpPr>
+        <p:spPr/>
         <p:txBody>
           <a:bodyPr/>
           <a:lstStyle>
             <a:lvl1pPr>
-              <a:defRPr sz="3200"/>
+              <a:defRPr>
+                <a:solidFill>
+                  <a:schemeClr val="tx2"/>
+                </a:solidFill>
+              </a:defRPr>
             </a:lvl1pPr>
-            <a:lvl2pPr>
-              <a:defRPr sz="2800"/>
-            </a:lvl2pPr>
-            <a:lvl3pPr>
-              <a:defRPr sz="2400"/>
-            </a:lvl3pPr>
-            <a:lvl4pPr>
-              <a:defRPr sz="2000"/>
-            </a:lvl4pPr>
-            <a:lvl5pPr>
-              <a:defRPr sz="2000"/>
-            </a:lvl5pPr>
-            <a:lvl6pPr>
-              <a:defRPr sz="2000"/>
-            </a:lvl6pPr>
-            <a:lvl7pPr>
-              <a:defRPr sz="2000"/>
-            </a:lvl7pPr>
-            <a:lvl8pPr>
-              <a:defRPr sz="2000"/>
-            </a:lvl8pPr>
-            <a:lvl9pPr>
-              <a:defRPr sz="2000"/>
-            </a:lvl9pPr>
           </a:lstStyle>
           <a:p>
-            <a:pPr lvl="0"/>
-            <a:r>
-              <a:rPr lang="zh-TW" altLang="en-US"/>
-              <a:t>按一下以編輯母片文字樣式</a:t>
-            </a:r>
-          </a:p>
-          <a:p>
-            <a:pPr lvl="1"/>
-            <a:r>
-              <a:rPr lang="zh-TW" altLang="en-US"/>
-              <a:t>第二層</a:t>
-            </a:r>
-          </a:p>
-          <a:p>
-            <a:pPr lvl="2"/>
-            <a:r>
-              <a:rPr lang="zh-TW" altLang="en-US"/>
-              <a:t>第三層</a:t>
-            </a:r>
-          </a:p>
-          <a:p>
-            <a:pPr lvl="3"/>
-            <a:r>
-              <a:rPr lang="zh-TW" altLang="en-US"/>
-              <a:t>第四層</a:t>
-            </a:r>
-          </a:p>
-          <a:p>
-            <a:pPr lvl="4"/>
-            <a:r>
-              <a:rPr lang="zh-TW" altLang="en-US"/>
-              <a:t>第五層</a:t>
-            </a:r>
-          </a:p>
-        </p:txBody>
-      </p:sp>
-      <p:sp>
-        <p:nvSpPr>
-          <p:cNvPr id="4" name="文字版面配置區 3">
-            <a:extLst>
-              <a:ext uri="{FF2B5EF4-FFF2-40B4-BE49-F238E27FC236}">
-                <a16:creationId xmlns:a16="http://schemas.microsoft.com/office/drawing/2014/main" id="{22F511E7-BEEF-4F51-BA0E-52C1908D5608}"/>
-              </a:ext>
-            </a:extLst>
-          </p:cNvPr>
-          <p:cNvSpPr>
-            <a:spLocks noGrp="1"/>
-          </p:cNvSpPr>
-          <p:nvPr>
-            <p:ph type="body" sz="half" idx="2"/>
-          </p:nvPr>
-        </p:nvSpPr>
-        <p:spPr>
-          <a:xfrm>
-            <a:off x="839788" y="2057400"/>
-            <a:ext cx="3932237" cy="3811588"/>
-          </a:xfrm>
-        </p:spPr>
-        <p:txBody>
-          <a:bodyPr/>
-          <a:lstStyle>
-            <a:lvl1pPr marL="0" indent="0">
-              <a:buNone/>
-              <a:defRPr sz="1600"/>
-            </a:lvl1pPr>
-            <a:lvl2pPr marL="457200" indent="0">
-              <a:buNone/>
-              <a:defRPr sz="1400"/>
-            </a:lvl2pPr>
-            <a:lvl3pPr marL="914400" indent="0">
-              <a:buNone/>
-              <a:defRPr sz="1200"/>
-            </a:lvl3pPr>
-            <a:lvl4pPr marL="1371600" indent="0">
-              <a:buNone/>
-              <a:defRPr sz="1000"/>
-            </a:lvl4pPr>
-            <a:lvl5pPr marL="1828800" indent="0">
-              <a:buNone/>
-              <a:defRPr sz="1000"/>
-            </a:lvl5pPr>
-            <a:lvl6pPr marL="2286000" indent="0">
-              <a:buNone/>
-              <a:defRPr sz="1000"/>
-            </a:lvl6pPr>
-            <a:lvl7pPr marL="2743200" indent="0">
-              <a:buNone/>
-              <a:defRPr sz="1000"/>
-            </a:lvl7pPr>
-            <a:lvl8pPr marL="3200400" indent="0">
-              <a:buNone/>
-              <a:defRPr sz="1000"/>
-            </a:lvl8pPr>
-            <a:lvl9pPr marL="3657600" indent="0">
-              <a:buNone/>
-              <a:defRPr sz="1000"/>
-            </a:lvl9pPr>
-          </a:lstStyle>
-          <a:p>
-            <a:pPr lvl="0"/>
-            <a:r>
-              <a:rPr lang="zh-TW" altLang="en-US"/>
-              <a:t>按一下以編輯母片文字樣式</a:t>
-            </a:r>
-          </a:p>
-        </p:txBody>
-      </p:sp>
-      <p:sp>
-        <p:nvSpPr>
-          <p:cNvPr id="5" name="日期版面配置區 4">
-            <a:extLst>
-              <a:ext uri="{FF2B5EF4-FFF2-40B4-BE49-F238E27FC236}">
-                <a16:creationId xmlns:a16="http://schemas.microsoft.com/office/drawing/2014/main" id="{88060697-A92E-4178-A790-FCBB90D70573}"/>
-              </a:ext>
-            </a:extLst>
-          </p:cNvPr>
-          <p:cNvSpPr>
-            <a:spLocks noGrp="1"/>
-          </p:cNvSpPr>
-          <p:nvPr>
-            <p:ph type="dt" sz="half" idx="10"/>
-          </p:nvPr>
-        </p:nvSpPr>
-        <p:spPr/>
-        <p:txBody>
-          <a:bodyPr/>
-          <a:lstStyle/>
-          <a:p>
-            <a:fld id="{C3C90D7E-32D6-4894-AE08-7BBB3E610FC9}" type="datetimeFigureOut">
-              <a:rPr lang="zh-TW" altLang="en-US" smtClean="0"/>
-              <a:t>2024/9/16</a:t>
-            </a:fld>
-            <a:endParaRPr lang="zh-TW" altLang="en-US"/>
-          </a:p>
-        </p:txBody>
-      </p:sp>
-      <p:sp>
-        <p:nvSpPr>
-          <p:cNvPr id="6" name="頁尾版面配置區 5">
-            <a:extLst>
-              <a:ext uri="{FF2B5EF4-FFF2-40B4-BE49-F238E27FC236}">
-                <a16:creationId xmlns:a16="http://schemas.microsoft.com/office/drawing/2014/main" id="{2A8E3F57-A99A-4C4C-BF14-EE42AB99CE78}"/>
-              </a:ext>
-            </a:extLst>
-          </p:cNvPr>
-          <p:cNvSpPr>
-            <a:spLocks noGrp="1"/>
-          </p:cNvSpPr>
-          <p:nvPr>
-            <p:ph type="ftr" sz="quarter" idx="11"/>
-          </p:nvPr>
-        </p:nvSpPr>
-        <p:spPr/>
-        <p:txBody>
-          <a:bodyPr/>
-          <a:lstStyle/>
-          <a:p>
-            <a:endParaRPr lang="zh-TW" altLang="en-US"/>
-          </a:p>
-        </p:txBody>
-      </p:sp>
-      <p:sp>
-        <p:nvSpPr>
-          <p:cNvPr id="7" name="投影片編號版面配置區 6">
-            <a:extLst>
-              <a:ext uri="{FF2B5EF4-FFF2-40B4-BE49-F238E27FC236}">
-                <a16:creationId xmlns:a16="http://schemas.microsoft.com/office/drawing/2014/main" id="{39234440-6924-48D7-AC1A-200D5946BCA9}"/>
-              </a:ext>
-            </a:extLst>
-          </p:cNvPr>
-          <p:cNvSpPr>
-            <a:spLocks noGrp="1"/>
-          </p:cNvSpPr>
-          <p:nvPr>
-            <p:ph type="sldNum" sz="quarter" idx="12"/>
-          </p:nvPr>
-        </p:nvSpPr>
-        <p:spPr/>
-        <p:txBody>
-          <a:bodyPr/>
-          <a:lstStyle/>
-          <a:p>
-            <a:fld id="{E31EC408-072F-4346-BD0A-D6AA5788A305}" type="slidenum">
+            <a:fld id="{528CF31F-ACAC-447E-BE3D-19FE1BD8F2D8}" type="slidenum">
               <a:rPr lang="zh-TW" altLang="en-US" smtClean="0"/>
               <a:t>‹#›</a:t>
             </a:fld>
@@ -2438,7 +3771,7 @@
     </p:spTree>
     <p:extLst>
       <p:ext uri="{BB962C8B-B14F-4D97-AF65-F5344CB8AC3E}">
-        <p14:creationId xmlns:p14="http://schemas.microsoft.com/office/powerpoint/2010/main" val="2036183199"/>
+        <p14:creationId xmlns:p14="http://schemas.microsoft.com/office/powerpoint/2010/main" val="1684159483"/>
       </p:ext>
     </p:extLst>
   </p:cSld>
@@ -2449,7 +3782,7 @@
 </file>
 
 <file path=ppt/slideLayouts/slideLayout9.xml><?xml version="1.0" encoding="utf-8"?>
-<p:sldLayout xmlns:a="http://schemas.openxmlformats.org/drawingml/2006/main" xmlns:r="http://schemas.openxmlformats.org/officeDocument/2006/relationships" xmlns:p="http://schemas.openxmlformats.org/presentationml/2006/main" type="picTx" preserve="1">
+<p:sldLayout xmlns:a="http://schemas.openxmlformats.org/drawingml/2006/main" xmlns:r="http://schemas.openxmlformats.org/officeDocument/2006/relationships" xmlns:p="http://schemas.openxmlformats.org/presentationml/2006/main" showMasterSp="0" type="picTx" preserve="1">
   <p:cSld name="含輔助字幕的圖片">
     <p:spTree>
       <p:nvGrpSpPr>
@@ -2467,31 +3800,107 @@
       </p:grpSpPr>
       <p:sp>
         <p:nvSpPr>
-          <p:cNvPr id="2" name="標題 1">
-            <a:extLst>
-              <a:ext uri="{FF2B5EF4-FFF2-40B4-BE49-F238E27FC236}">
-                <a16:creationId xmlns:a16="http://schemas.microsoft.com/office/drawing/2014/main" id="{B2E81694-0B93-4D65-9DA3-21597478A96C}"/>
-              </a:ext>
-            </a:extLst>
-          </p:cNvPr>
-          <p:cNvSpPr>
-            <a:spLocks noGrp="1"/>
-          </p:cNvSpPr>
-          <p:nvPr>
-            <p:ph type="title"/>
-          </p:nvPr>
+          <p:cNvPr id="8" name="Rectangle 7"/>
+          <p:cNvSpPr/>
+          <p:nvPr/>
         </p:nvSpPr>
         <p:spPr>
           <a:xfrm>
-            <a:off x="839788" y="457200"/>
-            <a:ext cx="3932237" cy="1600200"/>
+            <a:off x="0" y="4953000"/>
+            <a:ext cx="12188825" cy="1905000"/>
+          </a:xfrm>
+          <a:prstGeom prst="rect">
+            <a:avLst/>
+          </a:prstGeom>
+          <a:solidFill>
+            <a:schemeClr val="accent2"/>
+          </a:solidFill>
+          <a:ln>
+            <a:noFill/>
+          </a:ln>
+        </p:spPr>
+        <p:style>
+          <a:lnRef idx="2">
+            <a:schemeClr val="accent1">
+              <a:shade val="50000"/>
+            </a:schemeClr>
+          </a:lnRef>
+          <a:fillRef idx="1">
+            <a:schemeClr val="accent1"/>
+          </a:fillRef>
+          <a:effectRef idx="0">
+            <a:schemeClr val="accent1"/>
+          </a:effectRef>
+          <a:fontRef idx="minor">
+            <a:schemeClr val="lt1"/>
+          </a:fontRef>
+        </p:style>
+      </p:sp>
+      <p:sp>
+        <p:nvSpPr>
+          <p:cNvPr id="9" name="Rectangle 8"/>
+          <p:cNvSpPr/>
+          <p:nvPr/>
+        </p:nvSpPr>
+        <p:spPr>
+          <a:xfrm>
+            <a:off x="15" y="4915076"/>
+            <a:ext cx="12188825" cy="64008"/>
+          </a:xfrm>
+          <a:prstGeom prst="rect">
+            <a:avLst/>
+          </a:prstGeom>
+          <a:solidFill>
+            <a:schemeClr val="accent1"/>
+          </a:solidFill>
+          <a:ln>
+            <a:noFill/>
+          </a:ln>
+        </p:spPr>
+        <p:style>
+          <a:lnRef idx="2">
+            <a:schemeClr val="accent1">
+              <a:shade val="50000"/>
+            </a:schemeClr>
+          </a:lnRef>
+          <a:fillRef idx="1">
+            <a:schemeClr val="accent1"/>
+          </a:fillRef>
+          <a:effectRef idx="0">
+            <a:schemeClr val="accent1"/>
+          </a:effectRef>
+          <a:fontRef idx="minor">
+            <a:schemeClr val="lt1"/>
+          </a:fontRef>
+        </p:style>
+      </p:sp>
+      <p:sp>
+        <p:nvSpPr>
+          <p:cNvPr id="2" name="Title 1"/>
+          <p:cNvSpPr>
+            <a:spLocks noGrp="1"/>
+          </p:cNvSpPr>
+          <p:nvPr>
+            <p:ph type="title"/>
+          </p:nvPr>
+        </p:nvSpPr>
+        <p:spPr>
+          <a:xfrm>
+            <a:off x="1097280" y="5074920"/>
+            <a:ext cx="10113264" cy="822960"/>
           </a:xfrm>
         </p:spPr>
         <p:txBody>
-          <a:bodyPr anchor="b"/>
+          <a:bodyPr lIns="91440" tIns="0" rIns="91440" bIns="0" anchor="b">
+            <a:noAutofit/>
+          </a:bodyPr>
           <a:lstStyle>
             <a:lvl1pPr>
-              <a:defRPr sz="3200"/>
+              <a:defRPr sz="3600" b="0">
+                <a:solidFill>
+                  <a:srgbClr val="FFFFFF"/>
+                </a:solidFill>
+              </a:defRPr>
             </a:lvl1pPr>
           </a:lstStyle>
           <a:p>
@@ -2499,20 +3908,15 @@
               <a:rPr lang="zh-TW" altLang="en-US"/>
               <a:t>按一下以編輯母片標題樣式</a:t>
             </a:r>
-          </a:p>
-        </p:txBody>
-      </p:sp>
-      <p:sp>
-        <p:nvSpPr>
-          <p:cNvPr id="3" name="圖片版面配置區 2">
-            <a:extLst>
-              <a:ext uri="{FF2B5EF4-FFF2-40B4-BE49-F238E27FC236}">
-                <a16:creationId xmlns:a16="http://schemas.microsoft.com/office/drawing/2014/main" id="{23E4D718-8CB0-4334-BB8A-FB8B57D7CDC6}"/>
-              </a:ext>
-            </a:extLst>
-          </p:cNvPr>
-          <p:cNvSpPr>
-            <a:spLocks noGrp="1"/>
+            <a:endParaRPr lang="en-US" dirty="0"/>
+          </a:p>
+        </p:txBody>
+      </p:sp>
+      <p:sp>
+        <p:nvSpPr>
+          <p:cNvPr id="3" name="Picture Placeholder 2"/>
+          <p:cNvSpPr>
+            <a:spLocks noGrp="1" noChangeAspect="1"/>
           </p:cNvSpPr>
           <p:nvPr>
             <p:ph type="pic" idx="1"/>
@@ -2520,16 +3924,26 @@
         </p:nvSpPr>
         <p:spPr>
           <a:xfrm>
-            <a:off x="5183188" y="987425"/>
-            <a:ext cx="6172200" cy="4873625"/>
+            <a:off x="15" y="0"/>
+            <a:ext cx="12191985" cy="4915076"/>
           </a:xfrm>
+          <a:blipFill>
+            <a:blip r:embed="rId2"/>
+            <a:stretch>
+              <a:fillRect/>
+            </a:stretch>
+          </a:blipFill>
         </p:spPr>
         <p:txBody>
-          <a:bodyPr/>
+          <a:bodyPr lIns="457200" tIns="457200" anchor="t"/>
           <a:lstStyle>
             <a:lvl1pPr marL="0" indent="0">
               <a:buNone/>
-              <a:defRPr sz="3200"/>
+              <a:defRPr sz="3200">
+                <a:solidFill>
+                  <a:schemeClr val="bg1"/>
+                </a:solidFill>
+              </a:defRPr>
             </a:lvl1pPr>
             <a:lvl2pPr marL="457200" indent="0">
               <a:buNone/>
@@ -2565,19 +3979,17 @@
             </a:lvl9pPr>
           </a:lstStyle>
           <a:p>
-            <a:endParaRPr lang="zh-TW" altLang="en-US"/>
-          </a:p>
-        </p:txBody>
-      </p:sp>
-      <p:sp>
-        <p:nvSpPr>
-          <p:cNvPr id="4" name="文字版面配置區 3">
-            <a:extLst>
-              <a:ext uri="{FF2B5EF4-FFF2-40B4-BE49-F238E27FC236}">
-                <a16:creationId xmlns:a16="http://schemas.microsoft.com/office/drawing/2014/main" id="{0DC47463-53E7-4FE3-B60B-1657D11127BD}"/>
-              </a:ext>
-            </a:extLst>
-          </p:cNvPr>
+            <a:r>
+              <a:rPr lang="zh-TW" altLang="en-US"/>
+              <a:t>按一下圖示以新增圖片</a:t>
+            </a:r>
+            <a:endParaRPr lang="en-US" dirty="0"/>
+          </a:p>
+        </p:txBody>
+      </p:sp>
+      <p:sp>
+        <p:nvSpPr>
+          <p:cNvPr id="4" name="Text Placeholder 3"/>
           <p:cNvSpPr>
             <a:spLocks noGrp="1"/>
           </p:cNvSpPr>
@@ -2587,48 +3999,60 @@
         </p:nvSpPr>
         <p:spPr>
           <a:xfrm>
-            <a:off x="839788" y="2057400"/>
-            <a:ext cx="3932237" cy="3811588"/>
+            <a:off x="1097280" y="5907023"/>
+            <a:ext cx="10113264" cy="594360"/>
           </a:xfrm>
         </p:spPr>
         <p:txBody>
-          <a:bodyPr/>
+          <a:bodyPr lIns="91440" tIns="0" rIns="91440" bIns="0">
+            <a:normAutofit/>
+          </a:bodyPr>
           <a:lstStyle>
             <a:lvl1pPr marL="0" indent="0">
+              <a:spcBef>
+                <a:spcPts val="0"/>
+              </a:spcBef>
+              <a:spcAft>
+                <a:spcPts val="600"/>
+              </a:spcAft>
               <a:buNone/>
-              <a:defRPr sz="1600"/>
+              <a:defRPr sz="1500">
+                <a:solidFill>
+                  <a:srgbClr val="FFFFFF"/>
+                </a:solidFill>
+              </a:defRPr>
             </a:lvl1pPr>
             <a:lvl2pPr marL="457200" indent="0">
               <a:buNone/>
-              <a:defRPr sz="1400"/>
+              <a:defRPr sz="1200"/>
             </a:lvl2pPr>
             <a:lvl3pPr marL="914400" indent="0">
               <a:buNone/>
-              <a:defRPr sz="1200"/>
+              <a:defRPr sz="1000"/>
             </a:lvl3pPr>
             <a:lvl4pPr marL="1371600" indent="0">
               <a:buNone/>
-              <a:defRPr sz="1000"/>
+              <a:defRPr sz="900"/>
             </a:lvl4pPr>
             <a:lvl5pPr marL="1828800" indent="0">
               <a:buNone/>
-              <a:defRPr sz="1000"/>
+              <a:defRPr sz="900"/>
             </a:lvl5pPr>
             <a:lvl6pPr marL="2286000" indent="0">
               <a:buNone/>
-              <a:defRPr sz="1000"/>
+              <a:defRPr sz="900"/>
             </a:lvl6pPr>
             <a:lvl7pPr marL="2743200" indent="0">
               <a:buNone/>
-              <a:defRPr sz="1000"/>
+              <a:defRPr sz="900"/>
             </a:lvl7pPr>
             <a:lvl8pPr marL="3200400" indent="0">
               <a:buNone/>
-              <a:defRPr sz="1000"/>
+              <a:defRPr sz="900"/>
             </a:lvl8pPr>
             <a:lvl9pPr marL="3657600" indent="0">
               <a:buNone/>
-              <a:defRPr sz="1000"/>
+              <a:defRPr sz="900"/>
             </a:lvl9pPr>
           </a:lstStyle>
           <a:p>
@@ -2642,13 +4066,7 @@
       </p:sp>
       <p:sp>
         <p:nvSpPr>
-          <p:cNvPr id="5" name="日期版面配置區 4">
-            <a:extLst>
-              <a:ext uri="{FF2B5EF4-FFF2-40B4-BE49-F238E27FC236}">
-                <a16:creationId xmlns:a16="http://schemas.microsoft.com/office/drawing/2014/main" id="{28875DC5-6AFF-40C0-8C77-F81A0A3E1B0F}"/>
-              </a:ext>
-            </a:extLst>
-          </p:cNvPr>
+          <p:cNvPr id="5" name="Date Placeholder 4"/>
           <p:cNvSpPr>
             <a:spLocks noGrp="1"/>
           </p:cNvSpPr>
@@ -2661,9 +4079,9 @@
           <a:bodyPr/>
           <a:lstStyle/>
           <a:p>
-            <a:fld id="{C3C90D7E-32D6-4894-AE08-7BBB3E610FC9}" type="datetimeFigureOut">
+            <a:fld id="{964167B7-8975-44AD-880F-889CFC079D1F}" type="datetimeFigureOut">
               <a:rPr lang="zh-TW" altLang="en-US" smtClean="0"/>
-              <a:t>2024/9/16</a:t>
+              <a:t>2024/10/6</a:t>
             </a:fld>
             <a:endParaRPr lang="zh-TW" altLang="en-US"/>
           </a:p>
@@ -2671,13 +4089,7 @@
       </p:sp>
       <p:sp>
         <p:nvSpPr>
-          <p:cNvPr id="6" name="頁尾版面配置區 5">
-            <a:extLst>
-              <a:ext uri="{FF2B5EF4-FFF2-40B4-BE49-F238E27FC236}">
-                <a16:creationId xmlns:a16="http://schemas.microsoft.com/office/drawing/2014/main" id="{24F8A973-6D07-4F0C-97A0-280FEFC238E0}"/>
-              </a:ext>
-            </a:extLst>
-          </p:cNvPr>
+          <p:cNvPr id="6" name="Footer Placeholder 5"/>
           <p:cNvSpPr>
             <a:spLocks noGrp="1"/>
           </p:cNvSpPr>
@@ -2696,13 +4108,7 @@
       </p:sp>
       <p:sp>
         <p:nvSpPr>
-          <p:cNvPr id="7" name="投影片編號版面配置區 6">
-            <a:extLst>
-              <a:ext uri="{FF2B5EF4-FFF2-40B4-BE49-F238E27FC236}">
-                <a16:creationId xmlns:a16="http://schemas.microsoft.com/office/drawing/2014/main" id="{DB60BB1E-F41B-40F0-929B-5208374980BF}"/>
-              </a:ext>
-            </a:extLst>
-          </p:cNvPr>
+          <p:cNvPr id="7" name="Slide Number Placeholder 6"/>
           <p:cNvSpPr>
             <a:spLocks noGrp="1"/>
           </p:cNvSpPr>
@@ -2715,7 +4121,7 @@
           <a:bodyPr/>
           <a:lstStyle/>
           <a:p>
-            <a:fld id="{E31EC408-072F-4346-BD0A-D6AA5788A305}" type="slidenum">
+            <a:fld id="{528CF31F-ACAC-447E-BE3D-19FE1BD8F2D8}" type="slidenum">
               <a:rPr lang="zh-TW" altLang="en-US" smtClean="0"/>
               <a:t>‹#›</a:t>
             </a:fld>
@@ -2726,7 +4132,7 @@
     </p:spTree>
     <p:extLst>
       <p:ext uri="{BB962C8B-B14F-4D97-AF65-F5344CB8AC3E}">
-        <p14:creationId xmlns:p14="http://schemas.microsoft.com/office/powerpoint/2010/main" val="3148270851"/>
+        <p14:creationId xmlns:p14="http://schemas.microsoft.com/office/powerpoint/2010/main" val="1063855838"/>
       </p:ext>
     </p:extLst>
   </p:cSld>
@@ -2760,31 +4166,101 @@
       </p:grpSpPr>
       <p:sp>
         <p:nvSpPr>
-          <p:cNvPr id="2" name="標題版面配置區 1">
-            <a:extLst>
-              <a:ext uri="{FF2B5EF4-FFF2-40B4-BE49-F238E27FC236}">
-                <a16:creationId xmlns:a16="http://schemas.microsoft.com/office/drawing/2014/main" id="{B8575AAC-624C-4B52-ABD4-699B1E35D2CF}"/>
-              </a:ext>
-            </a:extLst>
-          </p:cNvPr>
-          <p:cNvSpPr>
-            <a:spLocks noGrp="1"/>
-          </p:cNvSpPr>
-          <p:nvPr>
-            <p:ph type="title"/>
-          </p:nvPr>
+          <p:cNvPr id="7" name="Rectangle 6"/>
+          <p:cNvSpPr/>
+          <p:nvPr/>
         </p:nvSpPr>
         <p:spPr>
           <a:xfrm>
-            <a:off x="838200" y="365125"/>
-            <a:ext cx="10515600" cy="1325563"/>
+            <a:off x="1" y="6400800"/>
+            <a:ext cx="12192000" cy="457200"/>
+          </a:xfrm>
+          <a:prstGeom prst="rect">
+            <a:avLst/>
+          </a:prstGeom>
+          <a:solidFill>
+            <a:schemeClr val="accent2"/>
+          </a:solidFill>
+          <a:ln>
+            <a:noFill/>
+          </a:ln>
+        </p:spPr>
+        <p:style>
+          <a:lnRef idx="2">
+            <a:schemeClr val="accent1">
+              <a:shade val="50000"/>
+            </a:schemeClr>
+          </a:lnRef>
+          <a:fillRef idx="1">
+            <a:schemeClr val="accent1"/>
+          </a:fillRef>
+          <a:effectRef idx="0">
+            <a:schemeClr val="accent1"/>
+          </a:effectRef>
+          <a:fontRef idx="minor">
+            <a:schemeClr val="lt1"/>
+          </a:fontRef>
+        </p:style>
+      </p:sp>
+      <p:sp>
+        <p:nvSpPr>
+          <p:cNvPr id="9" name="Rectangle 8"/>
+          <p:cNvSpPr/>
+          <p:nvPr/>
+        </p:nvSpPr>
+        <p:spPr>
+          <a:xfrm>
+            <a:off x="0" y="6334316"/>
+            <a:ext cx="12192001" cy="65998"/>
+          </a:xfrm>
+          <a:prstGeom prst="rect">
+            <a:avLst/>
+          </a:prstGeom>
+          <a:solidFill>
+            <a:schemeClr val="accent1"/>
+          </a:solidFill>
+          <a:ln>
+            <a:noFill/>
+          </a:ln>
+        </p:spPr>
+        <p:style>
+          <a:lnRef idx="2">
+            <a:schemeClr val="accent1">
+              <a:shade val="50000"/>
+            </a:schemeClr>
+          </a:lnRef>
+          <a:fillRef idx="1">
+            <a:schemeClr val="accent1"/>
+          </a:fillRef>
+          <a:effectRef idx="0">
+            <a:schemeClr val="accent1"/>
+          </a:effectRef>
+          <a:fontRef idx="minor">
+            <a:schemeClr val="lt1"/>
+          </a:fontRef>
+        </p:style>
+      </p:sp>
+      <p:sp>
+        <p:nvSpPr>
+          <p:cNvPr id="2" name="Title Placeholder 1"/>
+          <p:cNvSpPr>
+            <a:spLocks noGrp="1"/>
+          </p:cNvSpPr>
+          <p:nvPr>
+            <p:ph type="title"/>
+          </p:nvPr>
+        </p:nvSpPr>
+        <p:spPr>
+          <a:xfrm>
+            <a:off x="1097280" y="286603"/>
+            <a:ext cx="10058400" cy="1450757"/>
           </a:xfrm>
           <a:prstGeom prst="rect">
             <a:avLst/>
           </a:prstGeom>
         </p:spPr>
         <p:txBody>
-          <a:bodyPr vert="horz" lIns="91440" tIns="45720" rIns="91440" bIns="45720" rtlCol="0" anchor="ctr">
+          <a:bodyPr vert="horz" lIns="91440" tIns="45720" rIns="91440" bIns="45720" rtlCol="0" anchor="b">
             <a:normAutofit/>
           </a:bodyPr>
           <a:lstStyle/>
@@ -2793,18 +4269,13 @@
               <a:rPr lang="zh-TW" altLang="en-US"/>
               <a:t>按一下以編輯母片標題樣式</a:t>
             </a:r>
-          </a:p>
-        </p:txBody>
-      </p:sp>
-      <p:sp>
-        <p:nvSpPr>
-          <p:cNvPr id="3" name="文字版面配置區 2">
-            <a:extLst>
-              <a:ext uri="{FF2B5EF4-FFF2-40B4-BE49-F238E27FC236}">
-                <a16:creationId xmlns:a16="http://schemas.microsoft.com/office/drawing/2014/main" id="{76722991-C57D-471F-8271-C419A1CFB074}"/>
-              </a:ext>
-            </a:extLst>
-          </p:cNvPr>
+            <a:endParaRPr lang="en-US" dirty="0"/>
+          </a:p>
+        </p:txBody>
+      </p:sp>
+      <p:sp>
+        <p:nvSpPr>
+          <p:cNvPr id="3" name="Text Placeholder 2"/>
           <p:cNvSpPr>
             <a:spLocks noGrp="1"/>
           </p:cNvSpPr>
@@ -2814,15 +4285,15 @@
         </p:nvSpPr>
         <p:spPr>
           <a:xfrm>
-            <a:off x="838200" y="1825625"/>
-            <a:ext cx="10515600" cy="4351338"/>
+            <a:off x="1097280" y="1845734"/>
+            <a:ext cx="10058400" cy="4023360"/>
           </a:xfrm>
           <a:prstGeom prst="rect">
             <a:avLst/>
           </a:prstGeom>
         </p:spPr>
         <p:txBody>
-          <a:bodyPr vert="horz" lIns="91440" tIns="45720" rIns="91440" bIns="45720" rtlCol="0">
+          <a:bodyPr vert="horz" lIns="0" tIns="45720" rIns="0" bIns="45720" rtlCol="0">
             <a:normAutofit/>
           </a:bodyPr>
           <a:lstStyle/>
@@ -2860,18 +4331,13 @@
               <a:rPr lang="zh-TW" altLang="en-US"/>
               <a:t>第五層</a:t>
             </a:r>
-          </a:p>
-        </p:txBody>
-      </p:sp>
-      <p:sp>
-        <p:nvSpPr>
-          <p:cNvPr id="4" name="日期版面配置區 3">
-            <a:extLst>
-              <a:ext uri="{FF2B5EF4-FFF2-40B4-BE49-F238E27FC236}">
-                <a16:creationId xmlns:a16="http://schemas.microsoft.com/office/drawing/2014/main" id="{85C839DD-8CBF-4E23-A0C7-7C039E950BB8}"/>
-              </a:ext>
-            </a:extLst>
-          </p:cNvPr>
+            <a:endParaRPr lang="en-US" dirty="0"/>
+          </a:p>
+        </p:txBody>
+      </p:sp>
+      <p:sp>
+        <p:nvSpPr>
+          <p:cNvPr id="4" name="Date Placeholder 3"/>
           <p:cNvSpPr>
             <a:spLocks noGrp="1"/>
           </p:cNvSpPr>
@@ -2881,8 +4347,8 @@
         </p:nvSpPr>
         <p:spPr>
           <a:xfrm>
-            <a:off x="838200" y="6356350"/>
-            <a:ext cx="2743200" cy="365125"/>
+            <a:off x="1097280" y="6459785"/>
+            <a:ext cx="2472271" cy="365125"/>
           </a:xfrm>
           <a:prstGeom prst="rect">
             <a:avLst/>
@@ -2892,19 +4358,17 @@
           <a:bodyPr vert="horz" lIns="91440" tIns="45720" rIns="91440" bIns="45720" rtlCol="0" anchor="ctr"/>
           <a:lstStyle>
             <a:lvl1pPr algn="l">
-              <a:defRPr sz="1200">
+              <a:defRPr sz="900">
                 <a:solidFill>
-                  <a:schemeClr val="tx1">
-                    <a:tint val="75000"/>
-                  </a:schemeClr>
+                  <a:srgbClr val="FFFFFF"/>
                 </a:solidFill>
               </a:defRPr>
             </a:lvl1pPr>
           </a:lstStyle>
           <a:p>
-            <a:fld id="{C3C90D7E-32D6-4894-AE08-7BBB3E610FC9}" type="datetimeFigureOut">
+            <a:fld id="{964167B7-8975-44AD-880F-889CFC079D1F}" type="datetimeFigureOut">
               <a:rPr lang="zh-TW" altLang="en-US" smtClean="0"/>
-              <a:t>2024/9/16</a:t>
+              <a:t>2024/10/6</a:t>
             </a:fld>
             <a:endParaRPr lang="zh-TW" altLang="en-US"/>
           </a:p>
@@ -2912,13 +4376,7 @@
       </p:sp>
       <p:sp>
         <p:nvSpPr>
-          <p:cNvPr id="5" name="頁尾版面配置區 4">
-            <a:extLst>
-              <a:ext uri="{FF2B5EF4-FFF2-40B4-BE49-F238E27FC236}">
-                <a16:creationId xmlns:a16="http://schemas.microsoft.com/office/drawing/2014/main" id="{12802D8A-77D4-418C-8190-43B6ADED2131}"/>
-              </a:ext>
-            </a:extLst>
-          </p:cNvPr>
+          <p:cNvPr id="5" name="Footer Placeholder 4"/>
           <p:cNvSpPr>
             <a:spLocks noGrp="1"/>
           </p:cNvSpPr>
@@ -2928,8 +4386,8 @@
         </p:nvSpPr>
         <p:spPr>
           <a:xfrm>
-            <a:off x="4038600" y="6356350"/>
-            <a:ext cx="4114800" cy="365125"/>
+            <a:off x="3686185" y="6459785"/>
+            <a:ext cx="4822804" cy="365125"/>
           </a:xfrm>
           <a:prstGeom prst="rect">
             <a:avLst/>
@@ -2939,11 +4397,9 @@
           <a:bodyPr vert="horz" lIns="91440" tIns="45720" rIns="91440" bIns="45720" rtlCol="0" anchor="ctr"/>
           <a:lstStyle>
             <a:lvl1pPr algn="ctr">
-              <a:defRPr sz="1200">
+              <a:defRPr sz="900" cap="all" baseline="0">
                 <a:solidFill>
-                  <a:schemeClr val="tx1">
-                    <a:tint val="75000"/>
-                  </a:schemeClr>
+                  <a:srgbClr val="FFFFFF"/>
                 </a:solidFill>
               </a:defRPr>
             </a:lvl1pPr>
@@ -2955,13 +4411,7 @@
       </p:sp>
       <p:sp>
         <p:nvSpPr>
-          <p:cNvPr id="6" name="投影片編號版面配置區 5">
-            <a:extLst>
-              <a:ext uri="{FF2B5EF4-FFF2-40B4-BE49-F238E27FC236}">
-                <a16:creationId xmlns:a16="http://schemas.microsoft.com/office/drawing/2014/main" id="{7072B55E-2BE2-4AF4-AFF8-2A716F492F1C}"/>
-              </a:ext>
-            </a:extLst>
-          </p:cNvPr>
+          <p:cNvPr id="6" name="Slide Number Placeholder 5"/>
           <p:cNvSpPr>
             <a:spLocks noGrp="1"/>
           </p:cNvSpPr>
@@ -2971,8 +4421,8 @@
         </p:nvSpPr>
         <p:spPr>
           <a:xfrm>
-            <a:off x="8610600" y="6356350"/>
-            <a:ext cx="2743200" cy="365125"/>
+            <a:off x="9900458" y="6459785"/>
+            <a:ext cx="1312025" cy="365125"/>
           </a:xfrm>
           <a:prstGeom prst="rect">
             <a:avLst/>
@@ -2982,17 +4432,15 @@
           <a:bodyPr vert="horz" lIns="91440" tIns="45720" rIns="91440" bIns="45720" rtlCol="0" anchor="ctr"/>
           <a:lstStyle>
             <a:lvl1pPr algn="r">
-              <a:defRPr sz="1200">
+              <a:defRPr sz="1050">
                 <a:solidFill>
-                  <a:schemeClr val="tx1">
-                    <a:tint val="75000"/>
-                  </a:schemeClr>
+                  <a:srgbClr val="FFFFFF"/>
                 </a:solidFill>
               </a:defRPr>
             </a:lvl1pPr>
           </a:lstStyle>
           <a:p>
-            <a:fld id="{E31EC408-072F-4346-BD0A-D6AA5788A305}" type="slidenum">
+            <a:fld id="{528CF31F-ACAC-447E-BE3D-19FE1BD8F2D8}" type="slidenum">
               <a:rPr lang="zh-TW" altLang="en-US" smtClean="0"/>
               <a:t>‹#›</a:t>
             </a:fld>
@@ -3000,40 +4448,81 @@
           </a:p>
         </p:txBody>
       </p:sp>
+      <p:cxnSp>
+        <p:nvCxnSpPr>
+          <p:cNvPr id="10" name="Straight Connector 9"/>
+          <p:cNvCxnSpPr/>
+          <p:nvPr/>
+        </p:nvCxnSpPr>
+        <p:spPr>
+          <a:xfrm>
+            <a:off x="1193532" y="1737845"/>
+            <a:ext cx="9966960" cy="0"/>
+          </a:xfrm>
+          <a:prstGeom prst="line">
+            <a:avLst/>
+          </a:prstGeom>
+          <a:ln w="6350">
+            <a:solidFill>
+              <a:schemeClr val="tx1">
+                <a:lumMod val="50000"/>
+                <a:lumOff val="50000"/>
+              </a:schemeClr>
+            </a:solidFill>
+          </a:ln>
+        </p:spPr>
+        <p:style>
+          <a:lnRef idx="1">
+            <a:schemeClr val="accent1"/>
+          </a:lnRef>
+          <a:fillRef idx="0">
+            <a:schemeClr val="accent1"/>
+          </a:fillRef>
+          <a:effectRef idx="0">
+            <a:schemeClr val="accent1"/>
+          </a:effectRef>
+          <a:fontRef idx="minor">
+            <a:schemeClr val="tx1"/>
+          </a:fontRef>
+        </p:style>
+      </p:cxnSp>
     </p:spTree>
     <p:extLst>
       <p:ext uri="{BB962C8B-B14F-4D97-AF65-F5344CB8AC3E}">
-        <p14:creationId xmlns:p14="http://schemas.microsoft.com/office/powerpoint/2010/main" val="2016052060"/>
+        <p14:creationId xmlns:p14="http://schemas.microsoft.com/office/powerpoint/2010/main" val="1264483576"/>
       </p:ext>
     </p:extLst>
   </p:cSld>
   <p:clrMap bg1="lt1" tx1="dk1" bg2="lt2" tx2="dk2" accent1="accent1" accent2="accent2" accent3="accent3" accent4="accent4" accent5="accent5" accent6="accent6" hlink="hlink" folHlink="folHlink"/>
   <p:sldLayoutIdLst>
-    <p:sldLayoutId id="2147483649" r:id="rId1"/>
-    <p:sldLayoutId id="2147483650" r:id="rId2"/>
-    <p:sldLayoutId id="2147483651" r:id="rId3"/>
-    <p:sldLayoutId id="2147483652" r:id="rId4"/>
-    <p:sldLayoutId id="2147483653" r:id="rId5"/>
-    <p:sldLayoutId id="2147483654" r:id="rId6"/>
-    <p:sldLayoutId id="2147483655" r:id="rId7"/>
-    <p:sldLayoutId id="2147483656" r:id="rId8"/>
-    <p:sldLayoutId id="2147483657" r:id="rId9"/>
-    <p:sldLayoutId id="2147483658" r:id="rId10"/>
-    <p:sldLayoutId id="2147483659" r:id="rId11"/>
+    <p:sldLayoutId id="2147483709" r:id="rId1"/>
+    <p:sldLayoutId id="2147483710" r:id="rId2"/>
+    <p:sldLayoutId id="2147483711" r:id="rId3"/>
+    <p:sldLayoutId id="2147483712" r:id="rId4"/>
+    <p:sldLayoutId id="2147483713" r:id="rId5"/>
+    <p:sldLayoutId id="2147483714" r:id="rId6"/>
+    <p:sldLayoutId id="2147483715" r:id="rId7"/>
+    <p:sldLayoutId id="2147483716" r:id="rId8"/>
+    <p:sldLayoutId id="2147483717" r:id="rId9"/>
+    <p:sldLayoutId id="2147483718" r:id="rId10"/>
+    <p:sldLayoutId id="2147483719" r:id="rId11"/>
   </p:sldLayoutIdLst>
   <p:txStyles>
     <p:titleStyle>
       <a:lvl1pPr algn="l" defTabSz="914400" rtl="0" eaLnBrk="1" latinLnBrk="0" hangingPunct="1">
         <a:lnSpc>
-          <a:spcPct val="90000"/>
+          <a:spcPct val="85000"/>
         </a:lnSpc>
         <a:spcBef>
           <a:spcPct val="0"/>
         </a:spcBef>
         <a:buNone/>
-        <a:defRPr sz="4400" kern="1200">
+        <a:defRPr sz="4800" kern="1200" spc="-50" baseline="0">
           <a:solidFill>
-            <a:schemeClr val="tx1"/>
+            <a:schemeClr val="tx1">
+              <a:lumMod val="75000"/>
+              <a:lumOff val="25000"/>
+            </a:schemeClr>
           </a:solidFill>
           <a:latin typeface="+mj-lt"/>
           <a:ea typeface="+mj-ea"/>
@@ -3042,162 +4531,244 @@
       </a:lvl1pPr>
     </p:titleStyle>
     <p:bodyStyle>
-      <a:lvl1pPr marL="228600" indent="-228600" algn="l" defTabSz="914400" rtl="0" eaLnBrk="1" latinLnBrk="0" hangingPunct="1">
+      <a:lvl1pPr marL="91440" indent="-91440" algn="l" defTabSz="914400" rtl="0" eaLnBrk="1" latinLnBrk="0" hangingPunct="1">
         <a:lnSpc>
           <a:spcPct val="90000"/>
         </a:lnSpc>
         <a:spcBef>
-          <a:spcPts val="1000"/>
+          <a:spcPts val="1200"/>
         </a:spcBef>
-        <a:buFont typeface="Arial" panose="020B0604020202020204" pitchFamily="34" charset="0"/>
-        <a:buChar char="•"/>
-        <a:defRPr sz="2800" kern="1200">
+        <a:spcAft>
+          <a:spcPts val="200"/>
+        </a:spcAft>
+        <a:buClr>
+          <a:schemeClr val="accent1"/>
+        </a:buClr>
+        <a:buSzPct val="100000"/>
+        <a:buFont typeface="Calibri" panose="020F0502020204030204" pitchFamily="34" charset="0"/>
+        <a:buChar char=" "/>
+        <a:defRPr sz="2000" kern="1200">
           <a:solidFill>
-            <a:schemeClr val="tx1"/>
+            <a:schemeClr val="tx1">
+              <a:lumMod val="75000"/>
+              <a:lumOff val="25000"/>
+            </a:schemeClr>
           </a:solidFill>
           <a:latin typeface="+mn-lt"/>
           <a:ea typeface="+mn-ea"/>
           <a:cs typeface="+mn-cs"/>
         </a:defRPr>
       </a:lvl1pPr>
-      <a:lvl2pPr marL="685800" indent="-228600" algn="l" defTabSz="914400" rtl="0" eaLnBrk="1" latinLnBrk="0" hangingPunct="1">
+      <a:lvl2pPr marL="384048" indent="-182880" algn="l" defTabSz="914400" rtl="0" eaLnBrk="1" latinLnBrk="0" hangingPunct="1">
         <a:lnSpc>
           <a:spcPct val="90000"/>
         </a:lnSpc>
         <a:spcBef>
-          <a:spcPts val="500"/>
+          <a:spcPts val="200"/>
         </a:spcBef>
-        <a:buFont typeface="Arial" panose="020B0604020202020204" pitchFamily="34" charset="0"/>
-        <a:buChar char="•"/>
-        <a:defRPr sz="2400" kern="1200">
+        <a:spcAft>
+          <a:spcPts val="400"/>
+        </a:spcAft>
+        <a:buClr>
+          <a:schemeClr val="accent1"/>
+        </a:buClr>
+        <a:buFont typeface="Calibri" pitchFamily="34" charset="0"/>
+        <a:buChar char="◦"/>
+        <a:defRPr sz="1800" kern="1200">
           <a:solidFill>
-            <a:schemeClr val="tx1"/>
+            <a:schemeClr val="tx1">
+              <a:lumMod val="75000"/>
+              <a:lumOff val="25000"/>
+            </a:schemeClr>
           </a:solidFill>
           <a:latin typeface="+mn-lt"/>
           <a:ea typeface="+mn-ea"/>
           <a:cs typeface="+mn-cs"/>
         </a:defRPr>
       </a:lvl2pPr>
-      <a:lvl3pPr marL="1143000" indent="-228600" algn="l" defTabSz="914400" rtl="0" eaLnBrk="1" latinLnBrk="0" hangingPunct="1">
+      <a:lvl3pPr marL="566928" indent="-182880" algn="l" defTabSz="914400" rtl="0" eaLnBrk="1" latinLnBrk="0" hangingPunct="1">
         <a:lnSpc>
           <a:spcPct val="90000"/>
         </a:lnSpc>
         <a:spcBef>
-          <a:spcPts val="500"/>
+          <a:spcPts val="200"/>
         </a:spcBef>
-        <a:buFont typeface="Arial" panose="020B0604020202020204" pitchFamily="34" charset="0"/>
-        <a:buChar char="•"/>
-        <a:defRPr sz="2000" kern="1200">
+        <a:spcAft>
+          <a:spcPts val="400"/>
+        </a:spcAft>
+        <a:buClr>
+          <a:schemeClr val="accent1"/>
+        </a:buClr>
+        <a:buFont typeface="Calibri" pitchFamily="34" charset="0"/>
+        <a:buChar char="◦"/>
+        <a:defRPr sz="1400" kern="1200">
           <a:solidFill>
-            <a:schemeClr val="tx1"/>
+            <a:schemeClr val="tx1">
+              <a:lumMod val="75000"/>
+              <a:lumOff val="25000"/>
+            </a:schemeClr>
           </a:solidFill>
           <a:latin typeface="+mn-lt"/>
           <a:ea typeface="+mn-ea"/>
           <a:cs typeface="+mn-cs"/>
         </a:defRPr>
       </a:lvl3pPr>
-      <a:lvl4pPr marL="1600200" indent="-228600" algn="l" defTabSz="914400" rtl="0" eaLnBrk="1" latinLnBrk="0" hangingPunct="1">
+      <a:lvl4pPr marL="749808" indent="-182880" algn="l" defTabSz="914400" rtl="0" eaLnBrk="1" latinLnBrk="0" hangingPunct="1">
         <a:lnSpc>
           <a:spcPct val="90000"/>
         </a:lnSpc>
         <a:spcBef>
-          <a:spcPts val="500"/>
+          <a:spcPts val="200"/>
         </a:spcBef>
-        <a:buFont typeface="Arial" panose="020B0604020202020204" pitchFamily="34" charset="0"/>
-        <a:buChar char="•"/>
-        <a:defRPr sz="1800" kern="1200">
+        <a:spcAft>
+          <a:spcPts val="400"/>
+        </a:spcAft>
+        <a:buClr>
+          <a:schemeClr val="accent1"/>
+        </a:buClr>
+        <a:buFont typeface="Calibri" pitchFamily="34" charset="0"/>
+        <a:buChar char="◦"/>
+        <a:defRPr sz="1400" kern="1200">
           <a:solidFill>
-            <a:schemeClr val="tx1"/>
+            <a:schemeClr val="tx1">
+              <a:lumMod val="75000"/>
+              <a:lumOff val="25000"/>
+            </a:schemeClr>
           </a:solidFill>
           <a:latin typeface="+mn-lt"/>
           <a:ea typeface="+mn-ea"/>
           <a:cs typeface="+mn-cs"/>
         </a:defRPr>
       </a:lvl4pPr>
-      <a:lvl5pPr marL="2057400" indent="-228600" algn="l" defTabSz="914400" rtl="0" eaLnBrk="1" latinLnBrk="0" hangingPunct="1">
+      <a:lvl5pPr marL="932688" indent="-182880" algn="l" defTabSz="914400" rtl="0" eaLnBrk="1" latinLnBrk="0" hangingPunct="1">
         <a:lnSpc>
           <a:spcPct val="90000"/>
         </a:lnSpc>
         <a:spcBef>
-          <a:spcPts val="500"/>
+          <a:spcPts val="200"/>
         </a:spcBef>
-        <a:buFont typeface="Arial" panose="020B0604020202020204" pitchFamily="34" charset="0"/>
-        <a:buChar char="•"/>
-        <a:defRPr sz="1800" kern="1200">
+        <a:spcAft>
+          <a:spcPts val="400"/>
+        </a:spcAft>
+        <a:buClr>
+          <a:schemeClr val="accent1"/>
+        </a:buClr>
+        <a:buFont typeface="Calibri" pitchFamily="34" charset="0"/>
+        <a:buChar char="◦"/>
+        <a:defRPr sz="1400" kern="1200">
           <a:solidFill>
-            <a:schemeClr val="tx1"/>
+            <a:schemeClr val="tx1">
+              <a:lumMod val="75000"/>
+              <a:lumOff val="25000"/>
+            </a:schemeClr>
           </a:solidFill>
           <a:latin typeface="+mn-lt"/>
           <a:ea typeface="+mn-ea"/>
           <a:cs typeface="+mn-cs"/>
         </a:defRPr>
       </a:lvl5pPr>
-      <a:lvl6pPr marL="2514600" indent="-228600" algn="l" defTabSz="914400" rtl="0" eaLnBrk="1" latinLnBrk="0" hangingPunct="1">
+      <a:lvl6pPr marL="1100000" indent="-228600" algn="l" defTabSz="914400" rtl="0" eaLnBrk="1" latinLnBrk="0" hangingPunct="1">
         <a:lnSpc>
           <a:spcPct val="90000"/>
         </a:lnSpc>
         <a:spcBef>
-          <a:spcPts val="500"/>
+          <a:spcPts val="200"/>
         </a:spcBef>
-        <a:buFont typeface="Arial" panose="020B0604020202020204" pitchFamily="34" charset="0"/>
-        <a:buChar char="•"/>
-        <a:defRPr sz="1800" kern="1200">
+        <a:spcAft>
+          <a:spcPts val="400"/>
+        </a:spcAft>
+        <a:buClr>
+          <a:schemeClr val="accent1"/>
+        </a:buClr>
+        <a:buFont typeface="Calibri" pitchFamily="34" charset="0"/>
+        <a:buChar char="◦"/>
+        <a:defRPr sz="1400" kern="1200">
           <a:solidFill>
-            <a:schemeClr val="tx1"/>
+            <a:schemeClr val="tx1">
+              <a:lumMod val="75000"/>
+              <a:lumOff val="25000"/>
+            </a:schemeClr>
           </a:solidFill>
           <a:latin typeface="+mn-lt"/>
           <a:ea typeface="+mn-ea"/>
           <a:cs typeface="+mn-cs"/>
         </a:defRPr>
       </a:lvl6pPr>
-      <a:lvl7pPr marL="2971800" indent="-228600" algn="l" defTabSz="914400" rtl="0" eaLnBrk="1" latinLnBrk="0" hangingPunct="1">
+      <a:lvl7pPr marL="1300000" indent="-228600" algn="l" defTabSz="914400" rtl="0" eaLnBrk="1" latinLnBrk="0" hangingPunct="1">
         <a:lnSpc>
           <a:spcPct val="90000"/>
         </a:lnSpc>
         <a:spcBef>
-          <a:spcPts val="500"/>
+          <a:spcPts val="200"/>
         </a:spcBef>
-        <a:buFont typeface="Arial" panose="020B0604020202020204" pitchFamily="34" charset="0"/>
-        <a:buChar char="•"/>
-        <a:defRPr sz="1800" kern="1200">
+        <a:spcAft>
+          <a:spcPts val="400"/>
+        </a:spcAft>
+        <a:buClr>
+          <a:schemeClr val="accent1"/>
+        </a:buClr>
+        <a:buFont typeface="Calibri" pitchFamily="34" charset="0"/>
+        <a:buChar char="◦"/>
+        <a:defRPr sz="1400" kern="1200">
           <a:solidFill>
-            <a:schemeClr val="tx1"/>
+            <a:schemeClr val="tx1">
+              <a:lumMod val="75000"/>
+              <a:lumOff val="25000"/>
+            </a:schemeClr>
           </a:solidFill>
           <a:latin typeface="+mn-lt"/>
           <a:ea typeface="+mn-ea"/>
           <a:cs typeface="+mn-cs"/>
         </a:defRPr>
       </a:lvl7pPr>
-      <a:lvl8pPr marL="3429000" indent="-228600" algn="l" defTabSz="914400" rtl="0" eaLnBrk="1" latinLnBrk="0" hangingPunct="1">
+      <a:lvl8pPr marL="1500000" indent="-228600" algn="l" defTabSz="914400" rtl="0" eaLnBrk="1" latinLnBrk="0" hangingPunct="1">
         <a:lnSpc>
           <a:spcPct val="90000"/>
         </a:lnSpc>
         <a:spcBef>
-          <a:spcPts val="500"/>
+          <a:spcPts val="200"/>
         </a:spcBef>
-        <a:buFont typeface="Arial" panose="020B0604020202020204" pitchFamily="34" charset="0"/>
-        <a:buChar char="•"/>
-        <a:defRPr sz="1800" kern="1200">
+        <a:spcAft>
+          <a:spcPts val="400"/>
+        </a:spcAft>
+        <a:buClr>
+          <a:schemeClr val="accent1"/>
+        </a:buClr>
+        <a:buFont typeface="Calibri" pitchFamily="34" charset="0"/>
+        <a:buChar char="◦"/>
+        <a:defRPr sz="1400" kern="1200">
           <a:solidFill>
-            <a:schemeClr val="tx1"/>
+            <a:schemeClr val="tx1">
+              <a:lumMod val="75000"/>
+              <a:lumOff val="25000"/>
+            </a:schemeClr>
           </a:solidFill>
           <a:latin typeface="+mn-lt"/>
           <a:ea typeface="+mn-ea"/>
           <a:cs typeface="+mn-cs"/>
         </a:defRPr>
       </a:lvl8pPr>
-      <a:lvl9pPr marL="3886200" indent="-228600" algn="l" defTabSz="914400" rtl="0" eaLnBrk="1" latinLnBrk="0" hangingPunct="1">
+      <a:lvl9pPr marL="1700000" indent="-228600" algn="l" defTabSz="914400" rtl="0" eaLnBrk="1" latinLnBrk="0" hangingPunct="1">
         <a:lnSpc>
           <a:spcPct val="90000"/>
         </a:lnSpc>
         <a:spcBef>
-          <a:spcPts val="500"/>
+          <a:spcPts val="200"/>
         </a:spcBef>
-        <a:buFont typeface="Arial" panose="020B0604020202020204" pitchFamily="34" charset="0"/>
-        <a:buChar char="•"/>
-        <a:defRPr sz="1800" kern="1200">
+        <a:spcAft>
+          <a:spcPts val="400"/>
+        </a:spcAft>
+        <a:buClr>
+          <a:schemeClr val="accent1"/>
+        </a:buClr>
+        <a:buFont typeface="Calibri" pitchFamily="34" charset="0"/>
+        <a:buChar char="◦"/>
+        <a:defRPr sz="1400" kern="1200">
           <a:solidFill>
-            <a:schemeClr val="tx1"/>
+            <a:schemeClr val="tx1">
+              <a:lumMod val="75000"/>
+              <a:lumOff val="25000"/>
+            </a:schemeClr>
           </a:solidFill>
           <a:latin typeface="+mn-lt"/>
           <a:ea typeface="+mn-ea"/>
@@ -3207,7 +4778,7 @@
     </p:bodyStyle>
     <p:otherStyle>
       <a:defPPr>
-        <a:defRPr lang="zh-TW"/>
+        <a:defRPr lang="en-US"/>
       </a:defPPr>
       <a:lvl1pPr marL="0" algn="l" defTabSz="914400" rtl="0" eaLnBrk="1" latinLnBrk="0" hangingPunct="1">
         <a:defRPr sz="1800" kern="1200">
@@ -3326,7 +4897,7 @@
           <p:cNvPr id="2" name="標題 1">
             <a:extLst>
               <a:ext uri="{FF2B5EF4-FFF2-40B4-BE49-F238E27FC236}">
-                <a16:creationId xmlns:a16="http://schemas.microsoft.com/office/drawing/2014/main" id="{32532283-9F93-4E44-8138-32796965361F}"/>
+                <a16:creationId xmlns:a16="http://schemas.microsoft.com/office/drawing/2014/main" id="{1B540375-B58C-4639-85DC-5CFD32C9A5FC}"/>
               </a:ext>
             </a:extLst>
           </p:cNvPr>
@@ -3337,44 +4908,1071 @@
             <p:ph type="ctrTitle"/>
           </p:nvPr>
         </p:nvSpPr>
-        <p:spPr/>
-        <p:txBody>
-          <a:bodyPr/>
-          <a:lstStyle/>
-          <a:p>
-            <a:endParaRPr lang="zh-TW" altLang="en-US"/>
-          </a:p>
-        </p:txBody>
-      </p:sp>
-      <p:sp>
-        <p:nvSpPr>
-          <p:cNvPr id="3" name="副標題 2">
+        <p:spPr>
+          <a:xfrm>
+            <a:off x="493728" y="2545373"/>
+            <a:ext cx="8637073" cy="2541431"/>
+          </a:xfrm>
+        </p:spPr>
+        <p:txBody>
+          <a:bodyPr>
+            <a:normAutofit fontScale="90000"/>
+          </a:bodyPr>
+          <a:lstStyle/>
+          <a:p>
+            <a:r>
+              <a:rPr lang="zh-TW" altLang="en-US" b="1" dirty="0">
+                <a:solidFill>
+                  <a:srgbClr val="002060"/>
+                </a:solidFill>
+                <a:latin typeface="微軟正黑體" panose="020B0604030504040204" pitchFamily="34" charset="-120"/>
+                <a:ea typeface="微軟正黑體" panose="020B0604030504040204" pitchFamily="34" charset="-120"/>
+              </a:rPr>
+              <a:t>自我介紹</a:t>
+            </a:r>
+            <a:br>
+              <a:rPr lang="en-US" altLang="zh-TW" b="1" dirty="0">
+                <a:solidFill>
+                  <a:srgbClr val="002060"/>
+                </a:solidFill>
+                <a:latin typeface="微軟正黑體" panose="020B0604030504040204" pitchFamily="34" charset="-120"/>
+                <a:ea typeface="微軟正黑體" panose="020B0604030504040204" pitchFamily="34" charset="-120"/>
+              </a:rPr>
+            </a:br>
+            <a:r>
+              <a:rPr lang="en-US" altLang="zh-TW" sz="6600" b="1" i="0" u="none" strike="noStrike" dirty="0" err="1">
+                <a:solidFill>
+                  <a:srgbClr val="002060"/>
+                </a:solidFill>
+                <a:effectLst/>
+                <a:latin typeface="Algerian" panose="04020705040A02060702" pitchFamily="82" charset="0"/>
+                <a:ea typeface="Microsoft JhengHei" panose="020B0604030504040204" pitchFamily="34" charset="-120"/>
+              </a:rPr>
+              <a:t>niziima</a:t>
+            </a:r>
+            <a:r>
+              <a:rPr lang="en-US" altLang="zh-TW" sz="6600" b="1" i="0" u="none" strike="noStrike" dirty="0">
+                <a:solidFill>
+                  <a:srgbClr val="002060"/>
+                </a:solidFill>
+                <a:effectLst/>
+                <a:latin typeface="Algerian" panose="04020705040A02060702" pitchFamily="82" charset="0"/>
+                <a:ea typeface="Microsoft JhengHei" panose="020B0604030504040204" pitchFamily="34" charset="-120"/>
+              </a:rPr>
+              <a:t> Live</a:t>
+            </a:r>
+            <a:br>
+              <a:rPr lang="zh-TW" altLang="en-US" b="1" dirty="0">
+                <a:solidFill>
+                  <a:srgbClr val="002060"/>
+                </a:solidFill>
+                <a:latin typeface="Algerian" panose="04020705040A02060702" pitchFamily="82" charset="0"/>
+                <a:ea typeface="微軟正黑體" panose="020B0604030504040204" pitchFamily="34" charset="-120"/>
+              </a:rPr>
+            </a:br>
+            <a:endParaRPr lang="zh-TW" altLang="en-US" b="1" dirty="0">
+              <a:solidFill>
+                <a:srgbClr val="002060"/>
+              </a:solidFill>
+              <a:latin typeface="微軟正黑體" panose="020B0604030504040204" pitchFamily="34" charset="-120"/>
+              <a:ea typeface="微軟正黑體" panose="020B0604030504040204" pitchFamily="34" charset="-120"/>
+            </a:endParaRPr>
+          </a:p>
+        </p:txBody>
+      </p:sp>
+      <p:sp>
+        <p:nvSpPr>
+          <p:cNvPr id="4" name="標題 1">
             <a:extLst>
               <a:ext uri="{FF2B5EF4-FFF2-40B4-BE49-F238E27FC236}">
-                <a16:creationId xmlns:a16="http://schemas.microsoft.com/office/drawing/2014/main" id="{8C946F38-524D-4B98-B9CB-80AEE57E455A}"/>
+                <a16:creationId xmlns:a16="http://schemas.microsoft.com/office/drawing/2014/main" id="{454FC85C-4F04-4F7A-B46C-136D48DC1E3C}"/>
               </a:ext>
             </a:extLst>
           </p:cNvPr>
-          <p:cNvSpPr>
-            <a:spLocks noGrp="1"/>
-          </p:cNvSpPr>
-          <p:nvPr>
-            <p:ph type="subTitle" idx="1"/>
-          </p:nvPr>
-        </p:nvSpPr>
-        <p:spPr/>
-        <p:txBody>
-          <a:bodyPr/>
-          <a:lstStyle/>
-          <a:p>
-            <a:endParaRPr lang="zh-TW" altLang="en-US"/>
+          <p:cNvSpPr txBox="1">
+            <a:spLocks/>
+          </p:cNvSpPr>
+          <p:nvPr/>
+        </p:nvSpPr>
+        <p:spPr>
+          <a:xfrm>
+            <a:off x="2293953" y="1954823"/>
+            <a:ext cx="8637073" cy="2541431"/>
+          </a:xfrm>
+          <a:prstGeom prst="rect">
+            <a:avLst/>
+          </a:prstGeom>
+        </p:spPr>
+        <p:txBody>
+          <a:bodyPr vert="horz" lIns="91440" tIns="45720" rIns="91440" bIns="0" rtlCol="0" anchor="b">
+            <a:normAutofit/>
+          </a:bodyPr>
+          <a:lstStyle>
+            <a:lvl1pPr algn="l" defTabSz="914400" rtl="0" eaLnBrk="1" latinLnBrk="0" hangingPunct="1">
+              <a:lnSpc>
+                <a:spcPct val="90000"/>
+              </a:lnSpc>
+              <a:spcBef>
+                <a:spcPct val="0"/>
+              </a:spcBef>
+              <a:buNone/>
+              <a:defRPr sz="6600" b="0" i="0" kern="1200" cap="all">
+                <a:solidFill>
+                  <a:schemeClr val="tx1"/>
+                </a:solidFill>
+                <a:effectLst/>
+                <a:latin typeface="+mj-lt"/>
+                <a:ea typeface="+mj-ea"/>
+                <a:cs typeface="+mj-cs"/>
+              </a:defRPr>
+            </a:lvl1pPr>
+          </a:lstStyle>
+          <a:p>
+            <a:endParaRPr lang="zh-TW" altLang="en-US" b="1" dirty="0">
+              <a:solidFill>
+                <a:srgbClr val="002060"/>
+              </a:solidFill>
+              <a:latin typeface="Algerian" panose="04020705040A02060702" pitchFamily="82" charset="0"/>
+              <a:ea typeface="微軟正黑體" panose="020B0604030504040204" pitchFamily="34" charset="-120"/>
+            </a:endParaRPr>
           </a:p>
         </p:txBody>
       </p:sp>
     </p:spTree>
     <p:extLst>
       <p:ext uri="{BB962C8B-B14F-4D97-AF65-F5344CB8AC3E}">
-        <p14:creationId xmlns:p14="http://schemas.microsoft.com/office/powerpoint/2010/main" val="1328321055"/>
+        <p14:creationId xmlns:p14="http://schemas.microsoft.com/office/powerpoint/2010/main" val="3994867746"/>
+      </p:ext>
+    </p:extLst>
+  </p:cSld>
+  <p:clrMapOvr>
+    <a:masterClrMapping/>
+  </p:clrMapOvr>
+</p:sld>
+</file>
+
+<file path=ppt/slides/slide2.xml><?xml version="1.0" encoding="utf-8"?>
+<p:sld xmlns:a="http://schemas.openxmlformats.org/drawingml/2006/main" xmlns:r="http://schemas.openxmlformats.org/officeDocument/2006/relationships" xmlns:p="http://schemas.openxmlformats.org/presentationml/2006/main">
+  <p:cSld>
+    <p:spTree>
+      <p:nvGrpSpPr>
+        <p:cNvPr id="1" name=""/>
+        <p:cNvGrpSpPr/>
+        <p:nvPr/>
+      </p:nvGrpSpPr>
+      <p:grpSpPr>
+        <a:xfrm>
+          <a:off x="0" y="0"/>
+          <a:ext cx="0" cy="0"/>
+          <a:chOff x="0" y="0"/>
+          <a:chExt cx="0" cy="0"/>
+        </a:xfrm>
+      </p:grpSpPr>
+      <p:sp>
+        <p:nvSpPr>
+          <p:cNvPr id="2" name="標題 1">
+            <a:extLst>
+              <a:ext uri="{FF2B5EF4-FFF2-40B4-BE49-F238E27FC236}">
+                <a16:creationId xmlns:a16="http://schemas.microsoft.com/office/drawing/2014/main" id="{1B540375-B58C-4639-85DC-5CFD32C9A5FC}"/>
+              </a:ext>
+            </a:extLst>
+          </p:cNvPr>
+          <p:cNvSpPr>
+            <a:spLocks noGrp="1"/>
+          </p:cNvSpPr>
+          <p:nvPr>
+            <p:ph type="ctrTitle"/>
+          </p:nvPr>
+        </p:nvSpPr>
+        <p:spPr>
+          <a:xfrm>
+            <a:off x="513700" y="-516147"/>
+            <a:ext cx="8637073" cy="2541431"/>
+          </a:xfrm>
+        </p:spPr>
+        <p:txBody>
+          <a:bodyPr>
+            <a:normAutofit/>
+          </a:bodyPr>
+          <a:lstStyle/>
+          <a:p>
+            <a:r>
+              <a:rPr lang="en-US" altLang="zh-TW" sz="3600" b="1" dirty="0">
+                <a:solidFill>
+                  <a:srgbClr val="002060"/>
+                </a:solidFill>
+                <a:latin typeface="Algerian" panose="04020705040A02060702" pitchFamily="82" charset="0"/>
+                <a:ea typeface="微軟正黑體" panose="020B0604030504040204" pitchFamily="34" charset="-120"/>
+              </a:rPr>
+              <a:t>1.</a:t>
+            </a:r>
+            <a:r>
+              <a:rPr lang="zh-TW" altLang="en-US" sz="3600" b="1" dirty="0">
+                <a:solidFill>
+                  <a:srgbClr val="002060"/>
+                </a:solidFill>
+                <a:latin typeface="Algerian" panose="04020705040A02060702" pitchFamily="82" charset="0"/>
+                <a:ea typeface="微軟正黑體" panose="020B0604030504040204" pitchFamily="34" charset="-120"/>
+              </a:rPr>
+              <a:t>目標</a:t>
+            </a:r>
+            <a:br>
+              <a:rPr lang="zh-TW" altLang="en-US" b="1" dirty="0">
+                <a:solidFill>
+                  <a:srgbClr val="002060"/>
+                </a:solidFill>
+                <a:latin typeface="Algerian" panose="04020705040A02060702" pitchFamily="82" charset="0"/>
+                <a:ea typeface="微軟正黑體" panose="020B0604030504040204" pitchFamily="34" charset="-120"/>
+              </a:rPr>
+            </a:br>
+            <a:endParaRPr lang="zh-TW" altLang="en-US" b="1" dirty="0">
+              <a:solidFill>
+                <a:srgbClr val="002060"/>
+              </a:solidFill>
+              <a:latin typeface="微軟正黑體" panose="020B0604030504040204" pitchFamily="34" charset="-120"/>
+              <a:ea typeface="微軟正黑體" panose="020B0604030504040204" pitchFamily="34" charset="-120"/>
+            </a:endParaRPr>
+          </a:p>
+        </p:txBody>
+      </p:sp>
+      <p:pic>
+        <p:nvPicPr>
+          <p:cNvPr id="5" name="圖片 4">
+            <a:extLst>
+              <a:ext uri="{FF2B5EF4-FFF2-40B4-BE49-F238E27FC236}">
+                <a16:creationId xmlns:a16="http://schemas.microsoft.com/office/drawing/2014/main" id="{5037BA44-2F59-45E9-AC92-EC578BB6BD90}"/>
+              </a:ext>
+            </a:extLst>
+          </p:cNvPr>
+          <p:cNvPicPr>
+            <a:picLocks noChangeAspect="1"/>
+          </p:cNvPicPr>
+          <p:nvPr/>
+        </p:nvPicPr>
+        <p:blipFill>
+          <a:blip r:embed="rId3">
+            <a:extLst>
+              <a:ext uri="{28A0092B-C50C-407E-A947-70E740481C1C}">
+                <a14:useLocalDpi xmlns:a14="http://schemas.microsoft.com/office/drawing/2010/main" val="0"/>
+              </a:ext>
+            </a:extLst>
+          </a:blip>
+          <a:stretch>
+            <a:fillRect/>
+          </a:stretch>
+        </p:blipFill>
+        <p:spPr>
+          <a:xfrm>
+            <a:off x="621890" y="1189703"/>
+            <a:ext cx="5029199" cy="5029199"/>
+          </a:xfrm>
+          <a:prstGeom prst="rect">
+            <a:avLst/>
+          </a:prstGeom>
+        </p:spPr>
+      </p:pic>
+    </p:spTree>
+    <p:extLst>
+      <p:ext uri="{BB962C8B-B14F-4D97-AF65-F5344CB8AC3E}">
+        <p14:creationId xmlns:p14="http://schemas.microsoft.com/office/powerpoint/2010/main" val="4259293773"/>
+      </p:ext>
+    </p:extLst>
+  </p:cSld>
+  <p:clrMapOvr>
+    <a:masterClrMapping/>
+  </p:clrMapOvr>
+</p:sld>
+</file>
+
+<file path=ppt/slides/slide3.xml><?xml version="1.0" encoding="utf-8"?>
+<p:sld xmlns:a="http://schemas.openxmlformats.org/drawingml/2006/main" xmlns:r="http://schemas.openxmlformats.org/officeDocument/2006/relationships" xmlns:p="http://schemas.openxmlformats.org/presentationml/2006/main">
+  <p:cSld>
+    <p:spTree>
+      <p:nvGrpSpPr>
+        <p:cNvPr id="1" name=""/>
+        <p:cNvGrpSpPr/>
+        <p:nvPr/>
+      </p:nvGrpSpPr>
+      <p:grpSpPr>
+        <a:xfrm>
+          <a:off x="0" y="0"/>
+          <a:ext cx="0" cy="0"/>
+          <a:chOff x="0" y="0"/>
+          <a:chExt cx="0" cy="0"/>
+        </a:xfrm>
+      </p:grpSpPr>
+      <p:sp>
+        <p:nvSpPr>
+          <p:cNvPr id="2" name="標題 1">
+            <a:extLst>
+              <a:ext uri="{FF2B5EF4-FFF2-40B4-BE49-F238E27FC236}">
+                <a16:creationId xmlns:a16="http://schemas.microsoft.com/office/drawing/2014/main" id="{1B540375-B58C-4639-85DC-5CFD32C9A5FC}"/>
+              </a:ext>
+            </a:extLst>
+          </p:cNvPr>
+          <p:cNvSpPr>
+            <a:spLocks noGrp="1"/>
+          </p:cNvSpPr>
+          <p:nvPr>
+            <p:ph type="ctrTitle"/>
+          </p:nvPr>
+        </p:nvSpPr>
+        <p:spPr>
+          <a:xfrm>
+            <a:off x="513700" y="-516147"/>
+            <a:ext cx="8637073" cy="2541431"/>
+          </a:xfrm>
+        </p:spPr>
+        <p:txBody>
+          <a:bodyPr>
+            <a:normAutofit/>
+          </a:bodyPr>
+          <a:lstStyle/>
+          <a:p>
+            <a:r>
+              <a:rPr lang="en-US" altLang="zh-TW" sz="3600" b="1" dirty="0">
+                <a:solidFill>
+                  <a:srgbClr val="002060"/>
+                </a:solidFill>
+                <a:latin typeface="Algerian" panose="04020705040A02060702" pitchFamily="82" charset="0"/>
+                <a:ea typeface="微軟正黑體" panose="020B0604030504040204" pitchFamily="34" charset="-120"/>
+              </a:rPr>
+              <a:t>2.</a:t>
+            </a:r>
+            <a:r>
+              <a:rPr lang="zh-TW" altLang="en-US" sz="3600" b="1" dirty="0">
+                <a:solidFill>
+                  <a:srgbClr val="002060"/>
+                </a:solidFill>
+                <a:latin typeface="Algerian" panose="04020705040A02060702" pitchFamily="82" charset="0"/>
+                <a:ea typeface="微軟正黑體" panose="020B0604030504040204" pitchFamily="34" charset="-120"/>
+              </a:rPr>
+              <a:t>阻礙</a:t>
+            </a:r>
+            <a:br>
+              <a:rPr lang="zh-TW" altLang="en-US" b="1" dirty="0">
+                <a:solidFill>
+                  <a:srgbClr val="002060"/>
+                </a:solidFill>
+                <a:latin typeface="Algerian" panose="04020705040A02060702" pitchFamily="82" charset="0"/>
+                <a:ea typeface="微軟正黑體" panose="020B0604030504040204" pitchFamily="34" charset="-120"/>
+              </a:rPr>
+            </a:br>
+            <a:endParaRPr lang="zh-TW" altLang="en-US" b="1" dirty="0">
+              <a:solidFill>
+                <a:srgbClr val="002060"/>
+              </a:solidFill>
+              <a:latin typeface="微軟正黑體" panose="020B0604030504040204" pitchFamily="34" charset="-120"/>
+              <a:ea typeface="微軟正黑體" panose="020B0604030504040204" pitchFamily="34" charset="-120"/>
+            </a:endParaRPr>
+          </a:p>
+        </p:txBody>
+      </p:sp>
+      <p:pic>
+        <p:nvPicPr>
+          <p:cNvPr id="4" name="圖片 3">
+            <a:extLst>
+              <a:ext uri="{FF2B5EF4-FFF2-40B4-BE49-F238E27FC236}">
+                <a16:creationId xmlns:a16="http://schemas.microsoft.com/office/drawing/2014/main" id="{DFF558F1-87F0-4C70-92A5-2709F1A11120}"/>
+              </a:ext>
+            </a:extLst>
+          </p:cNvPr>
+          <p:cNvPicPr>
+            <a:picLocks noChangeAspect="1"/>
+          </p:cNvPicPr>
+          <p:nvPr/>
+        </p:nvPicPr>
+        <p:blipFill>
+          <a:blip r:embed="rId3">
+            <a:extLst>
+              <a:ext uri="{28A0092B-C50C-407E-A947-70E740481C1C}">
+                <a14:useLocalDpi xmlns:a14="http://schemas.microsoft.com/office/drawing/2010/main" val="0"/>
+              </a:ext>
+            </a:extLst>
+          </a:blip>
+          <a:stretch>
+            <a:fillRect/>
+          </a:stretch>
+        </p:blipFill>
+        <p:spPr>
+          <a:xfrm>
+            <a:off x="752475" y="1038225"/>
+            <a:ext cx="4781550" cy="4781550"/>
+          </a:xfrm>
+          <a:prstGeom prst="rect">
+            <a:avLst/>
+          </a:prstGeom>
+        </p:spPr>
+      </p:pic>
+    </p:spTree>
+    <p:extLst>
+      <p:ext uri="{BB962C8B-B14F-4D97-AF65-F5344CB8AC3E}">
+        <p14:creationId xmlns:p14="http://schemas.microsoft.com/office/powerpoint/2010/main" val="3303969126"/>
+      </p:ext>
+    </p:extLst>
+  </p:cSld>
+  <p:clrMapOvr>
+    <a:masterClrMapping/>
+  </p:clrMapOvr>
+</p:sld>
+</file>
+
+<file path=ppt/slides/slide4.xml><?xml version="1.0" encoding="utf-8"?>
+<p:sld xmlns:a="http://schemas.openxmlformats.org/drawingml/2006/main" xmlns:r="http://schemas.openxmlformats.org/officeDocument/2006/relationships" xmlns:p="http://schemas.openxmlformats.org/presentationml/2006/main">
+  <p:cSld>
+    <p:spTree>
+      <p:nvGrpSpPr>
+        <p:cNvPr id="1" name=""/>
+        <p:cNvGrpSpPr/>
+        <p:nvPr/>
+      </p:nvGrpSpPr>
+      <p:grpSpPr>
+        <a:xfrm>
+          <a:off x="0" y="0"/>
+          <a:ext cx="0" cy="0"/>
+          <a:chOff x="0" y="0"/>
+          <a:chExt cx="0" cy="0"/>
+        </a:xfrm>
+      </p:grpSpPr>
+      <p:sp>
+        <p:nvSpPr>
+          <p:cNvPr id="2" name="標題 1">
+            <a:extLst>
+              <a:ext uri="{FF2B5EF4-FFF2-40B4-BE49-F238E27FC236}">
+                <a16:creationId xmlns:a16="http://schemas.microsoft.com/office/drawing/2014/main" id="{1B540375-B58C-4639-85DC-5CFD32C9A5FC}"/>
+              </a:ext>
+            </a:extLst>
+          </p:cNvPr>
+          <p:cNvSpPr>
+            <a:spLocks noGrp="1"/>
+          </p:cNvSpPr>
+          <p:nvPr>
+            <p:ph type="ctrTitle"/>
+          </p:nvPr>
+        </p:nvSpPr>
+        <p:spPr>
+          <a:xfrm>
+            <a:off x="513700" y="-516147"/>
+            <a:ext cx="8637073" cy="2541431"/>
+          </a:xfrm>
+        </p:spPr>
+        <p:txBody>
+          <a:bodyPr>
+            <a:normAutofit/>
+          </a:bodyPr>
+          <a:lstStyle/>
+          <a:p>
+            <a:r>
+              <a:rPr lang="en-US" altLang="zh-TW" sz="3600" b="1" dirty="0">
+                <a:solidFill>
+                  <a:srgbClr val="002060"/>
+                </a:solidFill>
+                <a:latin typeface="Algerian" panose="04020705040A02060702" pitchFamily="82" charset="0"/>
+                <a:ea typeface="微軟正黑體" panose="020B0604030504040204" pitchFamily="34" charset="-120"/>
+              </a:rPr>
+              <a:t>3.</a:t>
+            </a:r>
+            <a:r>
+              <a:rPr lang="zh-TW" altLang="en-US" sz="3600" b="1" dirty="0">
+                <a:solidFill>
+                  <a:srgbClr val="002060"/>
+                </a:solidFill>
+                <a:latin typeface="Algerian" panose="04020705040A02060702" pitchFamily="82" charset="0"/>
+                <a:ea typeface="微軟正黑體" panose="020B0604030504040204" pitchFamily="34" charset="-120"/>
+              </a:rPr>
+              <a:t>努力</a:t>
+            </a:r>
+            <a:br>
+              <a:rPr lang="zh-TW" altLang="en-US" b="1" dirty="0">
+                <a:solidFill>
+                  <a:srgbClr val="002060"/>
+                </a:solidFill>
+                <a:latin typeface="Algerian" panose="04020705040A02060702" pitchFamily="82" charset="0"/>
+                <a:ea typeface="微軟正黑體" panose="020B0604030504040204" pitchFamily="34" charset="-120"/>
+              </a:rPr>
+            </a:br>
+            <a:endParaRPr lang="zh-TW" altLang="en-US" b="1" dirty="0">
+              <a:solidFill>
+                <a:srgbClr val="002060"/>
+              </a:solidFill>
+              <a:latin typeface="微軟正黑體" panose="020B0604030504040204" pitchFamily="34" charset="-120"/>
+              <a:ea typeface="微軟正黑體" panose="020B0604030504040204" pitchFamily="34" charset="-120"/>
+            </a:endParaRPr>
+          </a:p>
+        </p:txBody>
+      </p:sp>
+      <p:pic>
+        <p:nvPicPr>
+          <p:cNvPr id="4" name="圖片 3">
+            <a:extLst>
+              <a:ext uri="{FF2B5EF4-FFF2-40B4-BE49-F238E27FC236}">
+                <a16:creationId xmlns:a16="http://schemas.microsoft.com/office/drawing/2014/main" id="{ACEB1BB7-6932-4191-8920-778BA5905D6D}"/>
+              </a:ext>
+            </a:extLst>
+          </p:cNvPr>
+          <p:cNvPicPr>
+            <a:picLocks noChangeAspect="1"/>
+          </p:cNvPicPr>
+          <p:nvPr/>
+        </p:nvPicPr>
+        <p:blipFill>
+          <a:blip r:embed="rId3">
+            <a:extLst>
+              <a:ext uri="{28A0092B-C50C-407E-A947-70E740481C1C}">
+                <a14:useLocalDpi xmlns:a14="http://schemas.microsoft.com/office/drawing/2010/main" val="0"/>
+              </a:ext>
+            </a:extLst>
+          </a:blip>
+          <a:stretch>
+            <a:fillRect/>
+          </a:stretch>
+        </p:blipFill>
+        <p:spPr>
+          <a:xfrm>
+            <a:off x="752476" y="1109663"/>
+            <a:ext cx="4891088" cy="4891088"/>
+          </a:xfrm>
+          <a:prstGeom prst="rect">
+            <a:avLst/>
+          </a:prstGeom>
+        </p:spPr>
+      </p:pic>
+    </p:spTree>
+    <p:extLst>
+      <p:ext uri="{BB962C8B-B14F-4D97-AF65-F5344CB8AC3E}">
+        <p14:creationId xmlns:p14="http://schemas.microsoft.com/office/powerpoint/2010/main" val="2169694548"/>
+      </p:ext>
+    </p:extLst>
+  </p:cSld>
+  <p:clrMapOvr>
+    <a:masterClrMapping/>
+  </p:clrMapOvr>
+</p:sld>
+</file>
+
+<file path=ppt/slides/slide5.xml><?xml version="1.0" encoding="utf-8"?>
+<p:sld xmlns:a="http://schemas.openxmlformats.org/drawingml/2006/main" xmlns:r="http://schemas.openxmlformats.org/officeDocument/2006/relationships" xmlns:p="http://schemas.openxmlformats.org/presentationml/2006/main">
+  <p:cSld>
+    <p:spTree>
+      <p:nvGrpSpPr>
+        <p:cNvPr id="1" name=""/>
+        <p:cNvGrpSpPr/>
+        <p:nvPr/>
+      </p:nvGrpSpPr>
+      <p:grpSpPr>
+        <a:xfrm>
+          <a:off x="0" y="0"/>
+          <a:ext cx="0" cy="0"/>
+          <a:chOff x="0" y="0"/>
+          <a:chExt cx="0" cy="0"/>
+        </a:xfrm>
+      </p:grpSpPr>
+      <p:sp>
+        <p:nvSpPr>
+          <p:cNvPr id="2" name="標題 1">
+            <a:extLst>
+              <a:ext uri="{FF2B5EF4-FFF2-40B4-BE49-F238E27FC236}">
+                <a16:creationId xmlns:a16="http://schemas.microsoft.com/office/drawing/2014/main" id="{1B540375-B58C-4639-85DC-5CFD32C9A5FC}"/>
+              </a:ext>
+            </a:extLst>
+          </p:cNvPr>
+          <p:cNvSpPr>
+            <a:spLocks noGrp="1"/>
+          </p:cNvSpPr>
+          <p:nvPr>
+            <p:ph type="ctrTitle"/>
+          </p:nvPr>
+        </p:nvSpPr>
+        <p:spPr>
+          <a:xfrm>
+            <a:off x="513700" y="-516147"/>
+            <a:ext cx="8637073" cy="2541431"/>
+          </a:xfrm>
+        </p:spPr>
+        <p:txBody>
+          <a:bodyPr>
+            <a:normAutofit/>
+          </a:bodyPr>
+          <a:lstStyle/>
+          <a:p>
+            <a:r>
+              <a:rPr lang="en-US" altLang="zh-TW" sz="3600" b="1" dirty="0">
+                <a:solidFill>
+                  <a:srgbClr val="002060"/>
+                </a:solidFill>
+                <a:latin typeface="Algerian" panose="04020705040A02060702" pitchFamily="82" charset="0"/>
+                <a:ea typeface="微軟正黑體" panose="020B0604030504040204" pitchFamily="34" charset="-120"/>
+              </a:rPr>
+              <a:t>4.</a:t>
+            </a:r>
+            <a:r>
+              <a:rPr lang="zh-TW" altLang="en-US" sz="3600" b="1" dirty="0">
+                <a:solidFill>
+                  <a:srgbClr val="002060"/>
+                </a:solidFill>
+                <a:latin typeface="Algerian" panose="04020705040A02060702" pitchFamily="82" charset="0"/>
+                <a:ea typeface="微軟正黑體" panose="020B0604030504040204" pitchFamily="34" charset="-120"/>
+              </a:rPr>
+              <a:t>結果</a:t>
+            </a:r>
+            <a:br>
+              <a:rPr lang="zh-TW" altLang="en-US" b="1" dirty="0">
+                <a:solidFill>
+                  <a:srgbClr val="002060"/>
+                </a:solidFill>
+                <a:latin typeface="Algerian" panose="04020705040A02060702" pitchFamily="82" charset="0"/>
+                <a:ea typeface="微軟正黑體" panose="020B0604030504040204" pitchFamily="34" charset="-120"/>
+              </a:rPr>
+            </a:br>
+            <a:endParaRPr lang="zh-TW" altLang="en-US" b="1" dirty="0">
+              <a:solidFill>
+                <a:srgbClr val="002060"/>
+              </a:solidFill>
+              <a:latin typeface="微軟正黑體" panose="020B0604030504040204" pitchFamily="34" charset="-120"/>
+              <a:ea typeface="微軟正黑體" panose="020B0604030504040204" pitchFamily="34" charset="-120"/>
+            </a:endParaRPr>
+          </a:p>
+        </p:txBody>
+      </p:sp>
+      <p:pic>
+        <p:nvPicPr>
+          <p:cNvPr id="6" name="圖片 5">
+            <a:extLst>
+              <a:ext uri="{FF2B5EF4-FFF2-40B4-BE49-F238E27FC236}">
+                <a16:creationId xmlns:a16="http://schemas.microsoft.com/office/drawing/2014/main" id="{6A180039-580C-416E-A04D-CC166EDBBF64}"/>
+              </a:ext>
+            </a:extLst>
+          </p:cNvPr>
+          <p:cNvPicPr>
+            <a:picLocks noChangeAspect="1"/>
+          </p:cNvPicPr>
+          <p:nvPr/>
+        </p:nvPicPr>
+        <p:blipFill>
+          <a:blip r:embed="rId3">
+            <a:extLst>
+              <a:ext uri="{28A0092B-C50C-407E-A947-70E740481C1C}">
+                <a14:useLocalDpi xmlns:a14="http://schemas.microsoft.com/office/drawing/2010/main" val="0"/>
+              </a:ext>
+            </a:extLst>
+          </a:blip>
+          <a:stretch>
+            <a:fillRect/>
+          </a:stretch>
+        </p:blipFill>
+        <p:spPr>
+          <a:xfrm>
+            <a:off x="952499" y="1042987"/>
+            <a:ext cx="4772025" cy="4772025"/>
+          </a:xfrm>
+          <a:prstGeom prst="rect">
+            <a:avLst/>
+          </a:prstGeom>
+        </p:spPr>
+      </p:pic>
+    </p:spTree>
+    <p:extLst>
+      <p:ext uri="{BB962C8B-B14F-4D97-AF65-F5344CB8AC3E}">
+        <p14:creationId xmlns:p14="http://schemas.microsoft.com/office/powerpoint/2010/main" val="2879999843"/>
+      </p:ext>
+    </p:extLst>
+  </p:cSld>
+  <p:clrMapOvr>
+    <a:masterClrMapping/>
+  </p:clrMapOvr>
+</p:sld>
+</file>
+
+<file path=ppt/slides/slide6.xml><?xml version="1.0" encoding="utf-8"?>
+<p:sld xmlns:a="http://schemas.openxmlformats.org/drawingml/2006/main" xmlns:r="http://schemas.openxmlformats.org/officeDocument/2006/relationships" xmlns:p="http://schemas.openxmlformats.org/presentationml/2006/main">
+  <p:cSld>
+    <p:spTree>
+      <p:nvGrpSpPr>
+        <p:cNvPr id="1" name=""/>
+        <p:cNvGrpSpPr/>
+        <p:nvPr/>
+      </p:nvGrpSpPr>
+      <p:grpSpPr>
+        <a:xfrm>
+          <a:off x="0" y="0"/>
+          <a:ext cx="0" cy="0"/>
+          <a:chOff x="0" y="0"/>
+          <a:chExt cx="0" cy="0"/>
+        </a:xfrm>
+      </p:grpSpPr>
+      <p:sp>
+        <p:nvSpPr>
+          <p:cNvPr id="2" name="標題 1">
+            <a:extLst>
+              <a:ext uri="{FF2B5EF4-FFF2-40B4-BE49-F238E27FC236}">
+                <a16:creationId xmlns:a16="http://schemas.microsoft.com/office/drawing/2014/main" id="{1B540375-B58C-4639-85DC-5CFD32C9A5FC}"/>
+              </a:ext>
+            </a:extLst>
+          </p:cNvPr>
+          <p:cNvSpPr>
+            <a:spLocks noGrp="1"/>
+          </p:cNvSpPr>
+          <p:nvPr>
+            <p:ph type="ctrTitle"/>
+          </p:nvPr>
+        </p:nvSpPr>
+        <p:spPr>
+          <a:xfrm>
+            <a:off x="513700" y="-516147"/>
+            <a:ext cx="8637073" cy="2541431"/>
+          </a:xfrm>
+        </p:spPr>
+        <p:txBody>
+          <a:bodyPr>
+            <a:normAutofit/>
+          </a:bodyPr>
+          <a:lstStyle/>
+          <a:p>
+            <a:r>
+              <a:rPr lang="en-US" altLang="zh-TW" sz="3600" b="1" dirty="0">
+                <a:solidFill>
+                  <a:srgbClr val="002060"/>
+                </a:solidFill>
+                <a:latin typeface="Algerian" panose="04020705040A02060702" pitchFamily="82" charset="0"/>
+                <a:ea typeface="微軟正黑體" panose="020B0604030504040204" pitchFamily="34" charset="-120"/>
+              </a:rPr>
+              <a:t>5.</a:t>
+            </a:r>
+            <a:r>
+              <a:rPr lang="zh-TW" altLang="en-US" sz="3600" b="1" dirty="0">
+                <a:solidFill>
+                  <a:srgbClr val="002060"/>
+                </a:solidFill>
+                <a:latin typeface="Algerian" panose="04020705040A02060702" pitchFamily="82" charset="0"/>
+                <a:ea typeface="微軟正黑體" panose="020B0604030504040204" pitchFamily="34" charset="-120"/>
+              </a:rPr>
+              <a:t>意外</a:t>
+            </a:r>
+            <a:br>
+              <a:rPr lang="zh-TW" altLang="en-US" b="1" dirty="0">
+                <a:solidFill>
+                  <a:srgbClr val="002060"/>
+                </a:solidFill>
+                <a:latin typeface="Algerian" panose="04020705040A02060702" pitchFamily="82" charset="0"/>
+                <a:ea typeface="微軟正黑體" panose="020B0604030504040204" pitchFamily="34" charset="-120"/>
+              </a:rPr>
+            </a:br>
+            <a:endParaRPr lang="zh-TW" altLang="en-US" b="1" dirty="0">
+              <a:solidFill>
+                <a:srgbClr val="002060"/>
+              </a:solidFill>
+              <a:latin typeface="微軟正黑體" panose="020B0604030504040204" pitchFamily="34" charset="-120"/>
+              <a:ea typeface="微軟正黑體" panose="020B0604030504040204" pitchFamily="34" charset="-120"/>
+            </a:endParaRPr>
+          </a:p>
+        </p:txBody>
+      </p:sp>
+      <p:pic>
+        <p:nvPicPr>
+          <p:cNvPr id="4" name="圖片 3">
+            <a:extLst>
+              <a:ext uri="{FF2B5EF4-FFF2-40B4-BE49-F238E27FC236}">
+                <a16:creationId xmlns:a16="http://schemas.microsoft.com/office/drawing/2014/main" id="{25ED0EEF-2E16-4B28-AA2F-41CB020BCF3B}"/>
+              </a:ext>
+            </a:extLst>
+          </p:cNvPr>
+          <p:cNvPicPr>
+            <a:picLocks noChangeAspect="1"/>
+          </p:cNvPicPr>
+          <p:nvPr/>
+        </p:nvPicPr>
+        <p:blipFill>
+          <a:blip r:embed="rId3">
+            <a:extLst>
+              <a:ext uri="{28A0092B-C50C-407E-A947-70E740481C1C}">
+                <a14:useLocalDpi xmlns:a14="http://schemas.microsoft.com/office/drawing/2010/main" val="0"/>
+              </a:ext>
+            </a:extLst>
+          </a:blip>
+          <a:stretch>
+            <a:fillRect/>
+          </a:stretch>
+        </p:blipFill>
+        <p:spPr>
+          <a:xfrm>
+            <a:off x="866775" y="1057274"/>
+            <a:ext cx="5229225" cy="5229225"/>
+          </a:xfrm>
+          <a:prstGeom prst="rect">
+            <a:avLst/>
+          </a:prstGeom>
+        </p:spPr>
+      </p:pic>
+    </p:spTree>
+    <p:extLst>
+      <p:ext uri="{BB962C8B-B14F-4D97-AF65-F5344CB8AC3E}">
+        <p14:creationId xmlns:p14="http://schemas.microsoft.com/office/powerpoint/2010/main" val="3602712733"/>
+      </p:ext>
+    </p:extLst>
+  </p:cSld>
+  <p:clrMapOvr>
+    <a:masterClrMapping/>
+  </p:clrMapOvr>
+</p:sld>
+</file>
+
+<file path=ppt/slides/slide7.xml><?xml version="1.0" encoding="utf-8"?>
+<p:sld xmlns:a="http://schemas.openxmlformats.org/drawingml/2006/main" xmlns:r="http://schemas.openxmlformats.org/officeDocument/2006/relationships" xmlns:p="http://schemas.openxmlformats.org/presentationml/2006/main">
+  <p:cSld>
+    <p:spTree>
+      <p:nvGrpSpPr>
+        <p:cNvPr id="1" name=""/>
+        <p:cNvGrpSpPr/>
+        <p:nvPr/>
+      </p:nvGrpSpPr>
+      <p:grpSpPr>
+        <a:xfrm>
+          <a:off x="0" y="0"/>
+          <a:ext cx="0" cy="0"/>
+          <a:chOff x="0" y="0"/>
+          <a:chExt cx="0" cy="0"/>
+        </a:xfrm>
+      </p:grpSpPr>
+      <p:sp>
+        <p:nvSpPr>
+          <p:cNvPr id="2" name="標題 1">
+            <a:extLst>
+              <a:ext uri="{FF2B5EF4-FFF2-40B4-BE49-F238E27FC236}">
+                <a16:creationId xmlns:a16="http://schemas.microsoft.com/office/drawing/2014/main" id="{1B540375-B58C-4639-85DC-5CFD32C9A5FC}"/>
+              </a:ext>
+            </a:extLst>
+          </p:cNvPr>
+          <p:cNvSpPr>
+            <a:spLocks noGrp="1"/>
+          </p:cNvSpPr>
+          <p:nvPr>
+            <p:ph type="ctrTitle"/>
+          </p:nvPr>
+        </p:nvSpPr>
+        <p:spPr>
+          <a:xfrm>
+            <a:off x="513700" y="-516147"/>
+            <a:ext cx="8637073" cy="2541431"/>
+          </a:xfrm>
+        </p:spPr>
+        <p:txBody>
+          <a:bodyPr>
+            <a:normAutofit/>
+          </a:bodyPr>
+          <a:lstStyle/>
+          <a:p>
+            <a:r>
+              <a:rPr lang="en-US" altLang="zh-TW" sz="3600" b="1" dirty="0">
+                <a:solidFill>
+                  <a:srgbClr val="002060"/>
+                </a:solidFill>
+                <a:latin typeface="Algerian" panose="04020705040A02060702" pitchFamily="82" charset="0"/>
+                <a:ea typeface="微軟正黑體" panose="020B0604030504040204" pitchFamily="34" charset="-120"/>
+              </a:rPr>
+              <a:t>6.</a:t>
+            </a:r>
+            <a:r>
+              <a:rPr lang="zh-TW" altLang="en-US" sz="3600" b="1" dirty="0">
+                <a:solidFill>
+                  <a:srgbClr val="002060"/>
+                </a:solidFill>
+                <a:latin typeface="Algerian" panose="04020705040A02060702" pitchFamily="82" charset="0"/>
+                <a:ea typeface="微軟正黑體" panose="020B0604030504040204" pitchFamily="34" charset="-120"/>
+              </a:rPr>
+              <a:t>轉彎</a:t>
+            </a:r>
+            <a:br>
+              <a:rPr lang="zh-TW" altLang="en-US" b="1" dirty="0">
+                <a:solidFill>
+                  <a:srgbClr val="002060"/>
+                </a:solidFill>
+                <a:latin typeface="Algerian" panose="04020705040A02060702" pitchFamily="82" charset="0"/>
+                <a:ea typeface="微軟正黑體" panose="020B0604030504040204" pitchFamily="34" charset="-120"/>
+              </a:rPr>
+            </a:br>
+            <a:endParaRPr lang="zh-TW" altLang="en-US" b="1" dirty="0">
+              <a:solidFill>
+                <a:srgbClr val="002060"/>
+              </a:solidFill>
+              <a:latin typeface="微軟正黑體" panose="020B0604030504040204" pitchFamily="34" charset="-120"/>
+              <a:ea typeface="微軟正黑體" panose="020B0604030504040204" pitchFamily="34" charset="-120"/>
+            </a:endParaRPr>
+          </a:p>
+        </p:txBody>
+      </p:sp>
+      <p:pic>
+        <p:nvPicPr>
+          <p:cNvPr id="4" name="圖片 3">
+            <a:extLst>
+              <a:ext uri="{FF2B5EF4-FFF2-40B4-BE49-F238E27FC236}">
+                <a16:creationId xmlns:a16="http://schemas.microsoft.com/office/drawing/2014/main" id="{993CDBA8-65B0-4F74-840D-E4B55C00E2DF}"/>
+              </a:ext>
+            </a:extLst>
+          </p:cNvPr>
+          <p:cNvPicPr>
+            <a:picLocks noChangeAspect="1"/>
+          </p:cNvPicPr>
+          <p:nvPr/>
+        </p:nvPicPr>
+        <p:blipFill>
+          <a:blip r:embed="rId3">
+            <a:extLst>
+              <a:ext uri="{28A0092B-C50C-407E-A947-70E740481C1C}">
+                <a14:useLocalDpi xmlns:a14="http://schemas.microsoft.com/office/drawing/2010/main" val="0"/>
+              </a:ext>
+            </a:extLst>
+          </a:blip>
+          <a:stretch>
+            <a:fillRect/>
+          </a:stretch>
+        </p:blipFill>
+        <p:spPr>
+          <a:xfrm>
+            <a:off x="790575" y="1038225"/>
+            <a:ext cx="4781550" cy="4781550"/>
+          </a:xfrm>
+          <a:prstGeom prst="rect">
+            <a:avLst/>
+          </a:prstGeom>
+        </p:spPr>
+      </p:pic>
+    </p:spTree>
+    <p:extLst>
+      <p:ext uri="{BB962C8B-B14F-4D97-AF65-F5344CB8AC3E}">
+        <p14:creationId xmlns:p14="http://schemas.microsoft.com/office/powerpoint/2010/main" val="1871461519"/>
+      </p:ext>
+    </p:extLst>
+  </p:cSld>
+  <p:clrMapOvr>
+    <a:masterClrMapping/>
+  </p:clrMapOvr>
+</p:sld>
+</file>
+
+<file path=ppt/slides/slide8.xml><?xml version="1.0" encoding="utf-8"?>
+<p:sld xmlns:a="http://schemas.openxmlformats.org/drawingml/2006/main" xmlns:r="http://schemas.openxmlformats.org/officeDocument/2006/relationships" xmlns:p="http://schemas.openxmlformats.org/presentationml/2006/main">
+  <p:cSld>
+    <p:spTree>
+      <p:nvGrpSpPr>
+        <p:cNvPr id="1" name=""/>
+        <p:cNvGrpSpPr/>
+        <p:nvPr/>
+      </p:nvGrpSpPr>
+      <p:grpSpPr>
+        <a:xfrm>
+          <a:off x="0" y="0"/>
+          <a:ext cx="0" cy="0"/>
+          <a:chOff x="0" y="0"/>
+          <a:chExt cx="0" cy="0"/>
+        </a:xfrm>
+      </p:grpSpPr>
+      <p:sp>
+        <p:nvSpPr>
+          <p:cNvPr id="2" name="標題 1">
+            <a:extLst>
+              <a:ext uri="{FF2B5EF4-FFF2-40B4-BE49-F238E27FC236}">
+                <a16:creationId xmlns:a16="http://schemas.microsoft.com/office/drawing/2014/main" id="{1B540375-B58C-4639-85DC-5CFD32C9A5FC}"/>
+              </a:ext>
+            </a:extLst>
+          </p:cNvPr>
+          <p:cNvSpPr>
+            <a:spLocks noGrp="1"/>
+          </p:cNvSpPr>
+          <p:nvPr>
+            <p:ph type="ctrTitle"/>
+          </p:nvPr>
+        </p:nvSpPr>
+        <p:spPr>
+          <a:xfrm>
+            <a:off x="513700" y="-516147"/>
+            <a:ext cx="8637073" cy="2541431"/>
+          </a:xfrm>
+        </p:spPr>
+        <p:txBody>
+          <a:bodyPr>
+            <a:normAutofit/>
+          </a:bodyPr>
+          <a:lstStyle/>
+          <a:p>
+            <a:r>
+              <a:rPr lang="en-US" altLang="zh-TW" sz="3600" b="1" dirty="0">
+                <a:solidFill>
+                  <a:srgbClr val="002060"/>
+                </a:solidFill>
+                <a:latin typeface="Algerian" panose="04020705040A02060702" pitchFamily="82" charset="0"/>
+                <a:ea typeface="微軟正黑體" panose="020B0604030504040204" pitchFamily="34" charset="-120"/>
+              </a:rPr>
+              <a:t>7.</a:t>
+            </a:r>
+            <a:r>
+              <a:rPr lang="zh-TW" altLang="en-US" sz="3600" b="1" dirty="0">
+                <a:solidFill>
+                  <a:srgbClr val="002060"/>
+                </a:solidFill>
+                <a:latin typeface="Algerian" panose="04020705040A02060702" pitchFamily="82" charset="0"/>
+                <a:ea typeface="微軟正黑體" panose="020B0604030504040204" pitchFamily="34" charset="-120"/>
+              </a:rPr>
+              <a:t>結局</a:t>
+            </a:r>
+            <a:br>
+              <a:rPr lang="zh-TW" altLang="en-US" b="1" dirty="0">
+                <a:solidFill>
+                  <a:srgbClr val="002060"/>
+                </a:solidFill>
+                <a:latin typeface="Algerian" panose="04020705040A02060702" pitchFamily="82" charset="0"/>
+                <a:ea typeface="微軟正黑體" panose="020B0604030504040204" pitchFamily="34" charset="-120"/>
+              </a:rPr>
+            </a:br>
+            <a:endParaRPr lang="zh-TW" altLang="en-US" b="1" dirty="0">
+              <a:solidFill>
+                <a:srgbClr val="002060"/>
+              </a:solidFill>
+              <a:latin typeface="微軟正黑體" panose="020B0604030504040204" pitchFamily="34" charset="-120"/>
+              <a:ea typeface="微軟正黑體" panose="020B0604030504040204" pitchFamily="34" charset="-120"/>
+            </a:endParaRPr>
+          </a:p>
+        </p:txBody>
+      </p:sp>
+      <p:pic>
+        <p:nvPicPr>
+          <p:cNvPr id="4" name="圖片 3">
+            <a:extLst>
+              <a:ext uri="{FF2B5EF4-FFF2-40B4-BE49-F238E27FC236}">
+                <a16:creationId xmlns:a16="http://schemas.microsoft.com/office/drawing/2014/main" id="{6F9FC56B-70AE-483C-81CD-37BCDBE8ECA3}"/>
+              </a:ext>
+            </a:extLst>
+          </p:cNvPr>
+          <p:cNvPicPr>
+            <a:picLocks noChangeAspect="1"/>
+          </p:cNvPicPr>
+          <p:nvPr/>
+        </p:nvPicPr>
+        <p:blipFill>
+          <a:blip r:embed="rId3">
+            <a:extLst>
+              <a:ext uri="{28A0092B-C50C-407E-A947-70E740481C1C}">
+                <a14:useLocalDpi xmlns:a14="http://schemas.microsoft.com/office/drawing/2010/main" val="0"/>
+              </a:ext>
+            </a:extLst>
+          </a:blip>
+          <a:stretch>
+            <a:fillRect/>
+          </a:stretch>
+        </p:blipFill>
+        <p:spPr>
+          <a:xfrm>
+            <a:off x="762000" y="1123950"/>
+            <a:ext cx="5334000" cy="5334000"/>
+          </a:xfrm>
+          <a:prstGeom prst="rect">
+            <a:avLst/>
+          </a:prstGeom>
+        </p:spPr>
+      </p:pic>
+    </p:spTree>
+    <p:extLst>
+      <p:ext uri="{BB962C8B-B14F-4D97-AF65-F5344CB8AC3E}">
+        <p14:creationId xmlns:p14="http://schemas.microsoft.com/office/powerpoint/2010/main" val="1078601518"/>
       </p:ext>
     </p:extLst>
   </p:cSld>
@@ -3385,6 +5983,289 @@
 </file>
 
 <file path=ppt/theme/theme1.xml><?xml version="1.0" encoding="utf-8"?>
+<a:theme xmlns:a="http://schemas.openxmlformats.org/drawingml/2006/main" name="回顧">
+  <a:themeElements>
+    <a:clrScheme name="藍色 II">
+      <a:dk1>
+        <a:sysClr val="windowText" lastClr="000000"/>
+      </a:dk1>
+      <a:lt1>
+        <a:sysClr val="window" lastClr="FFFFFF"/>
+      </a:lt1>
+      <a:dk2>
+        <a:srgbClr val="335B74"/>
+      </a:dk2>
+      <a:lt2>
+        <a:srgbClr val="DFE3E5"/>
+      </a:lt2>
+      <a:accent1>
+        <a:srgbClr val="1CADE4"/>
+      </a:accent1>
+      <a:accent2>
+        <a:srgbClr val="2683C6"/>
+      </a:accent2>
+      <a:accent3>
+        <a:srgbClr val="27CED7"/>
+      </a:accent3>
+      <a:accent4>
+        <a:srgbClr val="42BA97"/>
+      </a:accent4>
+      <a:accent5>
+        <a:srgbClr val="3E8853"/>
+      </a:accent5>
+      <a:accent6>
+        <a:srgbClr val="62A39F"/>
+      </a:accent6>
+      <a:hlink>
+        <a:srgbClr val="6EAC1C"/>
+      </a:hlink>
+      <a:folHlink>
+        <a:srgbClr val="B26B02"/>
+      </a:folHlink>
+    </a:clrScheme>
+    <a:fontScheme name="回顧">
+      <a:majorFont>
+        <a:latin typeface="Calibri Light" panose="020F0302020204030204"/>
+        <a:ea typeface=""/>
+        <a:cs typeface=""/>
+        <a:font script="Jpan" typeface="ＭＳ Ｐゴシック"/>
+        <a:font script="Hang" typeface="맑은 고딕"/>
+        <a:font script="Hans" typeface="宋体"/>
+        <a:font script="Hant" typeface="新細明體"/>
+        <a:font script="Arab" typeface="Times New Roman"/>
+        <a:font script="Hebr" typeface="Times New Roman"/>
+        <a:font script="Thai" typeface="Angsana New"/>
+        <a:font script="Ethi" typeface="Nyala"/>
+        <a:font script="Beng" typeface="Vrinda"/>
+        <a:font script="Gujr" typeface="Shruti"/>
+        <a:font script="Khmr" typeface="MoolBoran"/>
+        <a:font script="Knda" typeface="Tunga"/>
+        <a:font script="Guru" typeface="Raavi"/>
+        <a:font script="Cans" typeface="Euphemia"/>
+        <a:font script="Cher" typeface="Plantagenet Cherokee"/>
+        <a:font script="Yiii" typeface="Microsoft Yi Baiti"/>
+        <a:font script="Tibt" typeface="Microsoft Himalaya"/>
+        <a:font script="Thaa" typeface="MV Boli"/>
+        <a:font script="Deva" typeface="Mangal"/>
+        <a:font script="Telu" typeface="Gautami"/>
+        <a:font script="Taml" typeface="Latha"/>
+        <a:font script="Syrc" typeface="Estrangelo Edessa"/>
+        <a:font script="Orya" typeface="Kalinga"/>
+        <a:font script="Mlym" typeface="Kartika"/>
+        <a:font script="Laoo" typeface="DokChampa"/>
+        <a:font script="Sinh" typeface="Iskoola Pota"/>
+        <a:font script="Mong" typeface="Mongolian Baiti"/>
+        <a:font script="Viet" typeface="Times New Roman"/>
+        <a:font script="Uigh" typeface="Microsoft Uighur"/>
+        <a:font script="Geor" typeface="Sylfaen"/>
+      </a:majorFont>
+      <a:minorFont>
+        <a:latin typeface="Calibri" panose="020F0502020204030204"/>
+        <a:ea typeface=""/>
+        <a:cs typeface=""/>
+        <a:font script="Jpan" typeface="ＭＳ Ｐゴシック"/>
+        <a:font script="Hang" typeface="맑은 고딕"/>
+        <a:font script="Hans" typeface="宋体"/>
+        <a:font script="Hant" typeface="新細明體"/>
+        <a:font script="Arab" typeface="Arial"/>
+        <a:font script="Hebr" typeface="Arial"/>
+        <a:font script="Thai" typeface="Cordia New"/>
+        <a:font script="Ethi" typeface="Nyala"/>
+        <a:font script="Beng" typeface="Vrinda"/>
+        <a:font script="Gujr" typeface="Shruti"/>
+        <a:font script="Khmr" typeface="DaunPenh"/>
+        <a:font script="Knda" typeface="Tunga"/>
+        <a:font script="Guru" typeface="Raavi"/>
+        <a:font script="Cans" typeface="Euphemia"/>
+        <a:font script="Cher" typeface="Plantagenet Cherokee"/>
+        <a:font script="Yiii" typeface="Microsoft Yi Baiti"/>
+        <a:font script="Tibt" typeface="Microsoft Himalaya"/>
+        <a:font script="Thaa" typeface="MV Boli"/>
+        <a:font script="Deva" typeface="Mangal"/>
+        <a:font script="Telu" typeface="Gautami"/>
+        <a:font script="Taml" typeface="Latha"/>
+        <a:font script="Syrc" typeface="Estrangelo Edessa"/>
+        <a:font script="Orya" typeface="Kalinga"/>
+        <a:font script="Mlym" typeface="Kartika"/>
+        <a:font script="Laoo" typeface="DokChampa"/>
+        <a:font script="Sinh" typeface="Iskoola Pota"/>
+        <a:font script="Mong" typeface="Mongolian Baiti"/>
+        <a:font script="Viet" typeface="Arial"/>
+        <a:font script="Uigh" typeface="Microsoft Uighur"/>
+        <a:font script="Geor" typeface="Sylfaen"/>
+      </a:minorFont>
+    </a:fontScheme>
+    <a:fmtScheme name="回顧">
+      <a:fillStyleLst>
+        <a:solidFill>
+          <a:schemeClr val="phClr"/>
+        </a:solidFill>
+        <a:gradFill rotWithShape="1">
+          <a:gsLst>
+            <a:gs pos="0">
+              <a:schemeClr val="phClr">
+                <a:tint val="65000"/>
+                <a:shade val="92000"/>
+                <a:satMod val="130000"/>
+              </a:schemeClr>
+            </a:gs>
+            <a:gs pos="45000">
+              <a:schemeClr val="phClr">
+                <a:tint val="60000"/>
+                <a:shade val="99000"/>
+                <a:satMod val="120000"/>
+              </a:schemeClr>
+            </a:gs>
+            <a:gs pos="100000">
+              <a:schemeClr val="phClr">
+                <a:tint val="55000"/>
+                <a:satMod val="140000"/>
+              </a:schemeClr>
+            </a:gs>
+          </a:gsLst>
+          <a:path path="circle">
+            <a:fillToRect l="100000" t="100000" r="100000" b="100000"/>
+          </a:path>
+        </a:gradFill>
+        <a:gradFill rotWithShape="1">
+          <a:gsLst>
+            <a:gs pos="0">
+              <a:schemeClr val="phClr">
+                <a:shade val="85000"/>
+                <a:satMod val="130000"/>
+              </a:schemeClr>
+            </a:gs>
+            <a:gs pos="34000">
+              <a:schemeClr val="phClr">
+                <a:shade val="87000"/>
+                <a:satMod val="125000"/>
+              </a:schemeClr>
+            </a:gs>
+            <a:gs pos="70000">
+              <a:schemeClr val="phClr">
+                <a:tint val="100000"/>
+                <a:shade val="90000"/>
+                <a:satMod val="130000"/>
+              </a:schemeClr>
+            </a:gs>
+            <a:gs pos="100000">
+              <a:schemeClr val="phClr">
+                <a:tint val="100000"/>
+                <a:shade val="100000"/>
+                <a:satMod val="110000"/>
+              </a:schemeClr>
+            </a:gs>
+          </a:gsLst>
+          <a:path path="circle">
+            <a:fillToRect l="100000" t="100000" r="100000" b="100000"/>
+          </a:path>
+        </a:gradFill>
+      </a:fillStyleLst>
+      <a:lnStyleLst>
+        <a:ln w="12700" cap="flat" cmpd="sng" algn="ctr">
+          <a:solidFill>
+            <a:schemeClr val="phClr"/>
+          </a:solidFill>
+          <a:prstDash val="solid"/>
+        </a:ln>
+        <a:ln w="15875" cap="flat" cmpd="sng" algn="ctr">
+          <a:solidFill>
+            <a:schemeClr val="phClr"/>
+          </a:solidFill>
+          <a:prstDash val="solid"/>
+        </a:ln>
+        <a:ln w="25400" cap="flat" cmpd="sng" algn="ctr">
+          <a:solidFill>
+            <a:schemeClr val="phClr"/>
+          </a:solidFill>
+          <a:prstDash val="solid"/>
+        </a:ln>
+      </a:lnStyleLst>
+      <a:effectStyleLst>
+        <a:effectStyle>
+          <a:effectLst/>
+        </a:effectStyle>
+        <a:effectStyle>
+          <a:effectLst>
+            <a:outerShdw blurRad="38100" dist="25400" dir="2700000" algn="br" rotWithShape="0">
+              <a:srgbClr val="000000">
+                <a:alpha val="60000"/>
+              </a:srgbClr>
+            </a:outerShdw>
+          </a:effectLst>
+        </a:effectStyle>
+        <a:effectStyle>
+          <a:effectLst>
+            <a:outerShdw blurRad="44450" dist="25400" dir="2700000" algn="br" rotWithShape="0">
+              <a:srgbClr val="000000">
+                <a:alpha val="60000"/>
+              </a:srgbClr>
+            </a:outerShdw>
+          </a:effectLst>
+          <a:scene3d>
+            <a:camera prst="orthographicFront">
+              <a:rot lat="0" lon="0" rev="0"/>
+            </a:camera>
+            <a:lightRig rig="threePt" dir="t">
+              <a:rot lat="0" lon="0" rev="19800000"/>
+            </a:lightRig>
+          </a:scene3d>
+          <a:sp3d prstMaterial="flat">
+            <a:bevelT w="25400" h="31750"/>
+          </a:sp3d>
+        </a:effectStyle>
+      </a:effectStyleLst>
+      <a:bgFillStyleLst>
+        <a:solidFill>
+          <a:schemeClr val="phClr"/>
+        </a:solidFill>
+        <a:solidFill>
+          <a:schemeClr val="phClr">
+            <a:tint val="90000"/>
+            <a:shade val="97000"/>
+            <a:satMod val="130000"/>
+          </a:schemeClr>
+        </a:solidFill>
+        <a:gradFill rotWithShape="1">
+          <a:gsLst>
+            <a:gs pos="0">
+              <a:schemeClr val="phClr">
+                <a:tint val="96000"/>
+                <a:shade val="99000"/>
+                <a:satMod val="140000"/>
+              </a:schemeClr>
+            </a:gs>
+            <a:gs pos="65000">
+              <a:schemeClr val="phClr">
+                <a:tint val="100000"/>
+                <a:shade val="80000"/>
+                <a:satMod val="130000"/>
+              </a:schemeClr>
+            </a:gs>
+            <a:gs pos="100000">
+              <a:schemeClr val="phClr">
+                <a:tint val="100000"/>
+                <a:shade val="48000"/>
+                <a:satMod val="120000"/>
+              </a:schemeClr>
+            </a:gs>
+          </a:gsLst>
+          <a:lin ang="16200000" scaled="0"/>
+        </a:gradFill>
+      </a:bgFillStyleLst>
+    </a:fmtScheme>
+  </a:themeElements>
+  <a:objectDefaults/>
+  <a:extraClrSchemeLst/>
+  <a:extLst>
+    <a:ext uri="{05A4C25C-085E-4340-85A3-A5531E510DB2}">
+      <thm15:themeFamily xmlns:thm15="http://schemas.microsoft.com/office/thememl/2012/main" name="Retrospect" id="{5F128B03-DCCA-4EEB-AB3B-CF2899314A46}" vid="{3F1AAB62-24C6-49D2-8E01-B56FAC9A3DCD}"/>
+    </a:ext>
+  </a:extLst>
+</a:theme>
+</file>
+
+<file path=ppt/theme/theme2.xml><?xml version="1.0" encoding="utf-8"?>
 <a:theme xmlns:a="http://schemas.openxmlformats.org/drawingml/2006/main" name="Office 佈景主題">
   <a:themeElements>
     <a:clrScheme name="Office">
